--- a/BuildingForTheMobileWeb.pptx
+++ b/BuildingForTheMobileWeb.pptx
@@ -6,21 +6,23 @@
     <p:sldMasterId id="2147483779" r:id="rId5"/>
   </p:sldMasterIdLst>
   <p:notesMasterIdLst>
-    <p:notesMasterId r:id="rId10"/>
+    <p:notesMasterId r:id="rId12"/>
   </p:notesMasterIdLst>
   <p:handoutMasterIdLst>
-    <p:handoutMasterId r:id="rId11"/>
+    <p:handoutMasterId r:id="rId13"/>
   </p:handoutMasterIdLst>
   <p:sldIdLst>
     <p:sldId id="296" r:id="rId6"/>
     <p:sldId id="293" r:id="rId7"/>
     <p:sldId id="257" r:id="rId8"/>
-    <p:sldId id="292" r:id="rId9"/>
+    <p:sldId id="297" r:id="rId9"/>
+    <p:sldId id="298" r:id="rId10"/>
+    <p:sldId id="292" r:id="rId11"/>
   </p:sldIdLst>
   <p:sldSz cx="12188825" cy="6858000"/>
   <p:notesSz cx="6858000" cy="9296400"/>
   <p:custDataLst>
-    <p:tags r:id="rId12"/>
+    <p:tags r:id="rId14"/>
   </p:custDataLst>
   <p:defaultTextStyle>
     <a:defPPr>
@@ -175,6 +177,2656 @@
 </p:presentation>
 </file>
 
+<file path=ppt/diagrams/colors1.xml><?xml version="1.0" encoding="utf-8"?>
+<dgm:colorsDef xmlns:dgm="http://schemas.openxmlformats.org/drawingml/2006/diagram" xmlns:a="http://schemas.openxmlformats.org/drawingml/2006/main" uniqueId="urn:microsoft.com/office/officeart/2005/8/colors/accent1_3">
+  <dgm:title val=""/>
+  <dgm:desc val=""/>
+  <dgm:catLst>
+    <dgm:cat type="accent1" pri="11300"/>
+  </dgm:catLst>
+  <dgm:styleLbl name="node0">
+    <dgm:fillClrLst meth="repeat">
+      <a:schemeClr val="accent1">
+        <a:shade val="80000"/>
+      </a:schemeClr>
+    </dgm:fillClrLst>
+    <dgm:linClrLst meth="repeat">
+      <a:schemeClr val="lt1"/>
+    </dgm:linClrLst>
+    <dgm:effectClrLst/>
+    <dgm:txLinClrLst/>
+    <dgm:txFillClrLst/>
+    <dgm:txEffectClrLst/>
+  </dgm:styleLbl>
+  <dgm:styleLbl name="alignNode1">
+    <dgm:fillClrLst>
+      <a:schemeClr val="accent1">
+        <a:shade val="80000"/>
+      </a:schemeClr>
+      <a:schemeClr val="accent1">
+        <a:tint val="70000"/>
+      </a:schemeClr>
+    </dgm:fillClrLst>
+    <dgm:linClrLst>
+      <a:schemeClr val="accent1">
+        <a:shade val="80000"/>
+      </a:schemeClr>
+      <a:schemeClr val="accent1">
+        <a:tint val="70000"/>
+      </a:schemeClr>
+    </dgm:linClrLst>
+    <dgm:effectClrLst/>
+    <dgm:txLinClrLst/>
+    <dgm:txFillClrLst/>
+    <dgm:txEffectClrLst/>
+  </dgm:styleLbl>
+  <dgm:styleLbl name="node1">
+    <dgm:fillClrLst>
+      <a:schemeClr val="accent1">
+        <a:shade val="80000"/>
+      </a:schemeClr>
+      <a:schemeClr val="accent1">
+        <a:tint val="70000"/>
+      </a:schemeClr>
+    </dgm:fillClrLst>
+    <dgm:linClrLst meth="repeat">
+      <a:schemeClr val="lt1"/>
+    </dgm:linClrLst>
+    <dgm:effectClrLst/>
+    <dgm:txLinClrLst/>
+    <dgm:txFillClrLst/>
+    <dgm:txEffectClrLst/>
+  </dgm:styleLbl>
+  <dgm:styleLbl name="lnNode1">
+    <dgm:fillClrLst>
+      <a:schemeClr val="accent1">
+        <a:shade val="80000"/>
+      </a:schemeClr>
+      <a:schemeClr val="accent1">
+        <a:tint val="70000"/>
+      </a:schemeClr>
+    </dgm:fillClrLst>
+    <dgm:linClrLst meth="repeat">
+      <a:schemeClr val="lt1"/>
+    </dgm:linClrLst>
+    <dgm:effectClrLst/>
+    <dgm:txLinClrLst/>
+    <dgm:txFillClrLst/>
+    <dgm:txEffectClrLst/>
+  </dgm:styleLbl>
+  <dgm:styleLbl name="vennNode1">
+    <dgm:fillClrLst>
+      <a:schemeClr val="accent1">
+        <a:shade val="80000"/>
+        <a:alpha val="50000"/>
+      </a:schemeClr>
+      <a:schemeClr val="accent1">
+        <a:tint val="70000"/>
+        <a:alpha val="50000"/>
+      </a:schemeClr>
+    </dgm:fillClrLst>
+    <dgm:linClrLst meth="repeat">
+      <a:schemeClr val="lt1"/>
+    </dgm:linClrLst>
+    <dgm:effectClrLst/>
+    <dgm:txLinClrLst/>
+    <dgm:txFillClrLst/>
+    <dgm:txEffectClrLst/>
+  </dgm:styleLbl>
+  <dgm:styleLbl name="node2">
+    <dgm:fillClrLst>
+      <a:schemeClr val="accent1">
+        <a:tint val="99000"/>
+      </a:schemeClr>
+    </dgm:fillClrLst>
+    <dgm:linClrLst meth="repeat">
+      <a:schemeClr val="lt1"/>
+    </dgm:linClrLst>
+    <dgm:effectClrLst/>
+    <dgm:txLinClrLst/>
+    <dgm:txFillClrLst/>
+    <dgm:txEffectClrLst/>
+  </dgm:styleLbl>
+  <dgm:styleLbl name="node3">
+    <dgm:fillClrLst>
+      <a:schemeClr val="accent1">
+        <a:tint val="80000"/>
+      </a:schemeClr>
+    </dgm:fillClrLst>
+    <dgm:linClrLst meth="repeat">
+      <a:schemeClr val="lt1"/>
+    </dgm:linClrLst>
+    <dgm:effectClrLst/>
+    <dgm:txLinClrLst/>
+    <dgm:txFillClrLst/>
+    <dgm:txEffectClrLst/>
+  </dgm:styleLbl>
+  <dgm:styleLbl name="node4">
+    <dgm:fillClrLst>
+      <a:schemeClr val="accent1">
+        <a:tint val="70000"/>
+      </a:schemeClr>
+    </dgm:fillClrLst>
+    <dgm:linClrLst meth="repeat">
+      <a:schemeClr val="lt1"/>
+    </dgm:linClrLst>
+    <dgm:effectClrLst/>
+    <dgm:txLinClrLst/>
+    <dgm:txFillClrLst/>
+    <dgm:txEffectClrLst/>
+  </dgm:styleLbl>
+  <dgm:styleLbl name="fgImgPlace1">
+    <dgm:fillClrLst>
+      <a:schemeClr val="accent1">
+        <a:tint val="50000"/>
+      </a:schemeClr>
+      <a:schemeClr val="accent1">
+        <a:tint val="20000"/>
+      </a:schemeClr>
+    </dgm:fillClrLst>
+    <dgm:linClrLst meth="repeat">
+      <a:schemeClr val="lt1"/>
+    </dgm:linClrLst>
+    <dgm:effectClrLst/>
+    <dgm:txLinClrLst/>
+    <dgm:txFillClrLst meth="repeat">
+      <a:schemeClr val="lt1"/>
+    </dgm:txFillClrLst>
+    <dgm:txEffectClrLst/>
+  </dgm:styleLbl>
+  <dgm:styleLbl name="alignImgPlace1">
+    <dgm:fillClrLst>
+      <a:schemeClr val="accent1">
+        <a:tint val="50000"/>
+      </a:schemeClr>
+      <a:schemeClr val="accent1">
+        <a:tint val="20000"/>
+      </a:schemeClr>
+    </dgm:fillClrLst>
+    <dgm:linClrLst meth="repeat">
+      <a:schemeClr val="lt1"/>
+    </dgm:linClrLst>
+    <dgm:effectClrLst/>
+    <dgm:txLinClrLst/>
+    <dgm:txFillClrLst meth="repeat">
+      <a:schemeClr val="lt1"/>
+    </dgm:txFillClrLst>
+    <dgm:txEffectClrLst/>
+  </dgm:styleLbl>
+  <dgm:styleLbl name="bgImgPlace1">
+    <dgm:fillClrLst>
+      <a:schemeClr val="accent1">
+        <a:tint val="50000"/>
+      </a:schemeClr>
+      <a:schemeClr val="accent1">
+        <a:tint val="20000"/>
+      </a:schemeClr>
+    </dgm:fillClrLst>
+    <dgm:linClrLst meth="repeat">
+      <a:schemeClr val="lt1"/>
+    </dgm:linClrLst>
+    <dgm:effectClrLst/>
+    <dgm:txLinClrLst/>
+    <dgm:txFillClrLst meth="repeat">
+      <a:schemeClr val="lt1"/>
+    </dgm:txFillClrLst>
+    <dgm:txEffectClrLst/>
+  </dgm:styleLbl>
+  <dgm:styleLbl name="sibTrans2D1">
+    <dgm:fillClrLst>
+      <a:schemeClr val="accent1">
+        <a:shade val="90000"/>
+      </a:schemeClr>
+      <a:schemeClr val="accent1">
+        <a:tint val="70000"/>
+      </a:schemeClr>
+    </dgm:fillClrLst>
+    <dgm:linClrLst>
+      <a:schemeClr val="accent1">
+        <a:shade val="90000"/>
+      </a:schemeClr>
+      <a:schemeClr val="accent1">
+        <a:tint val="70000"/>
+      </a:schemeClr>
+    </dgm:linClrLst>
+    <dgm:effectClrLst/>
+    <dgm:txLinClrLst/>
+    <dgm:txFillClrLst/>
+    <dgm:txEffectClrLst/>
+  </dgm:styleLbl>
+  <dgm:styleLbl name="fgSibTrans2D1">
+    <dgm:fillClrLst>
+      <a:schemeClr val="accent1">
+        <a:shade val="90000"/>
+      </a:schemeClr>
+      <a:schemeClr val="accent1">
+        <a:tint val="70000"/>
+      </a:schemeClr>
+    </dgm:fillClrLst>
+    <dgm:linClrLst>
+      <a:schemeClr val="accent1">
+        <a:shade val="90000"/>
+      </a:schemeClr>
+      <a:schemeClr val="accent1">
+        <a:tint val="70000"/>
+      </a:schemeClr>
+    </dgm:linClrLst>
+    <dgm:effectClrLst/>
+    <dgm:txLinClrLst/>
+    <dgm:txFillClrLst meth="repeat">
+      <a:schemeClr val="lt1"/>
+    </dgm:txFillClrLst>
+    <dgm:txEffectClrLst/>
+  </dgm:styleLbl>
+  <dgm:styleLbl name="bgSibTrans2D1">
+    <dgm:fillClrLst>
+      <a:schemeClr val="accent1">
+        <a:shade val="90000"/>
+      </a:schemeClr>
+      <a:schemeClr val="accent1">
+        <a:tint val="70000"/>
+      </a:schemeClr>
+    </dgm:fillClrLst>
+    <dgm:linClrLst>
+      <a:schemeClr val="accent1">
+        <a:shade val="90000"/>
+      </a:schemeClr>
+      <a:schemeClr val="accent1">
+        <a:tint val="70000"/>
+      </a:schemeClr>
+    </dgm:linClrLst>
+    <dgm:effectClrLst/>
+    <dgm:txLinClrLst/>
+    <dgm:txFillClrLst meth="repeat">
+      <a:schemeClr val="lt1"/>
+    </dgm:txFillClrLst>
+    <dgm:txEffectClrLst/>
+  </dgm:styleLbl>
+  <dgm:styleLbl name="sibTrans1D1">
+    <dgm:fillClrLst>
+      <a:schemeClr val="accent1">
+        <a:shade val="90000"/>
+      </a:schemeClr>
+      <a:schemeClr val="accent1">
+        <a:tint val="70000"/>
+      </a:schemeClr>
+    </dgm:fillClrLst>
+    <dgm:linClrLst>
+      <a:schemeClr val="accent1">
+        <a:shade val="90000"/>
+      </a:schemeClr>
+      <a:schemeClr val="accent1">
+        <a:tint val="70000"/>
+      </a:schemeClr>
+    </dgm:linClrLst>
+    <dgm:effectClrLst/>
+    <dgm:txLinClrLst/>
+    <dgm:txFillClrLst meth="repeat">
+      <a:schemeClr val="tx1"/>
+    </dgm:txFillClrLst>
+    <dgm:txEffectClrLst/>
+  </dgm:styleLbl>
+  <dgm:styleLbl name="callout">
+    <dgm:fillClrLst meth="repeat">
+      <a:schemeClr val="accent1"/>
+    </dgm:fillClrLst>
+    <dgm:linClrLst meth="repeat">
+      <a:schemeClr val="accent1"/>
+    </dgm:linClrLst>
+    <dgm:effectClrLst/>
+    <dgm:txLinClrLst/>
+    <dgm:txFillClrLst meth="repeat">
+      <a:schemeClr val="tx1"/>
+    </dgm:txFillClrLst>
+    <dgm:txEffectClrLst/>
+  </dgm:styleLbl>
+  <dgm:styleLbl name="asst0">
+    <dgm:fillClrLst meth="repeat">
+      <a:schemeClr val="accent1">
+        <a:shade val="80000"/>
+      </a:schemeClr>
+    </dgm:fillClrLst>
+    <dgm:linClrLst meth="repeat">
+      <a:schemeClr val="lt1"/>
+    </dgm:linClrLst>
+    <dgm:effectClrLst/>
+    <dgm:txLinClrLst/>
+    <dgm:txFillClrLst/>
+    <dgm:txEffectClrLst/>
+  </dgm:styleLbl>
+  <dgm:styleLbl name="asst1">
+    <dgm:fillClrLst meth="repeat">
+      <a:schemeClr val="accent1">
+        <a:shade val="80000"/>
+      </a:schemeClr>
+    </dgm:fillClrLst>
+    <dgm:linClrLst meth="repeat">
+      <a:schemeClr val="lt1"/>
+    </dgm:linClrLst>
+    <dgm:effectClrLst/>
+    <dgm:txLinClrLst/>
+    <dgm:txFillClrLst/>
+    <dgm:txEffectClrLst/>
+  </dgm:styleLbl>
+  <dgm:styleLbl name="asst2">
+    <dgm:fillClrLst>
+      <a:schemeClr val="accent1">
+        <a:tint val="99000"/>
+      </a:schemeClr>
+    </dgm:fillClrLst>
+    <dgm:linClrLst meth="repeat">
+      <a:schemeClr val="lt1"/>
+    </dgm:linClrLst>
+    <dgm:effectClrLst/>
+    <dgm:txLinClrLst/>
+    <dgm:txFillClrLst/>
+    <dgm:txEffectClrLst/>
+  </dgm:styleLbl>
+  <dgm:styleLbl name="asst3">
+    <dgm:fillClrLst>
+      <a:schemeClr val="accent1">
+        <a:tint val="80000"/>
+      </a:schemeClr>
+    </dgm:fillClrLst>
+    <dgm:linClrLst meth="repeat">
+      <a:schemeClr val="lt1"/>
+    </dgm:linClrLst>
+    <dgm:effectClrLst/>
+    <dgm:txLinClrLst/>
+    <dgm:txFillClrLst/>
+    <dgm:txEffectClrLst/>
+  </dgm:styleLbl>
+  <dgm:styleLbl name="asst4">
+    <dgm:fillClrLst>
+      <a:schemeClr val="accent1">
+        <a:tint val="70000"/>
+      </a:schemeClr>
+    </dgm:fillClrLst>
+    <dgm:linClrLst meth="repeat">
+      <a:schemeClr val="lt1"/>
+    </dgm:linClrLst>
+    <dgm:effectClrLst/>
+    <dgm:txLinClrLst/>
+    <dgm:txFillClrLst/>
+    <dgm:txEffectClrLst/>
+  </dgm:styleLbl>
+  <dgm:styleLbl name="parChTrans2D1">
+    <dgm:fillClrLst meth="repeat">
+      <a:schemeClr val="accent1">
+        <a:tint val="60000"/>
+      </a:schemeClr>
+    </dgm:fillClrLst>
+    <dgm:linClrLst meth="repeat">
+      <a:schemeClr val="accent1">
+        <a:tint val="60000"/>
+      </a:schemeClr>
+    </dgm:linClrLst>
+    <dgm:effectClrLst/>
+    <dgm:txLinClrLst/>
+    <dgm:txFillClrLst meth="repeat">
+      <a:schemeClr val="lt1"/>
+    </dgm:txFillClrLst>
+    <dgm:txEffectClrLst/>
+  </dgm:styleLbl>
+  <dgm:styleLbl name="parChTrans2D2">
+    <dgm:fillClrLst meth="repeat">
+      <a:schemeClr val="accent1">
+        <a:tint val="90000"/>
+      </a:schemeClr>
+    </dgm:fillClrLst>
+    <dgm:linClrLst meth="repeat">
+      <a:schemeClr val="accent1">
+        <a:tint val="90000"/>
+      </a:schemeClr>
+    </dgm:linClrLst>
+    <dgm:effectClrLst/>
+    <dgm:txLinClrLst/>
+    <dgm:txFillClrLst/>
+    <dgm:txEffectClrLst/>
+  </dgm:styleLbl>
+  <dgm:styleLbl name="parChTrans2D3">
+    <dgm:fillClrLst meth="repeat">
+      <a:schemeClr val="accent1">
+        <a:tint val="70000"/>
+      </a:schemeClr>
+    </dgm:fillClrLst>
+    <dgm:linClrLst meth="repeat">
+      <a:schemeClr val="accent1">
+        <a:tint val="70000"/>
+      </a:schemeClr>
+    </dgm:linClrLst>
+    <dgm:effectClrLst/>
+    <dgm:txLinClrLst/>
+    <dgm:txFillClrLst/>
+    <dgm:txEffectClrLst/>
+  </dgm:styleLbl>
+  <dgm:styleLbl name="parChTrans2D4">
+    <dgm:fillClrLst meth="repeat">
+      <a:schemeClr val="accent1">
+        <a:tint val="50000"/>
+      </a:schemeClr>
+    </dgm:fillClrLst>
+    <dgm:linClrLst meth="repeat">
+      <a:schemeClr val="accent1">
+        <a:tint val="50000"/>
+      </a:schemeClr>
+    </dgm:linClrLst>
+    <dgm:effectClrLst/>
+    <dgm:txLinClrLst/>
+    <dgm:txFillClrLst meth="repeat">
+      <a:schemeClr val="lt1"/>
+    </dgm:txFillClrLst>
+    <dgm:txEffectClrLst/>
+  </dgm:styleLbl>
+  <dgm:styleLbl name="parChTrans1D1">
+    <dgm:fillClrLst meth="repeat">
+      <a:schemeClr val="accent1">
+        <a:shade val="80000"/>
+      </a:schemeClr>
+    </dgm:fillClrLst>
+    <dgm:linClrLst meth="repeat">
+      <a:schemeClr val="accent1">
+        <a:shade val="80000"/>
+      </a:schemeClr>
+    </dgm:linClrLst>
+    <dgm:effectClrLst/>
+    <dgm:txLinClrLst/>
+    <dgm:txFillClrLst meth="repeat">
+      <a:schemeClr val="tx1"/>
+    </dgm:txFillClrLst>
+    <dgm:txEffectClrLst/>
+  </dgm:styleLbl>
+  <dgm:styleLbl name="parChTrans1D2">
+    <dgm:fillClrLst meth="repeat">
+      <a:schemeClr val="accent1">
+        <a:tint val="99000"/>
+      </a:schemeClr>
+    </dgm:fillClrLst>
+    <dgm:linClrLst meth="repeat">
+      <a:schemeClr val="accent1">
+        <a:tint val="99000"/>
+      </a:schemeClr>
+    </dgm:linClrLst>
+    <dgm:effectClrLst/>
+    <dgm:txLinClrLst/>
+    <dgm:txFillClrLst meth="repeat">
+      <a:schemeClr val="tx1"/>
+    </dgm:txFillClrLst>
+    <dgm:txEffectClrLst/>
+  </dgm:styleLbl>
+  <dgm:styleLbl name="parChTrans1D3">
+    <dgm:fillClrLst meth="repeat">
+      <a:schemeClr val="accent1">
+        <a:tint val="80000"/>
+      </a:schemeClr>
+    </dgm:fillClrLst>
+    <dgm:linClrLst meth="repeat">
+      <a:schemeClr val="accent1">
+        <a:tint val="80000"/>
+      </a:schemeClr>
+    </dgm:linClrLst>
+    <dgm:effectClrLst/>
+    <dgm:txLinClrLst/>
+    <dgm:txFillClrLst meth="repeat">
+      <a:schemeClr val="tx1"/>
+    </dgm:txFillClrLst>
+    <dgm:txEffectClrLst/>
+  </dgm:styleLbl>
+  <dgm:styleLbl name="parChTrans1D4">
+    <dgm:fillClrLst meth="repeat">
+      <a:schemeClr val="accent1">
+        <a:tint val="70000"/>
+      </a:schemeClr>
+    </dgm:fillClrLst>
+    <dgm:linClrLst meth="repeat">
+      <a:schemeClr val="accent1">
+        <a:tint val="70000"/>
+      </a:schemeClr>
+    </dgm:linClrLst>
+    <dgm:effectClrLst/>
+    <dgm:txLinClrLst/>
+    <dgm:txFillClrLst meth="repeat">
+      <a:schemeClr val="tx1"/>
+    </dgm:txFillClrLst>
+    <dgm:txEffectClrLst/>
+  </dgm:styleLbl>
+  <dgm:styleLbl name="fgAcc1">
+    <dgm:fillClrLst meth="repeat">
+      <a:schemeClr val="lt1">
+        <a:alpha val="90000"/>
+      </a:schemeClr>
+    </dgm:fillClrLst>
+    <dgm:linClrLst>
+      <a:schemeClr val="accent1">
+        <a:shade val="80000"/>
+      </a:schemeClr>
+      <a:schemeClr val="accent1">
+        <a:tint val="70000"/>
+      </a:schemeClr>
+    </dgm:linClrLst>
+    <dgm:effectClrLst/>
+    <dgm:txLinClrLst/>
+    <dgm:txFillClrLst meth="repeat">
+      <a:schemeClr val="dk1"/>
+    </dgm:txFillClrLst>
+    <dgm:txEffectClrLst/>
+  </dgm:styleLbl>
+  <dgm:styleLbl name="conFgAcc1">
+    <dgm:fillClrLst meth="repeat">
+      <a:schemeClr val="lt1">
+        <a:alpha val="90000"/>
+      </a:schemeClr>
+    </dgm:fillClrLst>
+    <dgm:linClrLst>
+      <a:schemeClr val="accent1">
+        <a:shade val="80000"/>
+      </a:schemeClr>
+      <a:schemeClr val="accent1">
+        <a:tint val="70000"/>
+      </a:schemeClr>
+    </dgm:linClrLst>
+    <dgm:effectClrLst/>
+    <dgm:txLinClrLst/>
+    <dgm:txFillClrLst meth="repeat">
+      <a:schemeClr val="dk1"/>
+    </dgm:txFillClrLst>
+    <dgm:txEffectClrLst/>
+  </dgm:styleLbl>
+  <dgm:styleLbl name="alignAcc1">
+    <dgm:fillClrLst meth="repeat">
+      <a:schemeClr val="lt1">
+        <a:alpha val="90000"/>
+      </a:schemeClr>
+    </dgm:fillClrLst>
+    <dgm:linClrLst>
+      <a:schemeClr val="accent1">
+        <a:shade val="80000"/>
+      </a:schemeClr>
+      <a:schemeClr val="accent1">
+        <a:tint val="70000"/>
+      </a:schemeClr>
+    </dgm:linClrLst>
+    <dgm:effectClrLst/>
+    <dgm:txLinClrLst/>
+    <dgm:txFillClrLst meth="repeat">
+      <a:schemeClr val="dk1"/>
+    </dgm:txFillClrLst>
+    <dgm:txEffectClrLst/>
+  </dgm:styleLbl>
+  <dgm:styleLbl name="trAlignAcc1">
+    <dgm:fillClrLst meth="repeat">
+      <a:schemeClr val="lt1">
+        <a:alpha val="40000"/>
+      </a:schemeClr>
+    </dgm:fillClrLst>
+    <dgm:linClrLst meth="repeat">
+      <a:schemeClr val="accent1"/>
+    </dgm:linClrLst>
+    <dgm:effectClrLst/>
+    <dgm:txLinClrLst/>
+    <dgm:txFillClrLst meth="repeat">
+      <a:schemeClr val="dk1"/>
+    </dgm:txFillClrLst>
+    <dgm:txEffectClrLst/>
+  </dgm:styleLbl>
+  <dgm:styleLbl name="bgAcc1">
+    <dgm:fillClrLst meth="repeat">
+      <a:schemeClr val="lt1">
+        <a:alpha val="90000"/>
+      </a:schemeClr>
+    </dgm:fillClrLst>
+    <dgm:linClrLst>
+      <a:schemeClr val="accent1">
+        <a:shade val="80000"/>
+      </a:schemeClr>
+      <a:schemeClr val="accent1">
+        <a:tint val="70000"/>
+      </a:schemeClr>
+    </dgm:linClrLst>
+    <dgm:effectClrLst/>
+    <dgm:txLinClrLst/>
+    <dgm:txFillClrLst meth="repeat">
+      <a:schemeClr val="dk1"/>
+    </dgm:txFillClrLst>
+    <dgm:txEffectClrLst/>
+  </dgm:styleLbl>
+  <dgm:styleLbl name="solidFgAcc1">
+    <dgm:fillClrLst meth="repeat">
+      <a:schemeClr val="lt1"/>
+    </dgm:fillClrLst>
+    <dgm:linClrLst>
+      <a:schemeClr val="accent1">
+        <a:shade val="80000"/>
+      </a:schemeClr>
+      <a:schemeClr val="accent1">
+        <a:tint val="70000"/>
+      </a:schemeClr>
+    </dgm:linClrLst>
+    <dgm:effectClrLst/>
+    <dgm:txLinClrLst/>
+    <dgm:txFillClrLst meth="repeat">
+      <a:schemeClr val="dk1"/>
+    </dgm:txFillClrLst>
+    <dgm:txEffectClrLst/>
+  </dgm:styleLbl>
+  <dgm:styleLbl name="solidAlignAcc1">
+    <dgm:fillClrLst meth="repeat">
+      <a:schemeClr val="lt1"/>
+    </dgm:fillClrLst>
+    <dgm:linClrLst meth="repeat">
+      <a:schemeClr val="accent1"/>
+    </dgm:linClrLst>
+    <dgm:effectClrLst/>
+    <dgm:txLinClrLst/>
+    <dgm:txFillClrLst meth="repeat">
+      <a:schemeClr val="dk1"/>
+    </dgm:txFillClrLst>
+    <dgm:txEffectClrLst/>
+  </dgm:styleLbl>
+  <dgm:styleLbl name="solidBgAcc1">
+    <dgm:fillClrLst meth="repeat">
+      <a:schemeClr val="lt1"/>
+    </dgm:fillClrLst>
+    <dgm:linClrLst meth="repeat">
+      <a:schemeClr val="accent1"/>
+    </dgm:linClrLst>
+    <dgm:effectClrLst/>
+    <dgm:txLinClrLst/>
+    <dgm:txFillClrLst meth="repeat">
+      <a:schemeClr val="dk1"/>
+    </dgm:txFillClrLst>
+    <dgm:txEffectClrLst/>
+  </dgm:styleLbl>
+  <dgm:styleLbl name="fgAccFollowNode1">
+    <dgm:fillClrLst meth="repeat">
+      <a:schemeClr val="accent1">
+        <a:alpha val="90000"/>
+        <a:tint val="40000"/>
+      </a:schemeClr>
+    </dgm:fillClrLst>
+    <dgm:linClrLst meth="repeat">
+      <a:schemeClr val="accent1">
+        <a:alpha val="90000"/>
+        <a:tint val="40000"/>
+      </a:schemeClr>
+    </dgm:linClrLst>
+    <dgm:effectClrLst/>
+    <dgm:txLinClrLst/>
+    <dgm:txFillClrLst meth="repeat">
+      <a:schemeClr val="dk1"/>
+    </dgm:txFillClrLst>
+    <dgm:txEffectClrLst/>
+  </dgm:styleLbl>
+  <dgm:styleLbl name="alignAccFollowNode1">
+    <dgm:fillClrLst meth="repeat">
+      <a:schemeClr val="accent1">
+        <a:alpha val="90000"/>
+        <a:tint val="40000"/>
+      </a:schemeClr>
+    </dgm:fillClrLst>
+    <dgm:linClrLst meth="repeat">
+      <a:schemeClr val="accent1">
+        <a:alpha val="90000"/>
+        <a:tint val="40000"/>
+      </a:schemeClr>
+    </dgm:linClrLst>
+    <dgm:effectClrLst/>
+    <dgm:txLinClrLst/>
+    <dgm:txFillClrLst meth="repeat">
+      <a:schemeClr val="dk1"/>
+    </dgm:txFillClrLst>
+    <dgm:txEffectClrLst/>
+  </dgm:styleLbl>
+  <dgm:styleLbl name="bgAccFollowNode1">
+    <dgm:fillClrLst meth="repeat">
+      <a:schemeClr val="accent1">
+        <a:alpha val="90000"/>
+        <a:tint val="40000"/>
+      </a:schemeClr>
+    </dgm:fillClrLst>
+    <dgm:linClrLst meth="repeat">
+      <a:schemeClr val="lt1"/>
+    </dgm:linClrLst>
+    <dgm:effectClrLst/>
+    <dgm:txLinClrLst/>
+    <dgm:txFillClrLst meth="repeat">
+      <a:schemeClr val="dk1"/>
+    </dgm:txFillClrLst>
+    <dgm:txEffectClrLst/>
+  </dgm:styleLbl>
+  <dgm:styleLbl name="fgAcc0">
+    <dgm:fillClrLst meth="repeat">
+      <a:schemeClr val="lt1">
+        <a:alpha val="90000"/>
+      </a:schemeClr>
+    </dgm:fillClrLst>
+    <dgm:linClrLst meth="repeat">
+      <a:schemeClr val="accent1">
+        <a:shade val="80000"/>
+      </a:schemeClr>
+    </dgm:linClrLst>
+    <dgm:effectClrLst/>
+    <dgm:txLinClrLst/>
+    <dgm:txFillClrLst meth="repeat">
+      <a:schemeClr val="dk1"/>
+    </dgm:txFillClrLst>
+    <dgm:txEffectClrLst/>
+  </dgm:styleLbl>
+  <dgm:styleLbl name="fgAcc2">
+    <dgm:fillClrLst meth="repeat">
+      <a:schemeClr val="lt1">
+        <a:alpha val="90000"/>
+      </a:schemeClr>
+    </dgm:fillClrLst>
+    <dgm:linClrLst meth="repeat">
+      <a:schemeClr val="accent1">
+        <a:tint val="99000"/>
+      </a:schemeClr>
+    </dgm:linClrLst>
+    <dgm:effectClrLst/>
+    <dgm:txLinClrLst/>
+    <dgm:txFillClrLst meth="repeat">
+      <a:schemeClr val="dk1"/>
+    </dgm:txFillClrLst>
+    <dgm:txEffectClrLst/>
+  </dgm:styleLbl>
+  <dgm:styleLbl name="fgAcc3">
+    <dgm:fillClrLst meth="repeat">
+      <a:schemeClr val="lt1">
+        <a:alpha val="90000"/>
+      </a:schemeClr>
+    </dgm:fillClrLst>
+    <dgm:linClrLst meth="repeat">
+      <a:schemeClr val="accent1">
+        <a:tint val="80000"/>
+      </a:schemeClr>
+    </dgm:linClrLst>
+    <dgm:effectClrLst/>
+    <dgm:txLinClrLst/>
+    <dgm:txFillClrLst meth="repeat">
+      <a:schemeClr val="dk1"/>
+    </dgm:txFillClrLst>
+    <dgm:txEffectClrLst/>
+  </dgm:styleLbl>
+  <dgm:styleLbl name="fgAcc4">
+    <dgm:fillClrLst meth="repeat">
+      <a:schemeClr val="lt1">
+        <a:alpha val="90000"/>
+      </a:schemeClr>
+    </dgm:fillClrLst>
+    <dgm:linClrLst meth="repeat">
+      <a:schemeClr val="accent1">
+        <a:tint val="70000"/>
+      </a:schemeClr>
+    </dgm:linClrLst>
+    <dgm:effectClrLst/>
+    <dgm:txLinClrLst/>
+    <dgm:txFillClrLst meth="repeat">
+      <a:schemeClr val="dk1"/>
+    </dgm:txFillClrLst>
+    <dgm:txEffectClrLst/>
+  </dgm:styleLbl>
+  <dgm:styleLbl name="bgShp">
+    <dgm:fillClrLst meth="repeat">
+      <a:schemeClr val="accent1">
+        <a:tint val="40000"/>
+      </a:schemeClr>
+    </dgm:fillClrLst>
+    <dgm:linClrLst meth="repeat">
+      <a:schemeClr val="dk1"/>
+    </dgm:linClrLst>
+    <dgm:effectClrLst/>
+    <dgm:txLinClrLst/>
+    <dgm:txFillClrLst meth="repeat">
+      <a:schemeClr val="dk1"/>
+    </dgm:txFillClrLst>
+    <dgm:txEffectClrLst/>
+  </dgm:styleLbl>
+  <dgm:styleLbl name="dkBgShp">
+    <dgm:fillClrLst meth="repeat">
+      <a:schemeClr val="accent1">
+        <a:shade val="90000"/>
+      </a:schemeClr>
+    </dgm:fillClrLst>
+    <dgm:linClrLst meth="repeat">
+      <a:schemeClr val="dk1"/>
+    </dgm:linClrLst>
+    <dgm:effectClrLst/>
+    <dgm:txLinClrLst/>
+    <dgm:txFillClrLst meth="repeat">
+      <a:schemeClr val="lt1"/>
+    </dgm:txFillClrLst>
+    <dgm:txEffectClrLst/>
+  </dgm:styleLbl>
+  <dgm:styleLbl name="trBgShp">
+    <dgm:fillClrLst meth="repeat">
+      <a:schemeClr val="accent1">
+        <a:tint val="50000"/>
+        <a:alpha val="40000"/>
+      </a:schemeClr>
+    </dgm:fillClrLst>
+    <dgm:linClrLst meth="repeat">
+      <a:schemeClr val="accent1"/>
+    </dgm:linClrLst>
+    <dgm:effectClrLst/>
+    <dgm:txLinClrLst/>
+    <dgm:txFillClrLst meth="repeat">
+      <a:schemeClr val="lt1"/>
+    </dgm:txFillClrLst>
+    <dgm:txEffectClrLst/>
+  </dgm:styleLbl>
+  <dgm:styleLbl name="fgShp">
+    <dgm:fillClrLst meth="repeat">
+      <a:schemeClr val="accent1">
+        <a:tint val="40000"/>
+      </a:schemeClr>
+    </dgm:fillClrLst>
+    <dgm:linClrLst meth="repeat">
+      <a:schemeClr val="lt1"/>
+    </dgm:linClrLst>
+    <dgm:effectClrLst/>
+    <dgm:txLinClrLst/>
+    <dgm:txFillClrLst meth="repeat">
+      <a:schemeClr val="dk1"/>
+    </dgm:txFillClrLst>
+    <dgm:txEffectClrLst/>
+  </dgm:styleLbl>
+  <dgm:styleLbl name="revTx">
+    <dgm:fillClrLst meth="repeat">
+      <a:schemeClr val="lt1">
+        <a:alpha val="0"/>
+      </a:schemeClr>
+    </dgm:fillClrLst>
+    <dgm:linClrLst meth="repeat">
+      <a:schemeClr val="dk1">
+        <a:alpha val="0"/>
+      </a:schemeClr>
+    </dgm:linClrLst>
+    <dgm:effectClrLst/>
+    <dgm:txLinClrLst/>
+    <dgm:txFillClrLst meth="repeat">
+      <a:schemeClr val="tx1"/>
+    </dgm:txFillClrLst>
+    <dgm:txEffectClrLst/>
+  </dgm:styleLbl>
+</dgm:colorsDef>
+</file>
+
+<file path=ppt/diagrams/data1.xml><?xml version="1.0" encoding="utf-8"?>
+<dgm:dataModel xmlns:dgm="http://schemas.openxmlformats.org/drawingml/2006/diagram" xmlns:a="http://schemas.openxmlformats.org/drawingml/2006/main">
+  <dgm:ptLst>
+    <dgm:pt modelId="{69E7DF19-1910-416C-936F-EB2E6F37734B}" type="doc">
+      <dgm:prSet loTypeId="urn:microsoft.com/office/officeart/2005/8/layout/chevron1" loCatId="process" qsTypeId="urn:microsoft.com/office/officeart/2005/8/quickstyle/simple1" qsCatId="simple" csTypeId="urn:microsoft.com/office/officeart/2005/8/colors/accent1_3" csCatId="accent1" phldr="1"/>
+      <dgm:spPr/>
+    </dgm:pt>
+    <dgm:pt modelId="{DD3994C7-351F-4257-913D-F4A281A62D15}">
+      <dgm:prSet phldrT="[Text]"/>
+      <dgm:spPr/>
+      <dgm:t>
+        <a:bodyPr/>
+        <a:lstStyle/>
+        <a:p>
+          <a:r>
+            <a:rPr lang="en-US" dirty="0" smtClean="0"/>
+            <a:t>Adaptive Rendering</a:t>
+          </a:r>
+          <a:endParaRPr lang="en-US" dirty="0"/>
+        </a:p>
+      </dgm:t>
+    </dgm:pt>
+    <dgm:pt modelId="{F33C3D3C-59B7-4604-BF70-E7155A791C27}" type="parTrans" cxnId="{954744B8-091B-47A5-9194-A858CDDF9ED6}">
+      <dgm:prSet/>
+      <dgm:spPr/>
+      <dgm:t>
+        <a:bodyPr/>
+        <a:lstStyle/>
+        <a:p>
+          <a:endParaRPr lang="en-US"/>
+        </a:p>
+      </dgm:t>
+    </dgm:pt>
+    <dgm:pt modelId="{94F90DEE-5452-4E7C-8741-25D5AC0BAB48}" type="sibTrans" cxnId="{954744B8-091B-47A5-9194-A858CDDF9ED6}">
+      <dgm:prSet/>
+      <dgm:spPr/>
+      <dgm:t>
+        <a:bodyPr/>
+        <a:lstStyle/>
+        <a:p>
+          <a:endParaRPr lang="en-US"/>
+        </a:p>
+      </dgm:t>
+    </dgm:pt>
+    <dgm:pt modelId="{F9EB828E-2175-4F14-9456-1632A0625942}">
+      <dgm:prSet phldrT="[Text]"/>
+      <dgm:spPr/>
+      <dgm:t>
+        <a:bodyPr/>
+        <a:lstStyle/>
+        <a:p>
+          <a:r>
+            <a:rPr lang="en-US" dirty="0" smtClean="0"/>
+            <a:t>Display Modes</a:t>
+          </a:r>
+          <a:endParaRPr lang="en-US" dirty="0"/>
+        </a:p>
+      </dgm:t>
+    </dgm:pt>
+    <dgm:pt modelId="{67F9A29D-E511-4CC2-B9CC-DA5375126A5F}" type="parTrans" cxnId="{5E3B5D79-C98C-43B3-B29B-22BD5791019B}">
+      <dgm:prSet/>
+      <dgm:spPr/>
+      <dgm:t>
+        <a:bodyPr/>
+        <a:lstStyle/>
+        <a:p>
+          <a:endParaRPr lang="en-US"/>
+        </a:p>
+      </dgm:t>
+    </dgm:pt>
+    <dgm:pt modelId="{C86C6D46-6319-4D88-984A-B979503725FE}" type="sibTrans" cxnId="{5E3B5D79-C98C-43B3-B29B-22BD5791019B}">
+      <dgm:prSet/>
+      <dgm:spPr/>
+      <dgm:t>
+        <a:bodyPr/>
+        <a:lstStyle/>
+        <a:p>
+          <a:endParaRPr lang="en-US"/>
+        </a:p>
+      </dgm:t>
+    </dgm:pt>
+    <dgm:pt modelId="{C272011E-6ADE-453D-A44E-74B7386D26E3}">
+      <dgm:prSet phldrT="[Text]"/>
+      <dgm:spPr/>
+      <dgm:t>
+        <a:bodyPr/>
+        <a:lstStyle/>
+        <a:p>
+          <a:r>
+            <a:rPr lang="en-US" dirty="0" smtClean="0"/>
+            <a:t>Mobile Template</a:t>
+          </a:r>
+          <a:endParaRPr lang="en-US" dirty="0"/>
+        </a:p>
+      </dgm:t>
+    </dgm:pt>
+    <dgm:pt modelId="{FC0890FA-9566-41C1-B394-C0218DD7C41D}" type="parTrans" cxnId="{D134C985-2264-466F-B81F-837ECE8CBB8F}">
+      <dgm:prSet/>
+      <dgm:spPr/>
+      <dgm:t>
+        <a:bodyPr/>
+        <a:lstStyle/>
+        <a:p>
+          <a:endParaRPr lang="en-US"/>
+        </a:p>
+      </dgm:t>
+    </dgm:pt>
+    <dgm:pt modelId="{8469E8DB-7332-470A-80A9-50973E1285F5}" type="sibTrans" cxnId="{D134C985-2264-466F-B81F-837ECE8CBB8F}">
+      <dgm:prSet/>
+      <dgm:spPr/>
+      <dgm:t>
+        <a:bodyPr/>
+        <a:lstStyle/>
+        <a:p>
+          <a:endParaRPr lang="en-US"/>
+        </a:p>
+      </dgm:t>
+    </dgm:pt>
+    <dgm:pt modelId="{5EA4BF83-81CB-4646-8D82-3383297CA1D9}" type="pres">
+      <dgm:prSet presAssocID="{69E7DF19-1910-416C-936F-EB2E6F37734B}" presName="Name0" presStyleCnt="0">
+        <dgm:presLayoutVars>
+          <dgm:dir/>
+          <dgm:animLvl val="lvl"/>
+          <dgm:resizeHandles val="exact"/>
+        </dgm:presLayoutVars>
+      </dgm:prSet>
+      <dgm:spPr/>
+    </dgm:pt>
+    <dgm:pt modelId="{FCDB03F9-54DE-42A5-A2D1-A9693C422DE3}" type="pres">
+      <dgm:prSet presAssocID="{DD3994C7-351F-4257-913D-F4A281A62D15}" presName="parTxOnly" presStyleLbl="node1" presStyleIdx="0" presStyleCnt="3">
+        <dgm:presLayoutVars>
+          <dgm:chMax val="0"/>
+          <dgm:chPref val="0"/>
+          <dgm:bulletEnabled val="1"/>
+        </dgm:presLayoutVars>
+      </dgm:prSet>
+      <dgm:spPr/>
+      <dgm:t>
+        <a:bodyPr/>
+        <a:lstStyle/>
+        <a:p>
+          <a:endParaRPr lang="en-US"/>
+        </a:p>
+      </dgm:t>
+    </dgm:pt>
+    <dgm:pt modelId="{CBAC770F-DE5D-4146-B5F8-C7608ED413A9}" type="pres">
+      <dgm:prSet presAssocID="{94F90DEE-5452-4E7C-8741-25D5AC0BAB48}" presName="parTxOnlySpace" presStyleCnt="0"/>
+      <dgm:spPr/>
+    </dgm:pt>
+    <dgm:pt modelId="{79AF9C3F-782F-4B05-A97C-56A20D515260}" type="pres">
+      <dgm:prSet presAssocID="{F9EB828E-2175-4F14-9456-1632A0625942}" presName="parTxOnly" presStyleLbl="node1" presStyleIdx="1" presStyleCnt="3">
+        <dgm:presLayoutVars>
+          <dgm:chMax val="0"/>
+          <dgm:chPref val="0"/>
+          <dgm:bulletEnabled val="1"/>
+        </dgm:presLayoutVars>
+      </dgm:prSet>
+      <dgm:spPr/>
+      <dgm:t>
+        <a:bodyPr/>
+        <a:lstStyle/>
+        <a:p>
+          <a:endParaRPr lang="en-US"/>
+        </a:p>
+      </dgm:t>
+    </dgm:pt>
+    <dgm:pt modelId="{7D0AAF60-90F3-4D71-8C2A-4AE30D645E47}" type="pres">
+      <dgm:prSet presAssocID="{C86C6D46-6319-4D88-984A-B979503725FE}" presName="parTxOnlySpace" presStyleCnt="0"/>
+      <dgm:spPr/>
+    </dgm:pt>
+    <dgm:pt modelId="{6CEDF4AE-297F-47E1-A7FC-371F05976771}" type="pres">
+      <dgm:prSet presAssocID="{C272011E-6ADE-453D-A44E-74B7386D26E3}" presName="parTxOnly" presStyleLbl="node1" presStyleIdx="2" presStyleCnt="3">
+        <dgm:presLayoutVars>
+          <dgm:chMax val="0"/>
+          <dgm:chPref val="0"/>
+          <dgm:bulletEnabled val="1"/>
+        </dgm:presLayoutVars>
+      </dgm:prSet>
+      <dgm:spPr/>
+      <dgm:t>
+        <a:bodyPr/>
+        <a:lstStyle/>
+        <a:p>
+          <a:endParaRPr lang="en-US"/>
+        </a:p>
+      </dgm:t>
+    </dgm:pt>
+  </dgm:ptLst>
+  <dgm:cxnLst>
+    <dgm:cxn modelId="{1AA79C45-8E72-4113-988F-2B97C1C27AF1}" type="presOf" srcId="{DD3994C7-351F-4257-913D-F4A281A62D15}" destId="{FCDB03F9-54DE-42A5-A2D1-A9693C422DE3}" srcOrd="0" destOrd="0" presId="urn:microsoft.com/office/officeart/2005/8/layout/chevron1"/>
+    <dgm:cxn modelId="{954744B8-091B-47A5-9194-A858CDDF9ED6}" srcId="{69E7DF19-1910-416C-936F-EB2E6F37734B}" destId="{DD3994C7-351F-4257-913D-F4A281A62D15}" srcOrd="0" destOrd="0" parTransId="{F33C3D3C-59B7-4604-BF70-E7155A791C27}" sibTransId="{94F90DEE-5452-4E7C-8741-25D5AC0BAB48}"/>
+    <dgm:cxn modelId="{243B78E1-59CD-4170-87F4-75FF8F1A87EB}" type="presOf" srcId="{69E7DF19-1910-416C-936F-EB2E6F37734B}" destId="{5EA4BF83-81CB-4646-8D82-3383297CA1D9}" srcOrd="0" destOrd="0" presId="urn:microsoft.com/office/officeart/2005/8/layout/chevron1"/>
+    <dgm:cxn modelId="{5E3B5D79-C98C-43B3-B29B-22BD5791019B}" srcId="{69E7DF19-1910-416C-936F-EB2E6F37734B}" destId="{F9EB828E-2175-4F14-9456-1632A0625942}" srcOrd="1" destOrd="0" parTransId="{67F9A29D-E511-4CC2-B9CC-DA5375126A5F}" sibTransId="{C86C6D46-6319-4D88-984A-B979503725FE}"/>
+    <dgm:cxn modelId="{2C37F8A9-D4D2-4A68-B874-F673F1AA5AA8}" type="presOf" srcId="{F9EB828E-2175-4F14-9456-1632A0625942}" destId="{79AF9C3F-782F-4B05-A97C-56A20D515260}" srcOrd="0" destOrd="0" presId="urn:microsoft.com/office/officeart/2005/8/layout/chevron1"/>
+    <dgm:cxn modelId="{D134C985-2264-466F-B81F-837ECE8CBB8F}" srcId="{69E7DF19-1910-416C-936F-EB2E6F37734B}" destId="{C272011E-6ADE-453D-A44E-74B7386D26E3}" srcOrd="2" destOrd="0" parTransId="{FC0890FA-9566-41C1-B394-C0218DD7C41D}" sibTransId="{8469E8DB-7332-470A-80A9-50973E1285F5}"/>
+    <dgm:cxn modelId="{A80E9052-76B6-4C52-B7BA-75BA8B9574A8}" type="presOf" srcId="{C272011E-6ADE-453D-A44E-74B7386D26E3}" destId="{6CEDF4AE-297F-47E1-A7FC-371F05976771}" srcOrd="0" destOrd="0" presId="urn:microsoft.com/office/officeart/2005/8/layout/chevron1"/>
+    <dgm:cxn modelId="{28515BD6-550E-40A8-90C0-E0CE741B386E}" type="presParOf" srcId="{5EA4BF83-81CB-4646-8D82-3383297CA1D9}" destId="{FCDB03F9-54DE-42A5-A2D1-A9693C422DE3}" srcOrd="0" destOrd="0" presId="urn:microsoft.com/office/officeart/2005/8/layout/chevron1"/>
+    <dgm:cxn modelId="{F21AD7ED-CF1F-4BDA-919D-40CCF4645039}" type="presParOf" srcId="{5EA4BF83-81CB-4646-8D82-3383297CA1D9}" destId="{CBAC770F-DE5D-4146-B5F8-C7608ED413A9}" srcOrd="1" destOrd="0" presId="urn:microsoft.com/office/officeart/2005/8/layout/chevron1"/>
+    <dgm:cxn modelId="{21C06CFF-3703-4464-9E9B-55DC7AAAA378}" type="presParOf" srcId="{5EA4BF83-81CB-4646-8D82-3383297CA1D9}" destId="{79AF9C3F-782F-4B05-A97C-56A20D515260}" srcOrd="2" destOrd="0" presId="urn:microsoft.com/office/officeart/2005/8/layout/chevron1"/>
+    <dgm:cxn modelId="{0DC7CF62-6400-4799-A726-454C8A4E418D}" type="presParOf" srcId="{5EA4BF83-81CB-4646-8D82-3383297CA1D9}" destId="{7D0AAF60-90F3-4D71-8C2A-4AE30D645E47}" srcOrd="3" destOrd="0" presId="urn:microsoft.com/office/officeart/2005/8/layout/chevron1"/>
+    <dgm:cxn modelId="{FE0F9A5B-52F8-441C-82CF-FBEEB2F7B16D}" type="presParOf" srcId="{5EA4BF83-81CB-4646-8D82-3383297CA1D9}" destId="{6CEDF4AE-297F-47E1-A7FC-371F05976771}" srcOrd="4" destOrd="0" presId="urn:microsoft.com/office/officeart/2005/8/layout/chevron1"/>
+  </dgm:cxnLst>
+  <dgm:bg/>
+  <dgm:whole/>
+  <dgm:extLst>
+    <a:ext uri="http://schemas.microsoft.com/office/drawing/2008/diagram">
+      <dsp:dataModelExt xmlns:dsp="http://schemas.microsoft.com/office/drawing/2008/diagram" relId="rId6" minVer="http://schemas.openxmlformats.org/drawingml/2006/diagram"/>
+    </a:ext>
+  </dgm:extLst>
+</dgm:dataModel>
+</file>
+
+<file path=ppt/diagrams/drawing1.xml><?xml version="1.0" encoding="utf-8"?>
+<dsp:drawing xmlns:dgm="http://schemas.openxmlformats.org/drawingml/2006/diagram" xmlns:dsp="http://schemas.microsoft.com/office/drawing/2008/diagram" xmlns:a="http://schemas.openxmlformats.org/drawingml/2006/main">
+  <dsp:spTree>
+    <dsp:nvGrpSpPr>
+      <dsp:cNvPr id="0" name=""/>
+      <dsp:cNvGrpSpPr/>
+    </dsp:nvGrpSpPr>
+    <dsp:grpSpPr/>
+    <dsp:sp modelId="{FCDB03F9-54DE-42A5-A2D1-A9693C422DE3}">
+      <dsp:nvSpPr>
+        <dsp:cNvPr id="0" name=""/>
+        <dsp:cNvSpPr/>
+      </dsp:nvSpPr>
+      <dsp:spPr>
+        <a:xfrm>
+          <a:off x="2380" y="698033"/>
+          <a:ext cx="2900400" cy="1160160"/>
+        </a:xfrm>
+        <a:prstGeom prst="chevron">
+          <a:avLst/>
+        </a:prstGeom>
+        <a:solidFill>
+          <a:schemeClr val="accent1">
+            <a:shade val="80000"/>
+            <a:hueOff val="0"/>
+            <a:satOff val="0"/>
+            <a:lumOff val="0"/>
+            <a:alphaOff val="0"/>
+          </a:schemeClr>
+        </a:solidFill>
+        <a:ln w="25400" cap="flat" cmpd="sng" algn="ctr">
+          <a:solidFill>
+            <a:schemeClr val="lt1">
+              <a:hueOff val="0"/>
+              <a:satOff val="0"/>
+              <a:lumOff val="0"/>
+              <a:alphaOff val="0"/>
+            </a:schemeClr>
+          </a:solidFill>
+          <a:prstDash val="solid"/>
+        </a:ln>
+        <a:effectLst/>
+      </dsp:spPr>
+      <dsp:style>
+        <a:lnRef idx="2">
+          <a:scrgbClr r="0" g="0" b="0"/>
+        </a:lnRef>
+        <a:fillRef idx="1">
+          <a:scrgbClr r="0" g="0" b="0"/>
+        </a:fillRef>
+        <a:effectRef idx="0">
+          <a:scrgbClr r="0" g="0" b="0"/>
+        </a:effectRef>
+        <a:fontRef idx="minor">
+          <a:schemeClr val="lt1"/>
+        </a:fontRef>
+      </dsp:style>
+      <dsp:txBody>
+        <a:bodyPr spcFirstLastPara="0" vert="horz" wrap="square" lIns="108014" tIns="36005" rIns="36005" bIns="36005" numCol="1" spcCol="1270" anchor="ctr" anchorCtr="0">
+          <a:noAutofit/>
+        </a:bodyPr>
+        <a:lstStyle/>
+        <a:p>
+          <a:pPr lvl="0" algn="ctr" defTabSz="1200150">
+            <a:lnSpc>
+              <a:spcPct val="90000"/>
+            </a:lnSpc>
+            <a:spcBef>
+              <a:spcPct val="0"/>
+            </a:spcBef>
+            <a:spcAft>
+              <a:spcPct val="35000"/>
+            </a:spcAft>
+          </a:pPr>
+          <a:r>
+            <a:rPr lang="en-US" sz="2700" kern="1200" dirty="0" smtClean="0"/>
+            <a:t>Adaptive Rendering</a:t>
+          </a:r>
+          <a:endParaRPr lang="en-US" sz="2700" kern="1200" dirty="0"/>
+        </a:p>
+      </dsp:txBody>
+      <dsp:txXfrm>
+        <a:off x="582460" y="698033"/>
+        <a:ext cx="1740240" cy="1160160"/>
+      </dsp:txXfrm>
+    </dsp:sp>
+    <dsp:sp modelId="{79AF9C3F-782F-4B05-A97C-56A20D515260}">
+      <dsp:nvSpPr>
+        <dsp:cNvPr id="0" name=""/>
+        <dsp:cNvSpPr/>
+      </dsp:nvSpPr>
+      <dsp:spPr>
+        <a:xfrm>
+          <a:off x="2612741" y="698033"/>
+          <a:ext cx="2900400" cy="1160160"/>
+        </a:xfrm>
+        <a:prstGeom prst="chevron">
+          <a:avLst/>
+        </a:prstGeom>
+        <a:solidFill>
+          <a:schemeClr val="accent1">
+            <a:shade val="80000"/>
+            <a:hueOff val="-378049"/>
+            <a:satOff val="0"/>
+            <a:lumOff val="16938"/>
+            <a:alphaOff val="0"/>
+          </a:schemeClr>
+        </a:solidFill>
+        <a:ln w="25400" cap="flat" cmpd="sng" algn="ctr">
+          <a:solidFill>
+            <a:schemeClr val="lt1">
+              <a:hueOff val="0"/>
+              <a:satOff val="0"/>
+              <a:lumOff val="0"/>
+              <a:alphaOff val="0"/>
+            </a:schemeClr>
+          </a:solidFill>
+          <a:prstDash val="solid"/>
+        </a:ln>
+        <a:effectLst/>
+      </dsp:spPr>
+      <dsp:style>
+        <a:lnRef idx="2">
+          <a:scrgbClr r="0" g="0" b="0"/>
+        </a:lnRef>
+        <a:fillRef idx="1">
+          <a:scrgbClr r="0" g="0" b="0"/>
+        </a:fillRef>
+        <a:effectRef idx="0">
+          <a:scrgbClr r="0" g="0" b="0"/>
+        </a:effectRef>
+        <a:fontRef idx="minor">
+          <a:schemeClr val="lt1"/>
+        </a:fontRef>
+      </dsp:style>
+      <dsp:txBody>
+        <a:bodyPr spcFirstLastPara="0" vert="horz" wrap="square" lIns="108014" tIns="36005" rIns="36005" bIns="36005" numCol="1" spcCol="1270" anchor="ctr" anchorCtr="0">
+          <a:noAutofit/>
+        </a:bodyPr>
+        <a:lstStyle/>
+        <a:p>
+          <a:pPr lvl="0" algn="ctr" defTabSz="1200150">
+            <a:lnSpc>
+              <a:spcPct val="90000"/>
+            </a:lnSpc>
+            <a:spcBef>
+              <a:spcPct val="0"/>
+            </a:spcBef>
+            <a:spcAft>
+              <a:spcPct val="35000"/>
+            </a:spcAft>
+          </a:pPr>
+          <a:r>
+            <a:rPr lang="en-US" sz="2700" kern="1200" dirty="0" smtClean="0"/>
+            <a:t>Display Modes</a:t>
+          </a:r>
+          <a:endParaRPr lang="en-US" sz="2700" kern="1200" dirty="0"/>
+        </a:p>
+      </dsp:txBody>
+      <dsp:txXfrm>
+        <a:off x="3192821" y="698033"/>
+        <a:ext cx="1740240" cy="1160160"/>
+      </dsp:txXfrm>
+    </dsp:sp>
+    <dsp:sp modelId="{6CEDF4AE-297F-47E1-A7FC-371F05976771}">
+      <dsp:nvSpPr>
+        <dsp:cNvPr id="0" name=""/>
+        <dsp:cNvSpPr/>
+      </dsp:nvSpPr>
+      <dsp:spPr>
+        <a:xfrm>
+          <a:off x="5223101" y="698033"/>
+          <a:ext cx="2900400" cy="1160160"/>
+        </a:xfrm>
+        <a:prstGeom prst="chevron">
+          <a:avLst/>
+        </a:prstGeom>
+        <a:solidFill>
+          <a:schemeClr val="accent1">
+            <a:shade val="80000"/>
+            <a:hueOff val="-756098"/>
+            <a:satOff val="0"/>
+            <a:lumOff val="33875"/>
+            <a:alphaOff val="0"/>
+          </a:schemeClr>
+        </a:solidFill>
+        <a:ln w="25400" cap="flat" cmpd="sng" algn="ctr">
+          <a:solidFill>
+            <a:schemeClr val="lt1">
+              <a:hueOff val="0"/>
+              <a:satOff val="0"/>
+              <a:lumOff val="0"/>
+              <a:alphaOff val="0"/>
+            </a:schemeClr>
+          </a:solidFill>
+          <a:prstDash val="solid"/>
+        </a:ln>
+        <a:effectLst/>
+      </dsp:spPr>
+      <dsp:style>
+        <a:lnRef idx="2">
+          <a:scrgbClr r="0" g="0" b="0"/>
+        </a:lnRef>
+        <a:fillRef idx="1">
+          <a:scrgbClr r="0" g="0" b="0"/>
+        </a:fillRef>
+        <a:effectRef idx="0">
+          <a:scrgbClr r="0" g="0" b="0"/>
+        </a:effectRef>
+        <a:fontRef idx="minor">
+          <a:schemeClr val="lt1"/>
+        </a:fontRef>
+      </dsp:style>
+      <dsp:txBody>
+        <a:bodyPr spcFirstLastPara="0" vert="horz" wrap="square" lIns="108014" tIns="36005" rIns="36005" bIns="36005" numCol="1" spcCol="1270" anchor="ctr" anchorCtr="0">
+          <a:noAutofit/>
+        </a:bodyPr>
+        <a:lstStyle/>
+        <a:p>
+          <a:pPr lvl="0" algn="ctr" defTabSz="1200150">
+            <a:lnSpc>
+              <a:spcPct val="90000"/>
+            </a:lnSpc>
+            <a:spcBef>
+              <a:spcPct val="0"/>
+            </a:spcBef>
+            <a:spcAft>
+              <a:spcPct val="35000"/>
+            </a:spcAft>
+          </a:pPr>
+          <a:r>
+            <a:rPr lang="en-US" sz="2700" kern="1200" dirty="0" smtClean="0"/>
+            <a:t>Mobile Template</a:t>
+          </a:r>
+          <a:endParaRPr lang="en-US" sz="2700" kern="1200" dirty="0"/>
+        </a:p>
+      </dsp:txBody>
+      <dsp:txXfrm>
+        <a:off x="5803181" y="698033"/>
+        <a:ext cx="1740240" cy="1160160"/>
+      </dsp:txXfrm>
+    </dsp:sp>
+  </dsp:spTree>
+</dsp:drawing>
+</file>
+
+<file path=ppt/diagrams/layout1.xml><?xml version="1.0" encoding="utf-8"?>
+<dgm:layoutDef xmlns:dgm="http://schemas.openxmlformats.org/drawingml/2006/diagram" xmlns:a="http://schemas.openxmlformats.org/drawingml/2006/main" uniqueId="urn:microsoft.com/office/officeart/2005/8/layout/chevron1">
+  <dgm:title val=""/>
+  <dgm:desc val=""/>
+  <dgm:catLst>
+    <dgm:cat type="process" pri="9000"/>
+  </dgm:catLst>
+  <dgm:sampData useDef="1">
+    <dgm:dataModel>
+      <dgm:ptLst/>
+      <dgm:bg/>
+      <dgm:whole/>
+    </dgm:dataModel>
+  </dgm:sampData>
+  <dgm:styleData>
+    <dgm:dataModel>
+      <dgm:ptLst>
+        <dgm:pt modelId="0" type="doc"/>
+        <dgm:pt modelId="1"/>
+        <dgm:pt modelId="2"/>
+      </dgm:ptLst>
+      <dgm:cxnLst>
+        <dgm:cxn modelId="3" srcId="0" destId="1" srcOrd="0" destOrd="0"/>
+        <dgm:cxn modelId="4" srcId="0" destId="2" srcOrd="1" destOrd="0"/>
+      </dgm:cxnLst>
+      <dgm:bg/>
+      <dgm:whole/>
+    </dgm:dataModel>
+  </dgm:styleData>
+  <dgm:clrData>
+    <dgm:dataModel>
+      <dgm:ptLst>
+        <dgm:pt modelId="0" type="doc"/>
+        <dgm:pt modelId="1"/>
+        <dgm:pt modelId="2"/>
+        <dgm:pt modelId="3"/>
+        <dgm:pt modelId="4"/>
+      </dgm:ptLst>
+      <dgm:cxnLst>
+        <dgm:cxn modelId="5" srcId="0" destId="1" srcOrd="0" destOrd="0"/>
+        <dgm:cxn modelId="6" srcId="0" destId="2" srcOrd="1" destOrd="0"/>
+        <dgm:cxn modelId="7" srcId="0" destId="3" srcOrd="2" destOrd="0"/>
+        <dgm:cxn modelId="8" srcId="0" destId="4" srcOrd="3" destOrd="0"/>
+      </dgm:cxnLst>
+      <dgm:bg/>
+      <dgm:whole/>
+    </dgm:dataModel>
+  </dgm:clrData>
+  <dgm:layoutNode name="Name0">
+    <dgm:varLst>
+      <dgm:dir/>
+      <dgm:animLvl val="lvl"/>
+      <dgm:resizeHandles val="exact"/>
+    </dgm:varLst>
+    <dgm:choose name="Name1">
+      <dgm:if name="Name2" func="var" arg="dir" op="equ" val="norm">
+        <dgm:alg type="lin"/>
+      </dgm:if>
+      <dgm:else name="Name3">
+        <dgm:alg type="lin">
+          <dgm:param type="linDir" val="fromR"/>
+        </dgm:alg>
+      </dgm:else>
+    </dgm:choose>
+    <dgm:shape xmlns:r="http://schemas.openxmlformats.org/officeDocument/2006/relationships" r:blip="">
+      <dgm:adjLst/>
+    </dgm:shape>
+    <dgm:presOf/>
+    <dgm:choose name="Name4">
+      <dgm:if name="Name5" axis="des" func="maxDepth" op="gte" val="2">
+        <dgm:constrLst>
+          <dgm:constr type="h" for="ch" forName="composite" refType="h"/>
+          <dgm:constr type="w" for="ch" forName="composite" refType="w"/>
+          <dgm:constr type="w" for="des" forName="parTx"/>
+          <dgm:constr type="h" for="des" forName="parTx" op="equ"/>
+          <dgm:constr type="w" for="des" forName="desTx"/>
+          <dgm:constr type="h" for="des" forName="desTx" op="equ"/>
+          <dgm:constr type="primFontSz" for="des" forName="parTx" val="65"/>
+          <dgm:constr type="secFontSz" for="des" forName="desTx" refType="primFontSz" refFor="des" refForName="parTx" op="equ"/>
+          <dgm:constr type="h" for="des" forName="parTx" refType="primFontSz" refFor="des" refForName="parTx" fact="1.5"/>
+          <dgm:constr type="h" for="des" forName="desTx" refType="primFontSz" refFor="des" refForName="parTx" fact="0.5"/>
+          <dgm:constr type="w" for="ch" forName="space" op="equ" val="-6"/>
+        </dgm:constrLst>
+        <dgm:ruleLst>
+          <dgm:rule type="w" for="ch" forName="composite" val="0" fact="NaN" max="NaN"/>
+          <dgm:rule type="primFontSz" for="des" forName="parTx" val="5" fact="NaN" max="NaN"/>
+        </dgm:ruleLst>
+        <dgm:forEach name="Name6" axis="ch" ptType="node">
+          <dgm:layoutNode name="composite">
+            <dgm:alg type="composite"/>
+            <dgm:shape xmlns:r="http://schemas.openxmlformats.org/officeDocument/2006/relationships" r:blip="">
+              <dgm:adjLst/>
+            </dgm:shape>
+            <dgm:presOf/>
+            <dgm:choose name="Name7">
+              <dgm:if name="Name8" func="var" arg="dir" op="equ" val="norm">
+                <dgm:constrLst>
+                  <dgm:constr type="l" for="ch" forName="parTx"/>
+                  <dgm:constr type="w" for="ch" forName="parTx" refType="w"/>
+                  <dgm:constr type="t" for="ch" forName="parTx"/>
+                  <dgm:constr type="l" for="ch" forName="desTx"/>
+                  <dgm:constr type="w" for="ch" forName="desTx" refType="w" refFor="ch" refForName="parTx" fact="0.8"/>
+                  <dgm:constr type="t" for="ch" forName="desTx" refType="h" refFor="ch" refForName="parTx" fact="1.125"/>
+                </dgm:constrLst>
+              </dgm:if>
+              <dgm:else name="Name9">
+                <dgm:constrLst>
+                  <dgm:constr type="l" for="ch" forName="parTx"/>
+                  <dgm:constr type="w" for="ch" forName="parTx" refType="w"/>
+                  <dgm:constr type="t" for="ch" forName="parTx"/>
+                  <dgm:constr type="l" for="ch" forName="desTx" refType="w" fact="0.2"/>
+                  <dgm:constr type="w" for="ch" forName="desTx" refType="w" refFor="ch" refForName="parTx" fact="0.8"/>
+                  <dgm:constr type="t" for="ch" forName="desTx" refType="h" refFor="ch" refForName="parTx" fact="1.125"/>
+                </dgm:constrLst>
+              </dgm:else>
+            </dgm:choose>
+            <dgm:ruleLst>
+              <dgm:rule type="h" val="INF" fact="NaN" max="NaN"/>
+            </dgm:ruleLst>
+            <dgm:layoutNode name="parTx">
+              <dgm:varLst>
+                <dgm:chMax val="0"/>
+                <dgm:chPref val="0"/>
+                <dgm:bulletEnabled val="1"/>
+              </dgm:varLst>
+              <dgm:alg type="tx"/>
+              <dgm:choose name="Name10">
+                <dgm:if name="Name11" func="var" arg="dir" op="equ" val="norm">
+                  <dgm:shape xmlns:r="http://schemas.openxmlformats.org/officeDocument/2006/relationships" type="chevron" r:blip="">
+                    <dgm:adjLst/>
+                  </dgm:shape>
+                </dgm:if>
+                <dgm:else name="Name12">
+                  <dgm:shape xmlns:r="http://schemas.openxmlformats.org/officeDocument/2006/relationships" rot="180" type="chevron" r:blip="">
+                    <dgm:adjLst/>
+                  </dgm:shape>
+                </dgm:else>
+              </dgm:choose>
+              <dgm:presOf axis="self" ptType="node"/>
+              <dgm:choose name="Name13">
+                <dgm:if name="Name14" func="var" arg="dir" op="equ" val="norm">
+                  <dgm:constrLst>
+                    <dgm:constr type="h" refType="w" op="lte" fact="0.4"/>
+                    <dgm:constr type="h"/>
+                    <dgm:constr type="tMarg" refType="primFontSz" fact="0.105"/>
+                    <dgm:constr type="bMarg" refType="primFontSz" fact="0.105"/>
+                    <dgm:constr type="lMarg" refType="primFontSz" fact="0.315"/>
+                    <dgm:constr type="rMarg" refType="primFontSz" fact="0.105"/>
+                  </dgm:constrLst>
+                </dgm:if>
+                <dgm:else name="Name15">
+                  <dgm:constrLst>
+                    <dgm:constr type="h" refType="w" op="lte" fact="0.4"/>
+                    <dgm:constr type="h"/>
+                    <dgm:constr type="tMarg" refType="primFontSz" fact="0.105"/>
+                    <dgm:constr type="bMarg" refType="primFontSz" fact="0.105"/>
+                    <dgm:constr type="lMarg" refType="primFontSz" fact="0.105"/>
+                    <dgm:constr type="rMarg" refType="primFontSz" fact="0.315"/>
+                  </dgm:constrLst>
+                </dgm:else>
+              </dgm:choose>
+              <dgm:ruleLst>
+                <dgm:rule type="h" val="INF" fact="NaN" max="NaN"/>
+              </dgm:ruleLst>
+            </dgm:layoutNode>
+            <dgm:layoutNode name="desTx" styleLbl="revTx">
+              <dgm:varLst>
+                <dgm:bulletEnabled val="1"/>
+              </dgm:varLst>
+              <dgm:alg type="tx">
+                <dgm:param type="stBulletLvl" val="1"/>
+              </dgm:alg>
+              <dgm:choose name="Name16">
+                <dgm:if name="Name17" axis="ch" ptType="node" func="cnt" op="gte" val="1">
+                  <dgm:shape xmlns:r="http://schemas.openxmlformats.org/officeDocument/2006/relationships" type="rect" r:blip="">
+                    <dgm:adjLst/>
+                  </dgm:shape>
+                </dgm:if>
+                <dgm:else name="Name18">
+                  <dgm:shape xmlns:r="http://schemas.openxmlformats.org/officeDocument/2006/relationships" type="rect" r:blip="" hideGeom="1">
+                    <dgm:adjLst/>
+                  </dgm:shape>
+                </dgm:else>
+              </dgm:choose>
+              <dgm:presOf axis="des" ptType="node"/>
+              <dgm:constrLst>
+                <dgm:constr type="secFontSz" val="65"/>
+                <dgm:constr type="primFontSz" refType="secFontSz"/>
+                <dgm:constr type="h"/>
+                <dgm:constr type="tMarg"/>
+                <dgm:constr type="bMarg"/>
+                <dgm:constr type="rMarg"/>
+                <dgm:constr type="lMarg"/>
+              </dgm:constrLst>
+              <dgm:ruleLst>
+                <dgm:rule type="h" val="INF" fact="NaN" max="NaN"/>
+              </dgm:ruleLst>
+            </dgm:layoutNode>
+          </dgm:layoutNode>
+          <dgm:forEach name="Name19" axis="followSib" ptType="sibTrans" cnt="1">
+            <dgm:layoutNode name="space">
+              <dgm:alg type="sp"/>
+              <dgm:shape xmlns:r="http://schemas.openxmlformats.org/officeDocument/2006/relationships" r:blip="">
+                <dgm:adjLst/>
+              </dgm:shape>
+              <dgm:presOf/>
+              <dgm:constrLst/>
+              <dgm:ruleLst/>
+            </dgm:layoutNode>
+          </dgm:forEach>
+        </dgm:forEach>
+      </dgm:if>
+      <dgm:else name="Name20">
+        <dgm:constrLst>
+          <dgm:constr type="w" for="ch" forName="parTxOnly" refType="w"/>
+          <dgm:constr type="h" for="des" forName="parTxOnly" op="equ"/>
+          <dgm:constr type="primFontSz" for="des" forName="parTxOnly" op="equ" val="65"/>
+          <dgm:constr type="w" for="ch" forName="parTxOnlySpace" refType="w" refFor="ch" refForName="parTxOnly" fact="-0.1"/>
+        </dgm:constrLst>
+        <dgm:ruleLst/>
+        <dgm:forEach name="Name21" axis="ch" ptType="node">
+          <dgm:layoutNode name="parTxOnly">
+            <dgm:varLst>
+              <dgm:chMax val="0"/>
+              <dgm:chPref val="0"/>
+              <dgm:bulletEnabled val="1"/>
+            </dgm:varLst>
+            <dgm:alg type="tx"/>
+            <dgm:choose name="Name22">
+              <dgm:if name="Name23" func="var" arg="dir" op="equ" val="norm">
+                <dgm:shape xmlns:r="http://schemas.openxmlformats.org/officeDocument/2006/relationships" type="chevron" r:blip="">
+                  <dgm:adjLst/>
+                </dgm:shape>
+              </dgm:if>
+              <dgm:else name="Name24">
+                <dgm:shape xmlns:r="http://schemas.openxmlformats.org/officeDocument/2006/relationships" rot="180" type="chevron" r:blip="">
+                  <dgm:adjLst/>
+                </dgm:shape>
+              </dgm:else>
+            </dgm:choose>
+            <dgm:presOf axis="self" ptType="node"/>
+            <dgm:choose name="Name25">
+              <dgm:if name="Name26" func="var" arg="dir" op="equ" val="norm">
+                <dgm:constrLst>
+                  <dgm:constr type="h" refType="w" op="equ" fact="0.4"/>
+                  <dgm:constr type="tMarg" refType="primFontSz" fact="0.105"/>
+                  <dgm:constr type="bMarg" refType="primFontSz" fact="0.105"/>
+                  <dgm:constr type="lMarg" refType="primFontSz" fact="0.315"/>
+                  <dgm:constr type="rMarg" refType="primFontSz" fact="0.105"/>
+                </dgm:constrLst>
+              </dgm:if>
+              <dgm:else name="Name27">
+                <dgm:constrLst>
+                  <dgm:constr type="h" refType="w" op="equ" fact="0.4"/>
+                  <dgm:constr type="tMarg" refType="primFontSz" fact="0.105"/>
+                  <dgm:constr type="bMarg" refType="primFontSz" fact="0.105"/>
+                  <dgm:constr type="lMarg" refType="primFontSz" fact="0.105"/>
+                  <dgm:constr type="rMarg" refType="primFontSz" fact="0.315"/>
+                </dgm:constrLst>
+              </dgm:else>
+            </dgm:choose>
+            <dgm:ruleLst>
+              <dgm:rule type="primFontSz" val="5" fact="NaN" max="NaN"/>
+            </dgm:ruleLst>
+          </dgm:layoutNode>
+          <dgm:forEach name="Name28" axis="followSib" ptType="sibTrans" cnt="1">
+            <dgm:layoutNode name="parTxOnlySpace">
+              <dgm:alg type="sp"/>
+              <dgm:shape xmlns:r="http://schemas.openxmlformats.org/officeDocument/2006/relationships" r:blip="">
+                <dgm:adjLst/>
+              </dgm:shape>
+              <dgm:presOf/>
+              <dgm:constrLst/>
+              <dgm:ruleLst/>
+            </dgm:layoutNode>
+          </dgm:forEach>
+        </dgm:forEach>
+      </dgm:else>
+    </dgm:choose>
+  </dgm:layoutNode>
+</dgm:layoutDef>
+</file>
+
+<file path=ppt/diagrams/quickStyle1.xml><?xml version="1.0" encoding="utf-8"?>
+<dgm:styleDef xmlns:dgm="http://schemas.openxmlformats.org/drawingml/2006/diagram" xmlns:a="http://schemas.openxmlformats.org/drawingml/2006/main" uniqueId="urn:microsoft.com/office/officeart/2005/8/quickstyle/simple1">
+  <dgm:title val=""/>
+  <dgm:desc val=""/>
+  <dgm:catLst>
+    <dgm:cat type="simple" pri="10100"/>
+  </dgm:catLst>
+  <dgm:scene3d>
+    <a:camera prst="orthographicFront"/>
+    <a:lightRig rig="threePt" dir="t"/>
+  </dgm:scene3d>
+  <dgm:styleLbl name="node0">
+    <dgm:scene3d>
+      <a:camera prst="orthographicFront"/>
+      <a:lightRig rig="threePt" dir="t"/>
+    </dgm:scene3d>
+    <dgm:sp3d/>
+    <dgm:txPr/>
+    <dgm:style>
+      <a:lnRef idx="2">
+        <a:scrgbClr r="0" g="0" b="0"/>
+      </a:lnRef>
+      <a:fillRef idx="1">
+        <a:scrgbClr r="0" g="0" b="0"/>
+      </a:fillRef>
+      <a:effectRef idx="0">
+        <a:scrgbClr r="0" g="0" b="0"/>
+      </a:effectRef>
+      <a:fontRef idx="minor">
+        <a:schemeClr val="lt1"/>
+      </a:fontRef>
+    </dgm:style>
+  </dgm:styleLbl>
+  <dgm:styleLbl name="lnNode1">
+    <dgm:scene3d>
+      <a:camera prst="orthographicFront"/>
+      <a:lightRig rig="threePt" dir="t"/>
+    </dgm:scene3d>
+    <dgm:sp3d/>
+    <dgm:txPr/>
+    <dgm:style>
+      <a:lnRef idx="2">
+        <a:scrgbClr r="0" g="0" b="0"/>
+      </a:lnRef>
+      <a:fillRef idx="1">
+        <a:scrgbClr r="0" g="0" b="0"/>
+      </a:fillRef>
+      <a:effectRef idx="0">
+        <a:scrgbClr r="0" g="0" b="0"/>
+      </a:effectRef>
+      <a:fontRef idx="minor">
+        <a:schemeClr val="lt1"/>
+      </a:fontRef>
+    </dgm:style>
+  </dgm:styleLbl>
+  <dgm:styleLbl name="vennNode1">
+    <dgm:scene3d>
+      <a:camera prst="orthographicFront"/>
+      <a:lightRig rig="threePt" dir="t"/>
+    </dgm:scene3d>
+    <dgm:sp3d/>
+    <dgm:txPr/>
+    <dgm:style>
+      <a:lnRef idx="2">
+        <a:scrgbClr r="0" g="0" b="0"/>
+      </a:lnRef>
+      <a:fillRef idx="1">
+        <a:scrgbClr r="0" g="0" b="0"/>
+      </a:fillRef>
+      <a:effectRef idx="0">
+        <a:scrgbClr r="0" g="0" b="0"/>
+      </a:effectRef>
+      <a:fontRef idx="minor">
+        <a:schemeClr val="tx1"/>
+      </a:fontRef>
+    </dgm:style>
+  </dgm:styleLbl>
+  <dgm:styleLbl name="alignNode1">
+    <dgm:scene3d>
+      <a:camera prst="orthographicFront"/>
+      <a:lightRig rig="threePt" dir="t"/>
+    </dgm:scene3d>
+    <dgm:sp3d/>
+    <dgm:txPr/>
+    <dgm:style>
+      <a:lnRef idx="2">
+        <a:scrgbClr r="0" g="0" b="0"/>
+      </a:lnRef>
+      <a:fillRef idx="1">
+        <a:scrgbClr r="0" g="0" b="0"/>
+      </a:fillRef>
+      <a:effectRef idx="0">
+        <a:scrgbClr r="0" g="0" b="0"/>
+      </a:effectRef>
+      <a:fontRef idx="minor">
+        <a:schemeClr val="lt1"/>
+      </a:fontRef>
+    </dgm:style>
+  </dgm:styleLbl>
+  <dgm:styleLbl name="node1">
+    <dgm:scene3d>
+      <a:camera prst="orthographicFront"/>
+      <a:lightRig rig="threePt" dir="t"/>
+    </dgm:scene3d>
+    <dgm:sp3d/>
+    <dgm:txPr/>
+    <dgm:style>
+      <a:lnRef idx="2">
+        <a:scrgbClr r="0" g="0" b="0"/>
+      </a:lnRef>
+      <a:fillRef idx="1">
+        <a:scrgbClr r="0" g="0" b="0"/>
+      </a:fillRef>
+      <a:effectRef idx="0">
+        <a:scrgbClr r="0" g="0" b="0"/>
+      </a:effectRef>
+      <a:fontRef idx="minor">
+        <a:schemeClr val="lt1"/>
+      </a:fontRef>
+    </dgm:style>
+  </dgm:styleLbl>
+  <dgm:styleLbl name="node2">
+    <dgm:scene3d>
+      <a:camera prst="orthographicFront"/>
+      <a:lightRig rig="threePt" dir="t"/>
+    </dgm:scene3d>
+    <dgm:sp3d/>
+    <dgm:txPr/>
+    <dgm:style>
+      <a:lnRef idx="2">
+        <a:scrgbClr r="0" g="0" b="0"/>
+      </a:lnRef>
+      <a:fillRef idx="1">
+        <a:scrgbClr r="0" g="0" b="0"/>
+      </a:fillRef>
+      <a:effectRef idx="0">
+        <a:scrgbClr r="0" g="0" b="0"/>
+      </a:effectRef>
+      <a:fontRef idx="minor">
+        <a:schemeClr val="lt1"/>
+      </a:fontRef>
+    </dgm:style>
+  </dgm:styleLbl>
+  <dgm:styleLbl name="node3">
+    <dgm:scene3d>
+      <a:camera prst="orthographicFront"/>
+      <a:lightRig rig="threePt" dir="t"/>
+    </dgm:scene3d>
+    <dgm:sp3d/>
+    <dgm:txPr/>
+    <dgm:style>
+      <a:lnRef idx="2">
+        <a:scrgbClr r="0" g="0" b="0"/>
+      </a:lnRef>
+      <a:fillRef idx="1">
+        <a:scrgbClr r="0" g="0" b="0"/>
+      </a:fillRef>
+      <a:effectRef idx="0">
+        <a:scrgbClr r="0" g="0" b="0"/>
+      </a:effectRef>
+      <a:fontRef idx="minor">
+        <a:schemeClr val="lt1"/>
+      </a:fontRef>
+    </dgm:style>
+  </dgm:styleLbl>
+  <dgm:styleLbl name="node4">
+    <dgm:scene3d>
+      <a:camera prst="orthographicFront"/>
+      <a:lightRig rig="threePt" dir="t"/>
+    </dgm:scene3d>
+    <dgm:sp3d/>
+    <dgm:txPr/>
+    <dgm:style>
+      <a:lnRef idx="2">
+        <a:scrgbClr r="0" g="0" b="0"/>
+      </a:lnRef>
+      <a:fillRef idx="1">
+        <a:scrgbClr r="0" g="0" b="0"/>
+      </a:fillRef>
+      <a:effectRef idx="0">
+        <a:scrgbClr r="0" g="0" b="0"/>
+      </a:effectRef>
+      <a:fontRef idx="minor">
+        <a:schemeClr val="lt1"/>
+      </a:fontRef>
+    </dgm:style>
+  </dgm:styleLbl>
+  <dgm:styleLbl name="fgImgPlace1">
+    <dgm:scene3d>
+      <a:camera prst="orthographicFront"/>
+      <a:lightRig rig="threePt" dir="t"/>
+    </dgm:scene3d>
+    <dgm:sp3d/>
+    <dgm:txPr/>
+    <dgm:style>
+      <a:lnRef idx="2">
+        <a:scrgbClr r="0" g="0" b="0"/>
+      </a:lnRef>
+      <a:fillRef idx="1">
+        <a:scrgbClr r="0" g="0" b="0"/>
+      </a:fillRef>
+      <a:effectRef idx="0">
+        <a:scrgbClr r="0" g="0" b="0"/>
+      </a:effectRef>
+      <a:fontRef idx="minor"/>
+    </dgm:style>
+  </dgm:styleLbl>
+  <dgm:styleLbl name="alignImgPlace1">
+    <dgm:scene3d>
+      <a:camera prst="orthographicFront"/>
+      <a:lightRig rig="threePt" dir="t"/>
+    </dgm:scene3d>
+    <dgm:sp3d/>
+    <dgm:txPr/>
+    <dgm:style>
+      <a:lnRef idx="2">
+        <a:scrgbClr r="0" g="0" b="0"/>
+      </a:lnRef>
+      <a:fillRef idx="1">
+        <a:scrgbClr r="0" g="0" b="0"/>
+      </a:fillRef>
+      <a:effectRef idx="0">
+        <a:scrgbClr r="0" g="0" b="0"/>
+      </a:effectRef>
+      <a:fontRef idx="minor"/>
+    </dgm:style>
+  </dgm:styleLbl>
+  <dgm:styleLbl name="bgImgPlace1">
+    <dgm:scene3d>
+      <a:camera prst="orthographicFront"/>
+      <a:lightRig rig="threePt" dir="t"/>
+    </dgm:scene3d>
+    <dgm:sp3d/>
+    <dgm:txPr/>
+    <dgm:style>
+      <a:lnRef idx="2">
+        <a:scrgbClr r="0" g="0" b="0"/>
+      </a:lnRef>
+      <a:fillRef idx="1">
+        <a:scrgbClr r="0" g="0" b="0"/>
+      </a:fillRef>
+      <a:effectRef idx="0">
+        <a:scrgbClr r="0" g="0" b="0"/>
+      </a:effectRef>
+      <a:fontRef idx="minor"/>
+    </dgm:style>
+  </dgm:styleLbl>
+  <dgm:styleLbl name="sibTrans2D1">
+    <dgm:scene3d>
+      <a:camera prst="orthographicFront"/>
+      <a:lightRig rig="threePt" dir="t"/>
+    </dgm:scene3d>
+    <dgm:sp3d/>
+    <dgm:txPr/>
+    <dgm:style>
+      <a:lnRef idx="0">
+        <a:scrgbClr r="0" g="0" b="0"/>
+      </a:lnRef>
+      <a:fillRef idx="1">
+        <a:scrgbClr r="0" g="0" b="0"/>
+      </a:fillRef>
+      <a:effectRef idx="0">
+        <a:scrgbClr r="0" g="0" b="0"/>
+      </a:effectRef>
+      <a:fontRef idx="minor">
+        <a:schemeClr val="lt1"/>
+      </a:fontRef>
+    </dgm:style>
+  </dgm:styleLbl>
+  <dgm:styleLbl name="fgSibTrans2D1">
+    <dgm:scene3d>
+      <a:camera prst="orthographicFront"/>
+      <a:lightRig rig="threePt" dir="t"/>
+    </dgm:scene3d>
+    <dgm:sp3d/>
+    <dgm:txPr/>
+    <dgm:style>
+      <a:lnRef idx="0">
+        <a:scrgbClr r="0" g="0" b="0"/>
+      </a:lnRef>
+      <a:fillRef idx="1">
+        <a:scrgbClr r="0" g="0" b="0"/>
+      </a:fillRef>
+      <a:effectRef idx="0">
+        <a:scrgbClr r="0" g="0" b="0"/>
+      </a:effectRef>
+      <a:fontRef idx="minor">
+        <a:schemeClr val="lt1"/>
+      </a:fontRef>
+    </dgm:style>
+  </dgm:styleLbl>
+  <dgm:styleLbl name="bgSibTrans2D1">
+    <dgm:scene3d>
+      <a:camera prst="orthographicFront"/>
+      <a:lightRig rig="threePt" dir="t"/>
+    </dgm:scene3d>
+    <dgm:sp3d/>
+    <dgm:txPr/>
+    <dgm:style>
+      <a:lnRef idx="0">
+        <a:scrgbClr r="0" g="0" b="0"/>
+      </a:lnRef>
+      <a:fillRef idx="1">
+        <a:scrgbClr r="0" g="0" b="0"/>
+      </a:fillRef>
+      <a:effectRef idx="0">
+        <a:scrgbClr r="0" g="0" b="0"/>
+      </a:effectRef>
+      <a:fontRef idx="minor">
+        <a:schemeClr val="lt1"/>
+      </a:fontRef>
+    </dgm:style>
+  </dgm:styleLbl>
+  <dgm:styleLbl name="sibTrans1D1">
+    <dgm:scene3d>
+      <a:camera prst="orthographicFront"/>
+      <a:lightRig rig="threePt" dir="t"/>
+    </dgm:scene3d>
+    <dgm:sp3d/>
+    <dgm:txPr/>
+    <dgm:style>
+      <a:lnRef idx="1">
+        <a:scrgbClr r="0" g="0" b="0"/>
+      </a:lnRef>
+      <a:fillRef idx="0">
+        <a:scrgbClr r="0" g="0" b="0"/>
+      </a:fillRef>
+      <a:effectRef idx="0">
+        <a:scrgbClr r="0" g="0" b="0"/>
+      </a:effectRef>
+      <a:fontRef idx="minor"/>
+    </dgm:style>
+  </dgm:styleLbl>
+  <dgm:styleLbl name="callout">
+    <dgm:scene3d>
+      <a:camera prst="orthographicFront"/>
+      <a:lightRig rig="threePt" dir="t"/>
+    </dgm:scene3d>
+    <dgm:sp3d/>
+    <dgm:txPr/>
+    <dgm:style>
+      <a:lnRef idx="2">
+        <a:scrgbClr r="0" g="0" b="0"/>
+      </a:lnRef>
+      <a:fillRef idx="1">
+        <a:scrgbClr r="0" g="0" b="0"/>
+      </a:fillRef>
+      <a:effectRef idx="0">
+        <a:scrgbClr r="0" g="0" b="0"/>
+      </a:effectRef>
+      <a:fontRef idx="minor"/>
+    </dgm:style>
+  </dgm:styleLbl>
+  <dgm:styleLbl name="asst0">
+    <dgm:scene3d>
+      <a:camera prst="orthographicFront"/>
+      <a:lightRig rig="threePt" dir="t"/>
+    </dgm:scene3d>
+    <dgm:sp3d/>
+    <dgm:txPr/>
+    <dgm:style>
+      <a:lnRef idx="2">
+        <a:scrgbClr r="0" g="0" b="0"/>
+      </a:lnRef>
+      <a:fillRef idx="1">
+        <a:scrgbClr r="0" g="0" b="0"/>
+      </a:fillRef>
+      <a:effectRef idx="0">
+        <a:scrgbClr r="0" g="0" b="0"/>
+      </a:effectRef>
+      <a:fontRef idx="minor">
+        <a:schemeClr val="lt1"/>
+      </a:fontRef>
+    </dgm:style>
+  </dgm:styleLbl>
+  <dgm:styleLbl name="asst1">
+    <dgm:scene3d>
+      <a:camera prst="orthographicFront"/>
+      <a:lightRig rig="threePt" dir="t"/>
+    </dgm:scene3d>
+    <dgm:sp3d/>
+    <dgm:txPr/>
+    <dgm:style>
+      <a:lnRef idx="2">
+        <a:scrgbClr r="0" g="0" b="0"/>
+      </a:lnRef>
+      <a:fillRef idx="1">
+        <a:scrgbClr r="0" g="0" b="0"/>
+      </a:fillRef>
+      <a:effectRef idx="0">
+        <a:scrgbClr r="0" g="0" b="0"/>
+      </a:effectRef>
+      <a:fontRef idx="minor">
+        <a:schemeClr val="lt1"/>
+      </a:fontRef>
+    </dgm:style>
+  </dgm:styleLbl>
+  <dgm:styleLbl name="asst2">
+    <dgm:scene3d>
+      <a:camera prst="orthographicFront"/>
+      <a:lightRig rig="threePt" dir="t"/>
+    </dgm:scene3d>
+    <dgm:sp3d/>
+    <dgm:txPr/>
+    <dgm:style>
+      <a:lnRef idx="2">
+        <a:scrgbClr r="0" g="0" b="0"/>
+      </a:lnRef>
+      <a:fillRef idx="1">
+        <a:scrgbClr r="0" g="0" b="0"/>
+      </a:fillRef>
+      <a:effectRef idx="0">
+        <a:scrgbClr r="0" g="0" b="0"/>
+      </a:effectRef>
+      <a:fontRef idx="minor">
+        <a:schemeClr val="lt1"/>
+      </a:fontRef>
+    </dgm:style>
+  </dgm:styleLbl>
+  <dgm:styleLbl name="asst3">
+    <dgm:scene3d>
+      <a:camera prst="orthographicFront"/>
+      <a:lightRig rig="threePt" dir="t"/>
+    </dgm:scene3d>
+    <dgm:sp3d/>
+    <dgm:txPr/>
+    <dgm:style>
+      <a:lnRef idx="2">
+        <a:scrgbClr r="0" g="0" b="0"/>
+      </a:lnRef>
+      <a:fillRef idx="1">
+        <a:scrgbClr r="0" g="0" b="0"/>
+      </a:fillRef>
+      <a:effectRef idx="0">
+        <a:scrgbClr r="0" g="0" b="0"/>
+      </a:effectRef>
+      <a:fontRef idx="minor">
+        <a:schemeClr val="lt1"/>
+      </a:fontRef>
+    </dgm:style>
+  </dgm:styleLbl>
+  <dgm:styleLbl name="asst4">
+    <dgm:scene3d>
+      <a:camera prst="orthographicFront"/>
+      <a:lightRig rig="threePt" dir="t"/>
+    </dgm:scene3d>
+    <dgm:sp3d/>
+    <dgm:txPr/>
+    <dgm:style>
+      <a:lnRef idx="2">
+        <a:scrgbClr r="0" g="0" b="0"/>
+      </a:lnRef>
+      <a:fillRef idx="1">
+        <a:scrgbClr r="0" g="0" b="0"/>
+      </a:fillRef>
+      <a:effectRef idx="0">
+        <a:scrgbClr r="0" g="0" b="0"/>
+      </a:effectRef>
+      <a:fontRef idx="minor">
+        <a:schemeClr val="lt1"/>
+      </a:fontRef>
+    </dgm:style>
+  </dgm:styleLbl>
+  <dgm:styleLbl name="parChTrans2D1">
+    <dgm:scene3d>
+      <a:camera prst="orthographicFront"/>
+      <a:lightRig rig="threePt" dir="t"/>
+    </dgm:scene3d>
+    <dgm:sp3d/>
+    <dgm:txPr/>
+    <dgm:style>
+      <a:lnRef idx="2">
+        <a:scrgbClr r="0" g="0" b="0"/>
+      </a:lnRef>
+      <a:fillRef idx="1">
+        <a:scrgbClr r="0" g="0" b="0"/>
+      </a:fillRef>
+      <a:effectRef idx="0">
+        <a:scrgbClr r="0" g="0" b="0"/>
+      </a:effectRef>
+      <a:fontRef idx="minor">
+        <a:schemeClr val="lt1"/>
+      </a:fontRef>
+    </dgm:style>
+  </dgm:styleLbl>
+  <dgm:styleLbl name="parChTrans2D2">
+    <dgm:scene3d>
+      <a:camera prst="orthographicFront"/>
+      <a:lightRig rig="threePt" dir="t"/>
+    </dgm:scene3d>
+    <dgm:sp3d/>
+    <dgm:txPr/>
+    <dgm:style>
+      <a:lnRef idx="2">
+        <a:scrgbClr r="0" g="0" b="0"/>
+      </a:lnRef>
+      <a:fillRef idx="1">
+        <a:scrgbClr r="0" g="0" b="0"/>
+      </a:fillRef>
+      <a:effectRef idx="0">
+        <a:scrgbClr r="0" g="0" b="0"/>
+      </a:effectRef>
+      <a:fontRef idx="minor">
+        <a:schemeClr val="lt1"/>
+      </a:fontRef>
+    </dgm:style>
+  </dgm:styleLbl>
+  <dgm:styleLbl name="parChTrans2D3">
+    <dgm:scene3d>
+      <a:camera prst="orthographicFront"/>
+      <a:lightRig rig="threePt" dir="t"/>
+    </dgm:scene3d>
+    <dgm:sp3d/>
+    <dgm:txPr/>
+    <dgm:style>
+      <a:lnRef idx="2">
+        <a:scrgbClr r="0" g="0" b="0"/>
+      </a:lnRef>
+      <a:fillRef idx="1">
+        <a:scrgbClr r="0" g="0" b="0"/>
+      </a:fillRef>
+      <a:effectRef idx="0">
+        <a:scrgbClr r="0" g="0" b="0"/>
+      </a:effectRef>
+      <a:fontRef idx="minor">
+        <a:schemeClr val="lt1"/>
+      </a:fontRef>
+    </dgm:style>
+  </dgm:styleLbl>
+  <dgm:styleLbl name="parChTrans2D4">
+    <dgm:scene3d>
+      <a:camera prst="orthographicFront"/>
+      <a:lightRig rig="threePt" dir="t"/>
+    </dgm:scene3d>
+    <dgm:sp3d/>
+    <dgm:txPr/>
+    <dgm:style>
+      <a:lnRef idx="2">
+        <a:scrgbClr r="0" g="0" b="0"/>
+      </a:lnRef>
+      <a:fillRef idx="1">
+        <a:scrgbClr r="0" g="0" b="0"/>
+      </a:fillRef>
+      <a:effectRef idx="0">
+        <a:scrgbClr r="0" g="0" b="0"/>
+      </a:effectRef>
+      <a:fontRef idx="minor">
+        <a:schemeClr val="lt1"/>
+      </a:fontRef>
+    </dgm:style>
+  </dgm:styleLbl>
+  <dgm:styleLbl name="parChTrans1D1">
+    <dgm:scene3d>
+      <a:camera prst="orthographicFront"/>
+      <a:lightRig rig="threePt" dir="t"/>
+    </dgm:scene3d>
+    <dgm:sp3d/>
+    <dgm:txPr/>
+    <dgm:style>
+      <a:lnRef idx="2">
+        <a:scrgbClr r="0" g="0" b="0"/>
+      </a:lnRef>
+      <a:fillRef idx="0">
+        <a:scrgbClr r="0" g="0" b="0"/>
+      </a:fillRef>
+      <a:effectRef idx="0">
+        <a:scrgbClr r="0" g="0" b="0"/>
+      </a:effectRef>
+      <a:fontRef idx="minor"/>
+    </dgm:style>
+  </dgm:styleLbl>
+  <dgm:styleLbl name="parChTrans1D2">
+    <dgm:scene3d>
+      <a:camera prst="orthographicFront"/>
+      <a:lightRig rig="threePt" dir="t"/>
+    </dgm:scene3d>
+    <dgm:sp3d/>
+    <dgm:txPr/>
+    <dgm:style>
+      <a:lnRef idx="2">
+        <a:scrgbClr r="0" g="0" b="0"/>
+      </a:lnRef>
+      <a:fillRef idx="0">
+        <a:scrgbClr r="0" g="0" b="0"/>
+      </a:fillRef>
+      <a:effectRef idx="0">
+        <a:scrgbClr r="0" g="0" b="0"/>
+      </a:effectRef>
+      <a:fontRef idx="minor"/>
+    </dgm:style>
+  </dgm:styleLbl>
+  <dgm:styleLbl name="parChTrans1D3">
+    <dgm:scene3d>
+      <a:camera prst="orthographicFront"/>
+      <a:lightRig rig="threePt" dir="t"/>
+    </dgm:scene3d>
+    <dgm:sp3d/>
+    <dgm:txPr/>
+    <dgm:style>
+      <a:lnRef idx="2">
+        <a:scrgbClr r="0" g="0" b="0"/>
+      </a:lnRef>
+      <a:fillRef idx="0">
+        <a:scrgbClr r="0" g="0" b="0"/>
+      </a:fillRef>
+      <a:effectRef idx="0">
+        <a:scrgbClr r="0" g="0" b="0"/>
+      </a:effectRef>
+      <a:fontRef idx="minor"/>
+    </dgm:style>
+  </dgm:styleLbl>
+  <dgm:styleLbl name="parChTrans1D4">
+    <dgm:scene3d>
+      <a:camera prst="orthographicFront"/>
+      <a:lightRig rig="threePt" dir="t"/>
+    </dgm:scene3d>
+    <dgm:sp3d/>
+    <dgm:txPr/>
+    <dgm:style>
+      <a:lnRef idx="2">
+        <a:scrgbClr r="0" g="0" b="0"/>
+      </a:lnRef>
+      <a:fillRef idx="0">
+        <a:scrgbClr r="0" g="0" b="0"/>
+      </a:fillRef>
+      <a:effectRef idx="0">
+        <a:scrgbClr r="0" g="0" b="0"/>
+      </a:effectRef>
+      <a:fontRef idx="minor"/>
+    </dgm:style>
+  </dgm:styleLbl>
+  <dgm:styleLbl name="fgAcc1">
+    <dgm:scene3d>
+      <a:camera prst="orthographicFront"/>
+      <a:lightRig rig="threePt" dir="t"/>
+    </dgm:scene3d>
+    <dgm:sp3d/>
+    <dgm:txPr/>
+    <dgm:style>
+      <a:lnRef idx="2">
+        <a:scrgbClr r="0" g="0" b="0"/>
+      </a:lnRef>
+      <a:fillRef idx="1">
+        <a:scrgbClr r="0" g="0" b="0"/>
+      </a:fillRef>
+      <a:effectRef idx="0">
+        <a:scrgbClr r="0" g="0" b="0"/>
+      </a:effectRef>
+      <a:fontRef idx="minor"/>
+    </dgm:style>
+  </dgm:styleLbl>
+  <dgm:styleLbl name="conFgAcc1">
+    <dgm:scene3d>
+      <a:camera prst="orthographicFront"/>
+      <a:lightRig rig="threePt" dir="t"/>
+    </dgm:scene3d>
+    <dgm:sp3d/>
+    <dgm:txPr/>
+    <dgm:style>
+      <a:lnRef idx="2">
+        <a:scrgbClr r="0" g="0" b="0"/>
+      </a:lnRef>
+      <a:fillRef idx="1">
+        <a:scrgbClr r="0" g="0" b="0"/>
+      </a:fillRef>
+      <a:effectRef idx="0">
+        <a:scrgbClr r="0" g="0" b="0"/>
+      </a:effectRef>
+      <a:fontRef idx="minor"/>
+    </dgm:style>
+  </dgm:styleLbl>
+  <dgm:styleLbl name="alignAcc1">
+    <dgm:scene3d>
+      <a:camera prst="orthographicFront"/>
+      <a:lightRig rig="threePt" dir="t"/>
+    </dgm:scene3d>
+    <dgm:sp3d/>
+    <dgm:txPr/>
+    <dgm:style>
+      <a:lnRef idx="2">
+        <a:scrgbClr r="0" g="0" b="0"/>
+      </a:lnRef>
+      <a:fillRef idx="1">
+        <a:scrgbClr r="0" g="0" b="0"/>
+      </a:fillRef>
+      <a:effectRef idx="0">
+        <a:scrgbClr r="0" g="0" b="0"/>
+      </a:effectRef>
+      <a:fontRef idx="minor"/>
+    </dgm:style>
+  </dgm:styleLbl>
+  <dgm:styleLbl name="trAlignAcc1">
+    <dgm:scene3d>
+      <a:camera prst="orthographicFront"/>
+      <a:lightRig rig="threePt" dir="t"/>
+    </dgm:scene3d>
+    <dgm:sp3d/>
+    <dgm:txPr/>
+    <dgm:style>
+      <a:lnRef idx="1">
+        <a:scrgbClr r="0" g="0" b="0"/>
+      </a:lnRef>
+      <a:fillRef idx="1">
+        <a:scrgbClr r="0" g="0" b="0"/>
+      </a:fillRef>
+      <a:effectRef idx="0">
+        <a:scrgbClr r="0" g="0" b="0"/>
+      </a:effectRef>
+      <a:fontRef idx="minor"/>
+    </dgm:style>
+  </dgm:styleLbl>
+  <dgm:styleLbl name="bgAcc1">
+    <dgm:scene3d>
+      <a:camera prst="orthographicFront"/>
+      <a:lightRig rig="threePt" dir="t"/>
+    </dgm:scene3d>
+    <dgm:sp3d/>
+    <dgm:txPr/>
+    <dgm:style>
+      <a:lnRef idx="2">
+        <a:scrgbClr r="0" g="0" b="0"/>
+      </a:lnRef>
+      <a:fillRef idx="1">
+        <a:scrgbClr r="0" g="0" b="0"/>
+      </a:fillRef>
+      <a:effectRef idx="0">
+        <a:scrgbClr r="0" g="0" b="0"/>
+      </a:effectRef>
+      <a:fontRef idx="minor"/>
+    </dgm:style>
+  </dgm:styleLbl>
+  <dgm:styleLbl name="solidFgAcc1">
+    <dgm:scene3d>
+      <a:camera prst="orthographicFront"/>
+      <a:lightRig rig="threePt" dir="t"/>
+    </dgm:scene3d>
+    <dgm:sp3d/>
+    <dgm:txPr/>
+    <dgm:style>
+      <a:lnRef idx="2">
+        <a:scrgbClr r="0" g="0" b="0"/>
+      </a:lnRef>
+      <a:fillRef idx="1">
+        <a:scrgbClr r="0" g="0" b="0"/>
+      </a:fillRef>
+      <a:effectRef idx="0">
+        <a:scrgbClr r="0" g="0" b="0"/>
+      </a:effectRef>
+      <a:fontRef idx="minor"/>
+    </dgm:style>
+  </dgm:styleLbl>
+  <dgm:styleLbl name="solidAlignAcc1">
+    <dgm:scene3d>
+      <a:camera prst="orthographicFront"/>
+      <a:lightRig rig="threePt" dir="t"/>
+    </dgm:scene3d>
+    <dgm:sp3d/>
+    <dgm:txPr/>
+    <dgm:style>
+      <a:lnRef idx="2">
+        <a:scrgbClr r="0" g="0" b="0"/>
+      </a:lnRef>
+      <a:fillRef idx="1">
+        <a:scrgbClr r="0" g="0" b="0"/>
+      </a:fillRef>
+      <a:effectRef idx="0">
+        <a:scrgbClr r="0" g="0" b="0"/>
+      </a:effectRef>
+      <a:fontRef idx="minor"/>
+    </dgm:style>
+  </dgm:styleLbl>
+  <dgm:styleLbl name="solidBgAcc1">
+    <dgm:scene3d>
+      <a:camera prst="orthographicFront"/>
+      <a:lightRig rig="threePt" dir="t"/>
+    </dgm:scene3d>
+    <dgm:sp3d/>
+    <dgm:txPr/>
+    <dgm:style>
+      <a:lnRef idx="2">
+        <a:scrgbClr r="0" g="0" b="0"/>
+      </a:lnRef>
+      <a:fillRef idx="1">
+        <a:scrgbClr r="0" g="0" b="0"/>
+      </a:fillRef>
+      <a:effectRef idx="0">
+        <a:scrgbClr r="0" g="0" b="0"/>
+      </a:effectRef>
+      <a:fontRef idx="minor"/>
+    </dgm:style>
+  </dgm:styleLbl>
+  <dgm:styleLbl name="fgAccFollowNode1">
+    <dgm:scene3d>
+      <a:camera prst="orthographicFront"/>
+      <a:lightRig rig="threePt" dir="t"/>
+    </dgm:scene3d>
+    <dgm:sp3d/>
+    <dgm:txPr/>
+    <dgm:style>
+      <a:lnRef idx="2">
+        <a:scrgbClr r="0" g="0" b="0"/>
+      </a:lnRef>
+      <a:fillRef idx="1">
+        <a:scrgbClr r="0" g="0" b="0"/>
+      </a:fillRef>
+      <a:effectRef idx="0">
+        <a:scrgbClr r="0" g="0" b="0"/>
+      </a:effectRef>
+      <a:fontRef idx="minor"/>
+    </dgm:style>
+  </dgm:styleLbl>
+  <dgm:styleLbl name="alignAccFollowNode1">
+    <dgm:scene3d>
+      <a:camera prst="orthographicFront"/>
+      <a:lightRig rig="threePt" dir="t"/>
+    </dgm:scene3d>
+    <dgm:sp3d/>
+    <dgm:txPr/>
+    <dgm:style>
+      <a:lnRef idx="2">
+        <a:scrgbClr r="0" g="0" b="0"/>
+      </a:lnRef>
+      <a:fillRef idx="1">
+        <a:scrgbClr r="0" g="0" b="0"/>
+      </a:fillRef>
+      <a:effectRef idx="0">
+        <a:scrgbClr r="0" g="0" b="0"/>
+      </a:effectRef>
+      <a:fontRef idx="minor"/>
+    </dgm:style>
+  </dgm:styleLbl>
+  <dgm:styleLbl name="bgAccFollowNode1">
+    <dgm:scene3d>
+      <a:camera prst="orthographicFront"/>
+      <a:lightRig rig="threePt" dir="t"/>
+    </dgm:scene3d>
+    <dgm:sp3d/>
+    <dgm:txPr/>
+    <dgm:style>
+      <a:lnRef idx="2">
+        <a:scrgbClr r="0" g="0" b="0"/>
+      </a:lnRef>
+      <a:fillRef idx="1">
+        <a:scrgbClr r="0" g="0" b="0"/>
+      </a:fillRef>
+      <a:effectRef idx="0">
+        <a:scrgbClr r="0" g="0" b="0"/>
+      </a:effectRef>
+      <a:fontRef idx="minor"/>
+    </dgm:style>
+  </dgm:styleLbl>
+  <dgm:styleLbl name="fgAcc0">
+    <dgm:scene3d>
+      <a:camera prst="orthographicFront"/>
+      <a:lightRig rig="threePt" dir="t"/>
+    </dgm:scene3d>
+    <dgm:sp3d/>
+    <dgm:txPr/>
+    <dgm:style>
+      <a:lnRef idx="2">
+        <a:scrgbClr r="0" g="0" b="0"/>
+      </a:lnRef>
+      <a:fillRef idx="1">
+        <a:scrgbClr r="0" g="0" b="0"/>
+      </a:fillRef>
+      <a:effectRef idx="0">
+        <a:scrgbClr r="0" g="0" b="0"/>
+      </a:effectRef>
+      <a:fontRef idx="minor"/>
+    </dgm:style>
+  </dgm:styleLbl>
+  <dgm:styleLbl name="fgAcc2">
+    <dgm:scene3d>
+      <a:camera prst="orthographicFront"/>
+      <a:lightRig rig="threePt" dir="t"/>
+    </dgm:scene3d>
+    <dgm:sp3d/>
+    <dgm:txPr/>
+    <dgm:style>
+      <a:lnRef idx="2">
+        <a:scrgbClr r="0" g="0" b="0"/>
+      </a:lnRef>
+      <a:fillRef idx="1">
+        <a:scrgbClr r="0" g="0" b="0"/>
+      </a:fillRef>
+      <a:effectRef idx="0">
+        <a:scrgbClr r="0" g="0" b="0"/>
+      </a:effectRef>
+      <a:fontRef idx="minor"/>
+    </dgm:style>
+  </dgm:styleLbl>
+  <dgm:styleLbl name="fgAcc3">
+    <dgm:scene3d>
+      <a:camera prst="orthographicFront"/>
+      <a:lightRig rig="threePt" dir="t"/>
+    </dgm:scene3d>
+    <dgm:sp3d/>
+    <dgm:txPr/>
+    <dgm:style>
+      <a:lnRef idx="2">
+        <a:scrgbClr r="0" g="0" b="0"/>
+      </a:lnRef>
+      <a:fillRef idx="1">
+        <a:scrgbClr r="0" g="0" b="0"/>
+      </a:fillRef>
+      <a:effectRef idx="0">
+        <a:scrgbClr r="0" g="0" b="0"/>
+      </a:effectRef>
+      <a:fontRef idx="minor"/>
+    </dgm:style>
+  </dgm:styleLbl>
+  <dgm:styleLbl name="fgAcc4">
+    <dgm:scene3d>
+      <a:camera prst="orthographicFront"/>
+      <a:lightRig rig="threePt" dir="t"/>
+    </dgm:scene3d>
+    <dgm:sp3d/>
+    <dgm:txPr/>
+    <dgm:style>
+      <a:lnRef idx="2">
+        <a:scrgbClr r="0" g="0" b="0"/>
+      </a:lnRef>
+      <a:fillRef idx="1">
+        <a:scrgbClr r="0" g="0" b="0"/>
+      </a:fillRef>
+      <a:effectRef idx="0">
+        <a:scrgbClr r="0" g="0" b="0"/>
+      </a:effectRef>
+      <a:fontRef idx="minor"/>
+    </dgm:style>
+  </dgm:styleLbl>
+  <dgm:styleLbl name="bgShp">
+    <dgm:scene3d>
+      <a:camera prst="orthographicFront"/>
+      <a:lightRig rig="threePt" dir="t"/>
+    </dgm:scene3d>
+    <dgm:sp3d/>
+    <dgm:txPr/>
+    <dgm:style>
+      <a:lnRef idx="0">
+        <a:scrgbClr r="0" g="0" b="0"/>
+      </a:lnRef>
+      <a:fillRef idx="1">
+        <a:scrgbClr r="0" g="0" b="0"/>
+      </a:fillRef>
+      <a:effectRef idx="0">
+        <a:scrgbClr r="0" g="0" b="0"/>
+      </a:effectRef>
+      <a:fontRef idx="minor"/>
+    </dgm:style>
+  </dgm:styleLbl>
+  <dgm:styleLbl name="dkBgShp">
+    <dgm:scene3d>
+      <a:camera prst="orthographicFront"/>
+      <a:lightRig rig="threePt" dir="t"/>
+    </dgm:scene3d>
+    <dgm:sp3d/>
+    <dgm:txPr/>
+    <dgm:style>
+      <a:lnRef idx="0">
+        <a:scrgbClr r="0" g="0" b="0"/>
+      </a:lnRef>
+      <a:fillRef idx="1">
+        <a:scrgbClr r="0" g="0" b="0"/>
+      </a:fillRef>
+      <a:effectRef idx="0">
+        <a:scrgbClr r="0" g="0" b="0"/>
+      </a:effectRef>
+      <a:fontRef idx="minor"/>
+    </dgm:style>
+  </dgm:styleLbl>
+  <dgm:styleLbl name="trBgShp">
+    <dgm:scene3d>
+      <a:camera prst="orthographicFront"/>
+      <a:lightRig rig="threePt" dir="t"/>
+    </dgm:scene3d>
+    <dgm:sp3d/>
+    <dgm:txPr/>
+    <dgm:style>
+      <a:lnRef idx="0">
+        <a:scrgbClr r="0" g="0" b="0"/>
+      </a:lnRef>
+      <a:fillRef idx="1">
+        <a:scrgbClr r="0" g="0" b="0"/>
+      </a:fillRef>
+      <a:effectRef idx="0">
+        <a:scrgbClr r="0" g="0" b="0"/>
+      </a:effectRef>
+      <a:fontRef idx="minor"/>
+    </dgm:style>
+  </dgm:styleLbl>
+  <dgm:styleLbl name="fgShp">
+    <dgm:scene3d>
+      <a:camera prst="orthographicFront"/>
+      <a:lightRig rig="threePt" dir="t"/>
+    </dgm:scene3d>
+    <dgm:sp3d/>
+    <dgm:txPr/>
+    <dgm:style>
+      <a:lnRef idx="2">
+        <a:scrgbClr r="0" g="0" b="0"/>
+      </a:lnRef>
+      <a:fillRef idx="1">
+        <a:scrgbClr r="0" g="0" b="0"/>
+      </a:fillRef>
+      <a:effectRef idx="0">
+        <a:scrgbClr r="0" g="0" b="0"/>
+      </a:effectRef>
+      <a:fontRef idx="minor"/>
+    </dgm:style>
+  </dgm:styleLbl>
+  <dgm:styleLbl name="revTx">
+    <dgm:scene3d>
+      <a:camera prst="orthographicFront"/>
+      <a:lightRig rig="threePt" dir="t"/>
+    </dgm:scene3d>
+    <dgm:sp3d/>
+    <dgm:txPr/>
+    <dgm:style>
+      <a:lnRef idx="0">
+        <a:scrgbClr r="0" g="0" b="0"/>
+      </a:lnRef>
+      <a:fillRef idx="0">
+        <a:scrgbClr r="0" g="0" b="0"/>
+      </a:fillRef>
+      <a:effectRef idx="0">
+        <a:scrgbClr r="0" g="0" b="0"/>
+      </a:effectRef>
+      <a:fontRef idx="minor"/>
+    </dgm:style>
+  </dgm:styleLbl>
+</dgm:styleDef>
+</file>
+
 <file path=ppt/handoutMasters/handoutMaster1.xml><?xml version="1.0" encoding="utf-8"?>
 <p:handoutMaster xmlns:a="http://schemas.openxmlformats.org/drawingml/2006/main" xmlns:r="http://schemas.openxmlformats.org/officeDocument/2006/relationships" xmlns:p="http://schemas.openxmlformats.org/presentationml/2006/main">
   <p:cSld>
@@ -267,7 +2919,7 @@
               <a:rPr lang="en-US" smtClean="0">
                 <a:latin typeface="Segoe UI" pitchFamily="34" charset="0"/>
               </a:rPr>
-              <a:t>11/8/2012</a:t>
+              <a:t>11/30/2012</a:t>
             </a:fld>
             <a:endParaRPr lang="en-US" dirty="0">
               <a:latin typeface="Segoe UI" pitchFamily="34" charset="0"/>
@@ -449,7 +3101,7 @@
             <a:fld id="{CAE3F082-F902-42D8-A765-720E172C3194}" type="datetimeFigureOut">
               <a:rPr lang="en-US" smtClean="0"/>
               <a:pPr/>
-              <a:t>11/8/2012</a:t>
+              <a:t>11/30/2012</a:t>
             </a:fld>
             <a:endParaRPr lang="en-US" dirty="0"/>
           </a:p>
@@ -720,6 +3372,292 @@
     </a:lvl9pPr>
   </p:notesStyle>
 </p:notesMaster>
+</file>
+
+<file path=ppt/notesSlides/notesSlide1.xml><?xml version="1.0" encoding="utf-8"?>
+<p:notes xmlns:a="http://schemas.openxmlformats.org/drawingml/2006/main" xmlns:r="http://schemas.openxmlformats.org/officeDocument/2006/relationships" xmlns:p="http://schemas.openxmlformats.org/presentationml/2006/main">
+  <p:cSld>
+    <p:spTree>
+      <p:nvGrpSpPr>
+        <p:cNvPr id="1" name=""/>
+        <p:cNvGrpSpPr/>
+        <p:nvPr/>
+      </p:nvGrpSpPr>
+      <p:grpSpPr>
+        <a:xfrm>
+          <a:off x="0" y="0"/>
+          <a:ext cx="0" cy="0"/>
+          <a:chOff x="0" y="0"/>
+          <a:chExt cx="0" cy="0"/>
+        </a:xfrm>
+      </p:grpSpPr>
+      <p:sp>
+        <p:nvSpPr>
+          <p:cNvPr id="2" name="Slide Image Placeholder 1"/>
+          <p:cNvSpPr>
+            <a:spLocks noGrp="1" noRot="1" noChangeAspect="1"/>
+          </p:cNvSpPr>
+          <p:nvPr>
+            <p:ph type="sldImg"/>
+          </p:nvPr>
+        </p:nvSpPr>
+        <p:spPr/>
+      </p:sp>
+      <p:sp>
+        <p:nvSpPr>
+          <p:cNvPr id="3" name="Notes Placeholder 2"/>
+          <p:cNvSpPr>
+            <a:spLocks noGrp="1"/>
+          </p:cNvSpPr>
+          <p:nvPr>
+            <p:ph type="body" idx="1"/>
+          </p:nvPr>
+        </p:nvSpPr>
+        <p:spPr/>
+        <p:txBody>
+          <a:bodyPr/>
+          <a:lstStyle/>
+          <a:p>
+            <a:pPr lvl="0"/>
+            <a:r>
+              <a:rPr lang="en-US" sz="1600" kern="1200" dirty="0" smtClean="0">
+                <a:solidFill>
+                  <a:schemeClr val="tx1"/>
+                </a:solidFill>
+                <a:effectLst/>
+                <a:latin typeface="Segoe UI" pitchFamily="34" charset="0"/>
+                <a:ea typeface="+mn-ea"/>
+                <a:cs typeface="+mn-cs"/>
+              </a:rPr>
+              <a:t>Adaptive rendering in ASP.NET 4.5 and ASP.NET MVC 4 (10)</a:t>
+            </a:r>
+          </a:p>
+          <a:p>
+            <a:pPr lvl="0"/>
+            <a:r>
+              <a:rPr lang="en-US" sz="1600" kern="1200" dirty="0" smtClean="0">
+                <a:solidFill>
+                  <a:schemeClr val="tx1"/>
+                </a:solidFill>
+                <a:effectLst/>
+                <a:latin typeface="Segoe UI" pitchFamily="34" charset="0"/>
+                <a:ea typeface="+mn-ea"/>
+                <a:cs typeface="+mn-cs"/>
+              </a:rPr>
+              <a:t>Display Modes (10)</a:t>
+            </a:r>
+          </a:p>
+          <a:p>
+            <a:pPr lvl="0"/>
+            <a:r>
+              <a:rPr lang="en-US" sz="1600" kern="1200" smtClean="0">
+                <a:solidFill>
+                  <a:schemeClr val="tx1"/>
+                </a:solidFill>
+                <a:effectLst/>
+                <a:latin typeface="Segoe UI" pitchFamily="34" charset="0"/>
+                <a:ea typeface="+mn-ea"/>
+                <a:cs typeface="+mn-cs"/>
+              </a:rPr>
+              <a:t>Mobile Template and jQuery Mobile (10)</a:t>
+            </a:r>
+          </a:p>
+        </p:txBody>
+      </p:sp>
+      <p:sp>
+        <p:nvSpPr>
+          <p:cNvPr id="4" name="Slide Number Placeholder 3"/>
+          <p:cNvSpPr>
+            <a:spLocks noGrp="1"/>
+          </p:cNvSpPr>
+          <p:nvPr>
+            <p:ph type="sldNum" sz="quarter" idx="10"/>
+          </p:nvPr>
+        </p:nvSpPr>
+        <p:spPr/>
+        <p:txBody>
+          <a:bodyPr/>
+          <a:lstStyle/>
+          <a:p>
+            <a:fld id="{82AABF77-E2E4-44CA-BA5C-65E132CF08D8}" type="slidenum">
+              <a:rPr lang="en-US" smtClean="0"/>
+              <a:pPr/>
+              <a:t>1</a:t>
+            </a:fld>
+            <a:endParaRPr lang="en-US" dirty="0"/>
+          </a:p>
+        </p:txBody>
+      </p:sp>
+    </p:spTree>
+    <p:extLst>
+      <p:ext uri="{BB962C8B-B14F-4D97-AF65-F5344CB8AC3E}">
+        <p14:creationId xmlns:p14="http://schemas.microsoft.com/office/powerpoint/2010/main" val="2401829730"/>
+      </p:ext>
+    </p:extLst>
+  </p:cSld>
+  <p:clrMapOvr>
+    <a:masterClrMapping/>
+  </p:clrMapOvr>
+</p:notes>
+</file>
+
+<file path=ppt/notesSlides/notesSlide2.xml><?xml version="1.0" encoding="utf-8"?>
+<p:notes xmlns:a="http://schemas.openxmlformats.org/drawingml/2006/main" xmlns:r="http://schemas.openxmlformats.org/officeDocument/2006/relationships" xmlns:p="http://schemas.openxmlformats.org/presentationml/2006/main">
+  <p:cSld>
+    <p:spTree>
+      <p:nvGrpSpPr>
+        <p:cNvPr id="1" name=""/>
+        <p:cNvGrpSpPr/>
+        <p:nvPr/>
+      </p:nvGrpSpPr>
+      <p:grpSpPr>
+        <a:xfrm>
+          <a:off x="0" y="0"/>
+          <a:ext cx="0" cy="0"/>
+          <a:chOff x="0" y="0"/>
+          <a:chExt cx="0" cy="0"/>
+        </a:xfrm>
+      </p:grpSpPr>
+      <p:sp>
+        <p:nvSpPr>
+          <p:cNvPr id="2" name="Slide Image Placeholder 1"/>
+          <p:cNvSpPr>
+            <a:spLocks noGrp="1" noRot="1" noChangeAspect="1"/>
+          </p:cNvSpPr>
+          <p:nvPr>
+            <p:ph type="sldImg"/>
+          </p:nvPr>
+        </p:nvSpPr>
+        <p:spPr>
+          <a:xfrm>
+            <a:off x="382588" y="685800"/>
+            <a:ext cx="6092825" cy="3429000"/>
+          </a:xfrm>
+        </p:spPr>
+      </p:sp>
+      <p:sp>
+        <p:nvSpPr>
+          <p:cNvPr id="3" name="Notes Placeholder 2"/>
+          <p:cNvSpPr>
+            <a:spLocks noGrp="1"/>
+          </p:cNvSpPr>
+          <p:nvPr>
+            <p:ph type="body" idx="1"/>
+          </p:nvPr>
+        </p:nvSpPr>
+        <p:spPr/>
+        <p:txBody>
+          <a:bodyPr>
+            <a:normAutofit/>
+          </a:bodyPr>
+          <a:lstStyle/>
+          <a:p>
+            <a:endParaRPr lang="en-US"/>
+          </a:p>
+        </p:txBody>
+      </p:sp>
+      <p:sp>
+        <p:nvSpPr>
+          <p:cNvPr id="4" name="Slide Number Placeholder 3"/>
+          <p:cNvSpPr>
+            <a:spLocks noGrp="1"/>
+          </p:cNvSpPr>
+          <p:nvPr>
+            <p:ph type="sldNum" sz="quarter" idx="10"/>
+          </p:nvPr>
+        </p:nvSpPr>
+        <p:spPr/>
+        <p:txBody>
+          <a:bodyPr/>
+          <a:lstStyle/>
+          <a:p>
+            <a:fld id="{8B263312-38AA-4E1E-B2B5-0F8F122B24FE}" type="slidenum">
+              <a:rPr lang="en-US" smtClean="0"/>
+              <a:pPr/>
+              <a:t>5</a:t>
+            </a:fld>
+            <a:endParaRPr lang="en-US" dirty="0"/>
+          </a:p>
+        </p:txBody>
+      </p:sp>
+      <p:sp>
+        <p:nvSpPr>
+          <p:cNvPr id="5" name="Footer Placeholder 3"/>
+          <p:cNvSpPr>
+            <a:spLocks noGrp="1"/>
+          </p:cNvSpPr>
+          <p:nvPr>
+            <p:ph type="ftr" sz="quarter" idx="4"/>
+          </p:nvPr>
+        </p:nvSpPr>
+        <p:spPr>
+          <a:xfrm>
+            <a:off x="0" y="8685213"/>
+            <a:ext cx="6248400" cy="457200"/>
+          </a:xfrm>
+          <a:prstGeom prst="rect">
+            <a:avLst/>
+          </a:prstGeom>
+        </p:spPr>
+        <p:txBody>
+          <a:bodyPr vert="horz" lIns="91440" tIns="45720" rIns="91440" bIns="45720" rtlCol="0" anchor="b"/>
+          <a:lstStyle>
+            <a:lvl1pPr algn="l">
+              <a:defRPr sz="1200"/>
+            </a:lvl1pPr>
+          </a:lstStyle>
+          <a:p>
+            <a:r>
+              <a:rPr lang="en-US" sz="500" dirty="0" smtClean="0">
+                <a:solidFill>
+                  <a:srgbClr val="000000"/>
+                </a:solidFill>
+                <a:latin typeface="Segoe" pitchFamily="34" charset="0"/>
+              </a:rPr>
+              <a:t>© 2012 Microsoft Corporation. All rights reserved. Microsoft, Windows, Windows Vista and other product names are or may be registered trademarks and/or trademarks in the U.S. and/or other countries.</a:t>
+            </a:r>
+          </a:p>
+          <a:p>
+            <a:r>
+              <a:rPr lang="en-US" sz="500" dirty="0" smtClean="0">
+                <a:solidFill>
+                  <a:srgbClr val="000000"/>
+                </a:solidFill>
+                <a:latin typeface="Segoe" pitchFamily="34" charset="0"/>
+              </a:rPr>
+              <a:t>The information herein is for informational purposes only and represents the current view of Microsoft Corporation as of the date of this presentation.  Because Microsoft must respond to changing market conditions, it should not be interpreted to be a commitment on the part of Microsoft, and Microsoft cannot guarantee the accuracy of any information provided after the date of this presentation.  </a:t>
+            </a:r>
+            <a:br>
+              <a:rPr lang="en-US" sz="500" dirty="0" smtClean="0">
+                <a:solidFill>
+                  <a:srgbClr val="000000"/>
+                </a:solidFill>
+                <a:latin typeface="Segoe" pitchFamily="34" charset="0"/>
+              </a:rPr>
+            </a:br>
+            <a:r>
+              <a:rPr lang="en-US" sz="500" dirty="0" smtClean="0">
+                <a:solidFill>
+                  <a:srgbClr val="000000"/>
+                </a:solidFill>
+                <a:latin typeface="Segoe" pitchFamily="34" charset="0"/>
+              </a:rPr>
+              <a:t>MICROSOFT MAKES NO WARRANTIES, EXPRESS, IMPLIED OR STATUTORY, AS TO THE INFORMATION IN THIS PRESENTATION.</a:t>
+            </a:r>
+          </a:p>
+        </p:txBody>
+      </p:sp>
+    </p:spTree>
+    <p:extLst>
+      <p:ext uri="{BB962C8B-B14F-4D97-AF65-F5344CB8AC3E}">
+        <p14:creationId xmlns:p14="http://schemas.microsoft.com/office/powerpoint/2010/main" val="275642030"/>
+      </p:ext>
+    </p:extLst>
+  </p:cSld>
+  <p:clrMapOvr>
+    <a:masterClrMapping/>
+  </p:clrMapOvr>
+</p:notes>
 </file>
 
 <file path=ppt/slideLayouts/slideLayout1.xml><?xml version="1.0" encoding="utf-8"?>
@@ -6036,7 +8974,7 @@
 </file>
 
 <file path=ppt/slideLayouts/slideLayout19.xml><?xml version="1.0" encoding="utf-8"?>
-<p:sldLayout xmlns:a="http://schemas.openxmlformats.org/drawingml/2006/main" xmlns:r="http://schemas.openxmlformats.org/officeDocument/2006/relationships" xmlns:p="http://schemas.openxmlformats.org/presentationml/2006/main" preserve="1">
+<p:sldLayout xmlns:a="http://schemas.openxmlformats.org/drawingml/2006/main" xmlns:r="http://schemas.openxmlformats.org/officeDocument/2006/relationships" xmlns:p="http://schemas.openxmlformats.org/presentationml/2006/main">
   <p:cSld name="Use for slides with Software Code">
     <p:spTree>
       <p:nvGrpSpPr>
@@ -6065,7 +9003,11 @@
         <p:spPr/>
         <p:txBody>
           <a:bodyPr/>
-          <a:lstStyle/>
+          <a:lstStyle>
+            <a:lvl1pPr>
+              <a:defRPr/>
+            </a:lvl1pPr>
+          </a:lstStyle>
           <a:p>
             <a:r>
               <a:rPr lang="en-US" dirty="0" smtClean="0"/>
@@ -6088,7 +9030,7 @@
         <p:spPr>
           <a:xfrm>
             <a:off x="519114" y="1905000"/>
-            <a:ext cx="11149012" cy="1618905"/>
+            <a:ext cx="11149012" cy="2108269"/>
           </a:xfrm>
         </p:spPr>
         <p:txBody>
@@ -6098,31 +9040,31 @@
               <a:lnSpc>
                 <a:spcPct val="90000"/>
               </a:lnSpc>
-              <a:defRPr sz="2400"/>
+              <a:defRPr/>
             </a:lvl1pPr>
             <a:lvl2pPr>
               <a:lnSpc>
                 <a:spcPct val="90000"/>
               </a:lnSpc>
-              <a:defRPr sz="2000"/>
+              <a:defRPr/>
             </a:lvl2pPr>
             <a:lvl3pPr>
               <a:lnSpc>
                 <a:spcPct val="90000"/>
               </a:lnSpc>
-              <a:defRPr sz="1800"/>
+              <a:defRPr/>
             </a:lvl3pPr>
             <a:lvl4pPr>
               <a:lnSpc>
                 <a:spcPct val="90000"/>
               </a:lnSpc>
-              <a:defRPr sz="1800"/>
+              <a:defRPr/>
             </a:lvl4pPr>
             <a:lvl5pPr>
               <a:lnSpc>
                 <a:spcPct val="90000"/>
               </a:lnSpc>
-              <a:defRPr sz="1800"/>
+              <a:defRPr/>
             </a:lvl5pPr>
           </a:lstStyle>
           <a:p>
@@ -6166,7 +9108,7 @@
     </p:spTree>
     <p:extLst>
       <p:ext uri="{BB962C8B-B14F-4D97-AF65-F5344CB8AC3E}">
-        <p14:creationId xmlns:p14="http://schemas.microsoft.com/office/powerpoint/2010/main" val="1078997337"/>
+        <p14:creationId xmlns:p14="http://schemas.microsoft.com/office/powerpoint/2010/main" val="3190665964"/>
       </p:ext>
     </p:extLst>
   </p:cSld>
@@ -6176,13 +9118,6 @@
   <p:transition>
     <p:fade/>
   </p:transition>
-  <p:timing>
-    <p:tnLst>
-      <p:par>
-        <p:cTn id="1" dur="indefinite" restart="never" nodeType="tmRoot"/>
-      </p:par>
-    </p:tnLst>
-  </p:timing>
 </p:sldLayout>
 </file>
 
@@ -6512,6 +9447,157 @@
     <p:extLst>
       <p:ext uri="{BB962C8B-B14F-4D97-AF65-F5344CB8AC3E}">
         <p14:creationId xmlns:p14="http://schemas.microsoft.com/office/powerpoint/2010/main" val="505028237"/>
+      </p:ext>
+    </p:extLst>
+  </p:cSld>
+  <p:clrMapOvr>
+    <a:masterClrMapping/>
+  </p:clrMapOvr>
+  <p:transition>
+    <p:fade/>
+  </p:transition>
+  <p:timing>
+    <p:tnLst>
+      <p:par>
+        <p:cTn id="1" dur="indefinite" restart="never" nodeType="tmRoot"/>
+      </p:par>
+    </p:tnLst>
+  </p:timing>
+</p:sldLayout>
+</file>
+
+<file path=ppt/slideLayouts/slideLayout20.xml><?xml version="1.0" encoding="utf-8"?>
+<p:sldLayout xmlns:a="http://schemas.openxmlformats.org/drawingml/2006/main" xmlns:r="http://schemas.openxmlformats.org/officeDocument/2006/relationships" xmlns:p="http://schemas.openxmlformats.org/presentationml/2006/main" preserve="1">
+  <p:cSld name="Use for slides with Software Code">
+    <p:spTree>
+      <p:nvGrpSpPr>
+        <p:cNvPr id="1" name=""/>
+        <p:cNvGrpSpPr/>
+        <p:nvPr/>
+      </p:nvGrpSpPr>
+      <p:grpSpPr>
+        <a:xfrm>
+          <a:off x="0" y="0"/>
+          <a:ext cx="0" cy="0"/>
+          <a:chOff x="0" y="0"/>
+          <a:chExt cx="0" cy="0"/>
+        </a:xfrm>
+      </p:grpSpPr>
+      <p:sp>
+        <p:nvSpPr>
+          <p:cNvPr id="2" name="Title 1"/>
+          <p:cNvSpPr>
+            <a:spLocks noGrp="1"/>
+          </p:cNvSpPr>
+          <p:nvPr>
+            <p:ph type="title"/>
+          </p:nvPr>
+        </p:nvSpPr>
+        <p:spPr/>
+        <p:txBody>
+          <a:bodyPr/>
+          <a:lstStyle/>
+          <a:p>
+            <a:r>
+              <a:rPr lang="en-US" dirty="0" smtClean="0"/>
+              <a:t>Click to edit Master title style</a:t>
+            </a:r>
+            <a:endParaRPr lang="en-US" dirty="0"/>
+          </a:p>
+        </p:txBody>
+      </p:sp>
+      <p:sp>
+        <p:nvSpPr>
+          <p:cNvPr id="6" name="Text Placeholder 5"/>
+          <p:cNvSpPr>
+            <a:spLocks noGrp="1"/>
+          </p:cNvSpPr>
+          <p:nvPr>
+            <p:ph type="body" sz="quarter" idx="10"/>
+          </p:nvPr>
+        </p:nvSpPr>
+        <p:spPr>
+          <a:xfrm>
+            <a:off x="519114" y="1905000"/>
+            <a:ext cx="11149012" cy="1618905"/>
+          </a:xfrm>
+        </p:spPr>
+        <p:txBody>
+          <a:bodyPr/>
+          <a:lstStyle>
+            <a:lvl1pPr>
+              <a:lnSpc>
+                <a:spcPct val="90000"/>
+              </a:lnSpc>
+              <a:defRPr sz="2400"/>
+            </a:lvl1pPr>
+            <a:lvl2pPr>
+              <a:lnSpc>
+                <a:spcPct val="90000"/>
+              </a:lnSpc>
+              <a:defRPr sz="2000"/>
+            </a:lvl2pPr>
+            <a:lvl3pPr>
+              <a:lnSpc>
+                <a:spcPct val="90000"/>
+              </a:lnSpc>
+              <a:defRPr sz="1800"/>
+            </a:lvl3pPr>
+            <a:lvl4pPr>
+              <a:lnSpc>
+                <a:spcPct val="90000"/>
+              </a:lnSpc>
+              <a:defRPr sz="1800"/>
+            </a:lvl4pPr>
+            <a:lvl5pPr>
+              <a:lnSpc>
+                <a:spcPct val="90000"/>
+              </a:lnSpc>
+              <a:defRPr sz="1800"/>
+            </a:lvl5pPr>
+          </a:lstStyle>
+          <a:p>
+            <a:pPr lvl="0"/>
+            <a:r>
+              <a:rPr lang="en-US" dirty="0" smtClean="0"/>
+              <a:t>Click to edit Master text styles</a:t>
+            </a:r>
+          </a:p>
+          <a:p>
+            <a:pPr lvl="1"/>
+            <a:r>
+              <a:rPr lang="en-US" dirty="0" smtClean="0"/>
+              <a:t>Second level</a:t>
+            </a:r>
+          </a:p>
+          <a:p>
+            <a:pPr lvl="2"/>
+            <a:r>
+              <a:rPr lang="en-US" dirty="0" smtClean="0"/>
+              <a:t>Third level</a:t>
+            </a:r>
+          </a:p>
+          <a:p>
+            <a:pPr lvl="3"/>
+            <a:r>
+              <a:rPr lang="en-US" dirty="0" smtClean="0"/>
+              <a:t>Fourth level</a:t>
+            </a:r>
+          </a:p>
+          <a:p>
+            <a:pPr lvl="4"/>
+            <a:r>
+              <a:rPr lang="en-US" dirty="0" smtClean="0"/>
+              <a:t>Fifth level</a:t>
+            </a:r>
+            <a:endParaRPr lang="en-US" dirty="0"/>
+          </a:p>
+        </p:txBody>
+      </p:sp>
+    </p:spTree>
+    <p:extLst>
+      <p:ext uri="{BB962C8B-B14F-4D97-AF65-F5344CB8AC3E}">
+        <p14:creationId xmlns:p14="http://schemas.microsoft.com/office/powerpoint/2010/main" val="1078997337"/>
       </p:ext>
     </p:extLst>
   </p:cSld>
@@ -11189,6 +14275,7 @@
     <p:sldLayoutId id="2147483776" r:id="rId16"/>
     <p:sldLayoutId id="2147483777" r:id="rId17"/>
     <p:sldLayoutId id="2147483778" r:id="rId18"/>
+    <p:sldLayoutId id="2147483781" r:id="rId19"/>
   </p:sldLayoutIdLst>
   <p:transition>
     <p:fade/>
@@ -13669,7 +16756,7 @@
             <p:nvPr/>
           </p:nvPicPr>
           <p:blipFill>
-            <a:blip r:embed="rId2" cstate="print">
+            <a:blip r:embed="rId3" cstate="print">
               <a:extLst>
                 <a:ext uri="{28A0092B-C50C-407E-A947-70E740481C1C}">
                   <a14:useLocalDpi xmlns:a14="http://schemas.microsoft.com/office/drawing/2010/main" val="0"/>
@@ -14022,7 +17109,7 @@
             <p:nvPr/>
           </p:nvPicPr>
           <p:blipFill>
-            <a:blip r:embed="rId3">
+            <a:blip r:embed="rId4">
               <a:extLst>
                 <a:ext uri="{28A0092B-C50C-407E-A947-70E740481C1C}">
                   <a14:useLocalDpi xmlns:a14="http://schemas.microsoft.com/office/drawing/2010/main" val="0"/>
@@ -14276,7 +17363,7 @@
           <a:graphicData uri="http://schemas.openxmlformats.org/presentationml/2006/ole">
             <mc:AlternateContent xmlns:mc="http://schemas.openxmlformats.org/markup-compatibility/2006">
               <mc:Choice xmlns:v="urn:schemas-microsoft-com:vml" Requires="v">
-                <p:oleObj spid="_x0000_s59485" name="think-cell Slide" r:id="rId4" imgW="270" imgH="270" progId="TCLayout.ActiveDocument.1">
+                <p:oleObj spid="_x0000_s59489" name="think-cell Slide" r:id="rId4" imgW="270" imgH="270" progId="TCLayout.ActiveDocument.1">
                   <p:embed/>
                 </p:oleObj>
               </mc:Choice>
@@ -14448,7 +17535,7 @@
           <a:graphicData uri="http://schemas.openxmlformats.org/presentationml/2006/ole">
             <mc:AlternateContent xmlns:mc="http://schemas.openxmlformats.org/markup-compatibility/2006">
               <mc:Choice xmlns:v="urn:schemas-microsoft-com:vml" Requires="v">
-                <p:oleObj spid="_x0000_s23650" name="think-cell Slide" r:id="rId6" imgW="270" imgH="270" progId="TCLayout.ActiveDocument.1">
+                <p:oleObj spid="_x0000_s23654" name="think-cell Slide" r:id="rId6" imgW="270" imgH="270" progId="TCLayout.ActiveDocument.1">
                   <p:embed/>
                 </p:oleObj>
               </mc:Choice>
@@ -14524,14 +17611,47 @@
         </p:nvSpPr>
         <p:spPr>
           <a:xfrm>
-            <a:off x="3473804" y="3641568"/>
-            <a:ext cx="6945312" cy="794064"/>
+            <a:off x="3408218" y="2133463"/>
+            <a:ext cx="8156864" cy="3810274"/>
           </a:xfrm>
         </p:spPr>
         <p:txBody>
           <a:bodyPr/>
           <a:lstStyle/>
           <a:p>
+            <a:pPr lvl="0"/>
+            <a:r>
+              <a:rPr lang="en-US" dirty="0"/>
+              <a:t>Adaptive rendering in ASP.NET 4.5 and ASP.NET MVC </a:t>
+            </a:r>
+            <a:r>
+              <a:rPr lang="en-US" dirty="0" smtClean="0"/>
+              <a:t>4</a:t>
+            </a:r>
+            <a:endParaRPr lang="en-US" dirty="0"/>
+          </a:p>
+          <a:p>
+            <a:pPr lvl="0"/>
+            <a:r>
+              <a:rPr lang="en-US" dirty="0"/>
+              <a:t>Display </a:t>
+            </a:r>
+            <a:r>
+              <a:rPr lang="en-US" dirty="0" smtClean="0"/>
+              <a:t>Modes</a:t>
+            </a:r>
+            <a:endParaRPr lang="en-US" dirty="0"/>
+          </a:p>
+          <a:p>
+            <a:pPr lvl="0"/>
+            <a:r>
+              <a:rPr lang="en-US" dirty="0"/>
+              <a:t>Mobile Template and jQuery </a:t>
+            </a:r>
+            <a:r>
+              <a:rPr lang="en-US" dirty="0" smtClean="0"/>
+              <a:t>Mobile</a:t>
+            </a:r>
             <a:endParaRPr lang="en-US" dirty="0"/>
           </a:p>
         </p:txBody>
@@ -14585,6 +17705,707 @@
           <a:chExt cx="0" cy="0"/>
         </a:xfrm>
       </p:grpSpPr>
+      <p:sp>
+        <p:nvSpPr>
+          <p:cNvPr id="4" name="Title 3"/>
+          <p:cNvSpPr>
+            <a:spLocks noGrp="1"/>
+          </p:cNvSpPr>
+          <p:nvPr>
+            <p:ph type="title"/>
+          </p:nvPr>
+        </p:nvSpPr>
+        <p:spPr/>
+        <p:txBody>
+          <a:bodyPr/>
+          <a:lstStyle/>
+          <a:p>
+            <a:r>
+              <a:rPr lang="en-US" dirty="0" smtClean="0"/>
+              <a:t>Mobile Web Development</a:t>
+            </a:r>
+            <a:endParaRPr lang="en-US" dirty="0"/>
+          </a:p>
+        </p:txBody>
+      </p:sp>
+      <p:graphicFrame>
+        <p:nvGraphicFramePr>
+          <p:cNvPr id="5" name="Diagram 4"/>
+          <p:cNvGraphicFramePr/>
+          <p:nvPr>
+            <p:extLst>
+              <p:ext uri="{D42A27DB-BD31-4B8C-83A1-F6EECF244321}">
+                <p14:modId xmlns:p14="http://schemas.microsoft.com/office/powerpoint/2010/main" val="3121676279"/>
+              </p:ext>
+            </p:extLst>
+          </p:nvPr>
+        </p:nvGraphicFramePr>
+        <p:xfrm>
+          <a:off x="1962294" y="1863437"/>
+          <a:ext cx="8125883" cy="2556228"/>
+        </p:xfrm>
+        <a:graphic>
+          <a:graphicData uri="http://schemas.openxmlformats.org/drawingml/2006/diagram">
+            <dgm:relIds xmlns:dgm="http://schemas.openxmlformats.org/drawingml/2006/diagram" xmlns:r="http://schemas.openxmlformats.org/officeDocument/2006/relationships" r:dm="rId2" r:lo="rId3" r:qs="rId4" r:cs="rId5"/>
+          </a:graphicData>
+        </a:graphic>
+      </p:graphicFrame>
+      <p:sp>
+        <p:nvSpPr>
+          <p:cNvPr id="6" name="TextBox 5"/>
+          <p:cNvSpPr txBox="1"/>
+          <p:nvPr/>
+        </p:nvSpPr>
+        <p:spPr>
+          <a:xfrm>
+            <a:off x="1124094" y="4454237"/>
+            <a:ext cx="1497205" cy="984885"/>
+          </a:xfrm>
+          <a:prstGeom prst="rect">
+            <a:avLst/>
+          </a:prstGeom>
+          <a:noFill/>
+        </p:spPr>
+        <p:txBody>
+          <a:bodyPr wrap="none" lIns="0" tIns="0" rIns="0" bIns="0" rtlCol="0">
+            <a:spAutoFit/>
+          </a:bodyPr>
+          <a:lstStyle/>
+          <a:p>
+            <a:r>
+              <a:rPr lang="en-US" sz="3200" dirty="0" smtClean="0">
+                <a:gradFill>
+                  <a:gsLst>
+                    <a:gs pos="0">
+                      <a:schemeClr val="tx1"/>
+                    </a:gs>
+                    <a:gs pos="86000">
+                      <a:schemeClr val="tx1"/>
+                    </a:gs>
+                  </a:gsLst>
+                  <a:lin ang="5400000" scaled="0"/>
+                </a:gradFill>
+              </a:rPr>
+              <a:t>Mostly</a:t>
+            </a:r>
+          </a:p>
+          <a:p>
+            <a:r>
+              <a:rPr lang="en-US" sz="3200" dirty="0" smtClean="0">
+                <a:gradFill>
+                  <a:gsLst>
+                    <a:gs pos="0">
+                      <a:schemeClr val="tx1"/>
+                    </a:gs>
+                    <a:gs pos="86000">
+                      <a:schemeClr val="tx1"/>
+                    </a:gs>
+                  </a:gsLst>
+                  <a:lin ang="5400000" scaled="0"/>
+                </a:gradFill>
+              </a:rPr>
+              <a:t>Desktop</a:t>
+            </a:r>
+          </a:p>
+        </p:txBody>
+      </p:sp>
+      <p:sp>
+        <p:nvSpPr>
+          <p:cNvPr id="7" name="TextBox 6"/>
+          <p:cNvSpPr txBox="1"/>
+          <p:nvPr/>
+        </p:nvSpPr>
+        <p:spPr>
+          <a:xfrm>
+            <a:off x="9277494" y="4454236"/>
+            <a:ext cx="1255152" cy="984885"/>
+          </a:xfrm>
+          <a:prstGeom prst="rect">
+            <a:avLst/>
+          </a:prstGeom>
+          <a:noFill/>
+        </p:spPr>
+        <p:txBody>
+          <a:bodyPr wrap="none" lIns="0" tIns="0" rIns="0" bIns="0" rtlCol="0">
+            <a:spAutoFit/>
+          </a:bodyPr>
+          <a:lstStyle/>
+          <a:p>
+            <a:r>
+              <a:rPr lang="en-US" sz="3200" dirty="0" smtClean="0">
+                <a:gradFill>
+                  <a:gsLst>
+                    <a:gs pos="0">
+                      <a:schemeClr val="tx1"/>
+                    </a:gs>
+                    <a:gs pos="86000">
+                      <a:schemeClr val="tx1"/>
+                    </a:gs>
+                  </a:gsLst>
+                  <a:lin ang="5400000" scaled="0"/>
+                </a:gradFill>
+              </a:rPr>
+              <a:t>Mostly</a:t>
+            </a:r>
+          </a:p>
+          <a:p>
+            <a:r>
+              <a:rPr lang="en-US" sz="3200" dirty="0" smtClean="0">
+                <a:gradFill>
+                  <a:gsLst>
+                    <a:gs pos="0">
+                      <a:schemeClr val="tx1"/>
+                    </a:gs>
+                    <a:gs pos="86000">
+                      <a:schemeClr val="tx1"/>
+                    </a:gs>
+                  </a:gsLst>
+                  <a:lin ang="5400000" scaled="0"/>
+                </a:gradFill>
+              </a:rPr>
+              <a:t>Mobile</a:t>
+            </a:r>
+          </a:p>
+        </p:txBody>
+      </p:sp>
+      <p:sp>
+        <p:nvSpPr>
+          <p:cNvPr id="8" name="Right Arrow 7"/>
+          <p:cNvSpPr/>
+          <p:nvPr/>
+        </p:nvSpPr>
+        <p:spPr bwMode="auto">
+          <a:xfrm>
+            <a:off x="3029094" y="4679978"/>
+            <a:ext cx="5562600" cy="533400"/>
+          </a:xfrm>
+          <a:prstGeom prst="rightArrow">
+            <a:avLst/>
+          </a:prstGeom>
+          <a:gradFill flip="none" rotWithShape="1">
+            <a:gsLst>
+              <a:gs pos="0">
+                <a:schemeClr val="accent6">
+                  <a:lumMod val="75000"/>
+                </a:schemeClr>
+              </a:gs>
+              <a:gs pos="100000">
+                <a:schemeClr val="accent5"/>
+              </a:gs>
+            </a:gsLst>
+            <a:lin ang="0" scaled="1"/>
+            <a:tileRect/>
+          </a:gradFill>
+          <a:ln>
+            <a:noFill/>
+            <a:headEnd type="none" w="med" len="med"/>
+            <a:tailEnd type="none" w="med" len="med"/>
+          </a:ln>
+          <a:effectLst/>
+        </p:spPr>
+        <p:style>
+          <a:lnRef idx="1">
+            <a:schemeClr val="accent2"/>
+          </a:lnRef>
+          <a:fillRef idx="3">
+            <a:schemeClr val="accent2"/>
+          </a:fillRef>
+          <a:effectRef idx="2">
+            <a:schemeClr val="accent2"/>
+          </a:effectRef>
+          <a:fontRef idx="minor">
+            <a:schemeClr val="lt1"/>
+          </a:fontRef>
+        </p:style>
+        <p:txBody>
+          <a:bodyPr vert="horz" wrap="square" lIns="91436" tIns="45718" rIns="91436" bIns="45718" numCol="1" rtlCol="0" anchor="ctr" anchorCtr="0" compatLnSpc="1">
+            <a:prstTxWarp prst="textNoShape">
+              <a:avLst/>
+            </a:prstTxWarp>
+          </a:bodyPr>
+          <a:lstStyle/>
+          <a:p>
+            <a:pPr algn="ctr" defTabSz="914099" fontAlgn="base">
+              <a:spcBef>
+                <a:spcPct val="0"/>
+              </a:spcBef>
+              <a:spcAft>
+                <a:spcPct val="0"/>
+              </a:spcAft>
+            </a:pPr>
+            <a:endParaRPr lang="en-US" sz="2200" dirty="0" smtClean="0">
+              <a:gradFill>
+                <a:gsLst>
+                  <a:gs pos="0">
+                    <a:srgbClr val="FFFFFF"/>
+                  </a:gs>
+                  <a:gs pos="100000">
+                    <a:srgbClr val="FFFFFF"/>
+                  </a:gs>
+                </a:gsLst>
+                <a:lin ang="5400000" scaled="0"/>
+              </a:gradFill>
+            </a:endParaRPr>
+          </a:p>
+        </p:txBody>
+      </p:sp>
+    </p:spTree>
+    <p:extLst>
+      <p:ext uri="{BB962C8B-B14F-4D97-AF65-F5344CB8AC3E}">
+        <p14:creationId xmlns:p14="http://schemas.microsoft.com/office/powerpoint/2010/main" val="4236594805"/>
+      </p:ext>
+    </p:extLst>
+  </p:cSld>
+  <p:clrMapOvr>
+    <a:masterClrMapping/>
+  </p:clrMapOvr>
+  <p:transition>
+    <p:fade/>
+  </p:transition>
+</p:sld>
+</file>
+
+<file path=ppt/slides/slide5.xml><?xml version="1.0" encoding="utf-8"?>
+<p:sld xmlns:a="http://schemas.openxmlformats.org/drawingml/2006/main" xmlns:r="http://schemas.openxmlformats.org/officeDocument/2006/relationships" xmlns:p="http://schemas.openxmlformats.org/presentationml/2006/main">
+  <p:cSld>
+    <p:spTree>
+      <p:nvGrpSpPr>
+        <p:cNvPr id="1" name=""/>
+        <p:cNvGrpSpPr/>
+        <p:nvPr/>
+      </p:nvGrpSpPr>
+      <p:grpSpPr>
+        <a:xfrm>
+          <a:off x="0" y="0"/>
+          <a:ext cx="0" cy="0"/>
+          <a:chOff x="0" y="0"/>
+          <a:chExt cx="0" cy="0"/>
+        </a:xfrm>
+      </p:grpSpPr>
+      <p:sp>
+        <p:nvSpPr>
+          <p:cNvPr id="5" name="Title 4"/>
+          <p:cNvSpPr>
+            <a:spLocks noGrp="1"/>
+          </p:cNvSpPr>
+          <p:nvPr>
+            <p:ph type="title"/>
+          </p:nvPr>
+        </p:nvSpPr>
+        <p:spPr/>
+        <p:txBody>
+          <a:bodyPr/>
+          <a:lstStyle/>
+          <a:p>
+            <a:r>
+              <a:rPr lang="en-US" dirty="0" smtClean="0"/>
+              <a:t>Custom Modes: </a:t>
+            </a:r>
+            <a:r>
+              <a:rPr lang="en-US" sz="4800" i="1" dirty="0">
+                <a:latin typeface="Verdana"/>
+                <a:ea typeface="Calibri"/>
+                <a:cs typeface="Times New Roman"/>
+              </a:rPr>
+              <a:t>Views\Shared\_</a:t>
+            </a:r>
+            <a:r>
+              <a:rPr lang="en-US" sz="4800" i="1" dirty="0" err="1">
+                <a:latin typeface="Verdana"/>
+                <a:ea typeface="Calibri"/>
+                <a:cs typeface="Times New Roman"/>
+              </a:rPr>
+              <a:t>Layout.iPhone.cshtml</a:t>
+            </a:r>
+            <a:r>
+              <a:rPr lang="en-US" dirty="0"/>
+              <a:t/>
+            </a:r>
+            <a:br>
+              <a:rPr lang="en-US" dirty="0"/>
+            </a:br>
+            <a:endParaRPr lang="en-US" dirty="0"/>
+          </a:p>
+        </p:txBody>
+      </p:sp>
+      <p:sp>
+        <p:nvSpPr>
+          <p:cNvPr id="6" name="Text Placeholder 5"/>
+          <p:cNvSpPr>
+            <a:spLocks noGrp="1"/>
+          </p:cNvSpPr>
+          <p:nvPr>
+            <p:ph type="body" sz="quarter" idx="10"/>
+          </p:nvPr>
+        </p:nvSpPr>
+        <p:spPr/>
+        <p:txBody>
+          <a:bodyPr/>
+          <a:lstStyle/>
+          <a:p>
+            <a:pPr>
+              <a:spcBef>
+                <a:spcPts val="1000"/>
+              </a:spcBef>
+            </a:pPr>
+            <a:r>
+              <a:rPr lang="en-US" sz="2800" dirty="0" err="1">
+                <a:solidFill>
+                  <a:srgbClr val="000080"/>
+                </a:solidFill>
+                <a:latin typeface="Consolas"/>
+                <a:ea typeface="Calibri"/>
+                <a:cs typeface="Times New Roman"/>
+              </a:rPr>
+              <a:t>DisplayModeProvider.Instance.Modes.Insert</a:t>
+            </a:r>
+            <a:r>
+              <a:rPr lang="en-US" sz="2800" dirty="0">
+                <a:solidFill>
+                  <a:srgbClr val="000080"/>
+                </a:solidFill>
+                <a:latin typeface="Consolas"/>
+                <a:ea typeface="Calibri"/>
+                <a:cs typeface="Times New Roman"/>
+              </a:rPr>
+              <a:t>(0,</a:t>
+            </a:r>
+          </a:p>
+          <a:p>
+            <a:pPr>
+              <a:spcBef>
+                <a:spcPts val="1000"/>
+              </a:spcBef>
+            </a:pPr>
+            <a:r>
+              <a:rPr lang="en-US" sz="2800" dirty="0">
+                <a:solidFill>
+                  <a:srgbClr val="000080"/>
+                </a:solidFill>
+                <a:latin typeface="Consolas"/>
+                <a:ea typeface="Calibri"/>
+                <a:cs typeface="Times New Roman"/>
+              </a:rPr>
+              <a:t>	new </a:t>
+            </a:r>
+            <a:r>
+              <a:rPr lang="en-US" sz="2800" dirty="0" err="1">
+                <a:solidFill>
+                  <a:srgbClr val="000080"/>
+                </a:solidFill>
+                <a:latin typeface="Consolas"/>
+                <a:ea typeface="Calibri"/>
+                <a:cs typeface="Times New Roman"/>
+              </a:rPr>
+              <a:t>DefaultDisplayMode</a:t>
+            </a:r>
+            <a:r>
+              <a:rPr lang="en-US" sz="2800" dirty="0" smtClean="0">
+                <a:solidFill>
+                  <a:srgbClr val="000080"/>
+                </a:solidFill>
+                <a:latin typeface="Consolas"/>
+                <a:ea typeface="Calibri"/>
+                <a:cs typeface="Times New Roman"/>
+              </a:rPr>
+              <a:t>(“</a:t>
+            </a:r>
+            <a:r>
+              <a:rPr lang="en-US" sz="2800" b="1" dirty="0" smtClean="0">
+                <a:solidFill>
+                  <a:srgbClr val="000080"/>
+                </a:solidFill>
+                <a:latin typeface="Consolas"/>
+                <a:ea typeface="Calibri"/>
+                <a:cs typeface="Times New Roman"/>
+              </a:rPr>
+              <a:t>iPhone</a:t>
+            </a:r>
+            <a:r>
+              <a:rPr lang="en-US" sz="2800" dirty="0" smtClean="0">
+                <a:solidFill>
+                  <a:srgbClr val="000080"/>
+                </a:solidFill>
+                <a:latin typeface="Consolas"/>
+                <a:ea typeface="Calibri"/>
+                <a:cs typeface="Times New Roman"/>
+              </a:rPr>
+              <a:t>")</a:t>
+            </a:r>
+            <a:endParaRPr lang="en-US" sz="2800" dirty="0">
+              <a:solidFill>
+                <a:srgbClr val="000080"/>
+              </a:solidFill>
+              <a:latin typeface="Consolas"/>
+              <a:ea typeface="Calibri"/>
+              <a:cs typeface="Times New Roman"/>
+            </a:endParaRPr>
+          </a:p>
+          <a:p>
+            <a:pPr>
+              <a:spcBef>
+                <a:spcPts val="1000"/>
+              </a:spcBef>
+            </a:pPr>
+            <a:r>
+              <a:rPr lang="en-US" sz="2800" dirty="0">
+                <a:solidFill>
+                  <a:srgbClr val="000080"/>
+                </a:solidFill>
+                <a:latin typeface="Consolas"/>
+                <a:ea typeface="Calibri"/>
+                <a:cs typeface="Times New Roman"/>
+              </a:rPr>
+              <a:t>	</a:t>
+            </a:r>
+            <a:r>
+              <a:rPr lang="en-US" sz="2800" dirty="0" smtClean="0">
+                <a:solidFill>
+                  <a:srgbClr val="000080"/>
+                </a:solidFill>
+                <a:latin typeface="Consolas"/>
+                <a:ea typeface="Calibri"/>
+                <a:cs typeface="Times New Roman"/>
+              </a:rPr>
+              <a:t>{ </a:t>
+            </a:r>
+            <a:r>
+              <a:rPr lang="en-US" sz="2800" dirty="0" err="1" smtClean="0">
+                <a:solidFill>
+                  <a:srgbClr val="000080"/>
+                </a:solidFill>
+                <a:latin typeface="Consolas"/>
+                <a:ea typeface="Calibri"/>
+                <a:cs typeface="Times New Roman"/>
+              </a:rPr>
+              <a:t>ContextCondition</a:t>
+            </a:r>
+            <a:r>
+              <a:rPr lang="en-US" sz="2800" dirty="0" smtClean="0">
+                <a:solidFill>
+                  <a:srgbClr val="000080"/>
+                </a:solidFill>
+                <a:latin typeface="Consolas"/>
+                <a:ea typeface="Calibri"/>
+                <a:cs typeface="Times New Roman"/>
+              </a:rPr>
+              <a:t> </a:t>
+            </a:r>
+            <a:r>
+              <a:rPr lang="en-US" sz="2800" dirty="0">
+                <a:solidFill>
+                  <a:srgbClr val="000080"/>
+                </a:solidFill>
+                <a:latin typeface="Consolas"/>
+                <a:ea typeface="Calibri"/>
+                <a:cs typeface="Times New Roman"/>
+              </a:rPr>
+              <a:t>= </a:t>
+            </a:r>
+            <a:r>
+              <a:rPr lang="en-US" sz="2800" dirty="0" smtClean="0">
+                <a:solidFill>
+                  <a:srgbClr val="000080"/>
+                </a:solidFill>
+                <a:latin typeface="Consolas"/>
+                <a:ea typeface="Calibri"/>
+                <a:cs typeface="Times New Roman"/>
+              </a:rPr>
+              <a:t>(</a:t>
+            </a:r>
+          </a:p>
+          <a:p>
+            <a:pPr>
+              <a:spcBef>
+                <a:spcPts val="1000"/>
+              </a:spcBef>
+            </a:pPr>
+            <a:r>
+              <a:rPr lang="en-US" sz="2800" dirty="0" smtClean="0">
+                <a:solidFill>
+                  <a:srgbClr val="000080"/>
+                </a:solidFill>
+                <a:latin typeface="Consolas"/>
+                <a:ea typeface="Calibri"/>
+                <a:cs typeface="Times New Roman"/>
+              </a:rPr>
+              <a:t>		c </a:t>
+            </a:r>
+            <a:r>
+              <a:rPr lang="en-US" sz="2800" dirty="0">
+                <a:solidFill>
+                  <a:srgbClr val="000080"/>
+                </a:solidFill>
+                <a:latin typeface="Consolas"/>
+                <a:ea typeface="Calibri"/>
+                <a:cs typeface="Times New Roman"/>
+              </a:rPr>
+              <a:t>=&gt; </a:t>
+            </a:r>
+            <a:r>
+              <a:rPr lang="en-US" sz="2800" dirty="0" err="1" smtClean="0">
+                <a:solidFill>
+                  <a:srgbClr val="000080"/>
+                </a:solidFill>
+                <a:latin typeface="Consolas"/>
+                <a:ea typeface="Calibri"/>
+                <a:cs typeface="Times New Roman"/>
+              </a:rPr>
+              <a:t>c.Request.UserAgent</a:t>
+            </a:r>
+            <a:endParaRPr lang="en-US" sz="2800" dirty="0" smtClean="0">
+              <a:solidFill>
+                <a:srgbClr val="000080"/>
+              </a:solidFill>
+              <a:latin typeface="Consolas"/>
+              <a:ea typeface="Calibri"/>
+              <a:cs typeface="Times New Roman"/>
+            </a:endParaRPr>
+          </a:p>
+          <a:p>
+            <a:pPr>
+              <a:spcBef>
+                <a:spcPts val="1000"/>
+              </a:spcBef>
+            </a:pPr>
+            <a:r>
+              <a:rPr lang="en-US" sz="2800" dirty="0">
+                <a:solidFill>
+                  <a:srgbClr val="000080"/>
+                </a:solidFill>
+                <a:latin typeface="Consolas"/>
+                <a:ea typeface="Calibri"/>
+                <a:cs typeface="Times New Roman"/>
+              </a:rPr>
+              <a:t>	</a:t>
+            </a:r>
+            <a:r>
+              <a:rPr lang="en-US" sz="2800" dirty="0" smtClean="0">
+                <a:solidFill>
+                  <a:srgbClr val="000080"/>
+                </a:solidFill>
+                <a:latin typeface="Consolas"/>
+                <a:ea typeface="Calibri"/>
+                <a:cs typeface="Times New Roman"/>
+              </a:rPr>
+              <a:t>		.</a:t>
+            </a:r>
+            <a:r>
+              <a:rPr lang="en-US" sz="2800" dirty="0" err="1">
+                <a:solidFill>
+                  <a:srgbClr val="000080"/>
+                </a:solidFill>
+                <a:latin typeface="Consolas"/>
+                <a:ea typeface="Calibri"/>
+                <a:cs typeface="Times New Roman"/>
+              </a:rPr>
+              <a:t>IndexOf</a:t>
+            </a:r>
+            <a:r>
+              <a:rPr lang="en-US" sz="2800" dirty="0" smtClean="0">
+                <a:solidFill>
+                  <a:srgbClr val="000080"/>
+                </a:solidFill>
+                <a:latin typeface="Consolas"/>
+                <a:ea typeface="Calibri"/>
+                <a:cs typeface="Times New Roman"/>
+              </a:rPr>
+              <a:t>(“</a:t>
+            </a:r>
+            <a:r>
+              <a:rPr lang="en-US" sz="2800" b="1" dirty="0" smtClean="0">
+                <a:solidFill>
+                  <a:srgbClr val="000080"/>
+                </a:solidFill>
+                <a:latin typeface="Consolas"/>
+                <a:ea typeface="Calibri"/>
+                <a:cs typeface="Times New Roman"/>
+              </a:rPr>
+              <a:t>iPhone</a:t>
+            </a:r>
+            <a:r>
+              <a:rPr lang="en-US" sz="2800" dirty="0" smtClean="0">
+                <a:solidFill>
+                  <a:srgbClr val="000080"/>
+                </a:solidFill>
+                <a:latin typeface="Consolas"/>
+                <a:ea typeface="Calibri"/>
+                <a:cs typeface="Times New Roman"/>
+              </a:rPr>
+              <a:t>") </a:t>
+            </a:r>
+            <a:r>
+              <a:rPr lang="en-US" sz="2800" dirty="0">
+                <a:solidFill>
+                  <a:srgbClr val="000080"/>
+                </a:solidFill>
+                <a:latin typeface="Consolas"/>
+                <a:ea typeface="Calibri"/>
+                <a:cs typeface="Times New Roman"/>
+              </a:rPr>
+              <a:t>&gt; 0)</a:t>
+            </a:r>
+          </a:p>
+          <a:p>
+            <a:pPr>
+              <a:spcBef>
+                <a:spcPts val="1000"/>
+              </a:spcBef>
+            </a:pPr>
+            <a:r>
+              <a:rPr lang="en-US" sz="2800" dirty="0">
+                <a:solidFill>
+                  <a:srgbClr val="000080"/>
+                </a:solidFill>
+                <a:latin typeface="Consolas"/>
+                <a:ea typeface="Calibri"/>
+                <a:cs typeface="Times New Roman"/>
+              </a:rPr>
+              <a:t>	});</a:t>
+            </a:r>
+          </a:p>
+        </p:txBody>
+      </p:sp>
+    </p:spTree>
+    <p:extLst>
+      <p:ext uri="{BB962C8B-B14F-4D97-AF65-F5344CB8AC3E}">
+        <p14:creationId xmlns:p14="http://schemas.microsoft.com/office/powerpoint/2010/main" val="3918833421"/>
+      </p:ext>
+    </p:extLst>
+  </p:cSld>
+  <p:clrMapOvr>
+    <a:masterClrMapping/>
+  </p:clrMapOvr>
+  <p:transition>
+    <p:fade/>
+  </p:transition>
+  <p:timing>
+    <p:tnLst>
+      <p:par>
+        <p:cTn id="1" dur="indefinite" restart="never" nodeType="tmRoot"/>
+      </p:par>
+    </p:tnLst>
+  </p:timing>
+</p:sld>
+</file>
+
+<file path=ppt/slides/slide6.xml><?xml version="1.0" encoding="utf-8"?>
+<p:sld xmlns:a="http://schemas.openxmlformats.org/drawingml/2006/main" xmlns:r="http://schemas.openxmlformats.org/officeDocument/2006/relationships" xmlns:p="http://schemas.openxmlformats.org/presentationml/2006/main">
+  <p:cSld>
+    <p:spTree>
+      <p:nvGrpSpPr>
+        <p:cNvPr id="1" name=""/>
+        <p:cNvGrpSpPr/>
+        <p:nvPr/>
+      </p:nvGrpSpPr>
+      <p:grpSpPr>
+        <a:xfrm>
+          <a:off x="0" y="0"/>
+          <a:ext cx="0" cy="0"/>
+          <a:chOff x="0" y="0"/>
+          <a:chExt cx="0" cy="0"/>
+        </a:xfrm>
+      </p:grpSpPr>
       <p:graphicFrame>
         <p:nvGraphicFramePr>
           <p:cNvPr id="2" name="Object 1" hidden="1"/>
@@ -14610,7 +18431,7 @@
           <a:graphicData uri="http://schemas.openxmlformats.org/presentationml/2006/ole">
             <mc:AlternateContent xmlns:mc="http://schemas.openxmlformats.org/markup-compatibility/2006">
               <mc:Choice xmlns:v="urn:schemas-microsoft-com:vml" Requires="v">
-                <p:oleObj spid="_x0000_s58465" name="think-cell Slide" r:id="rId4" imgW="270" imgH="270" progId="TCLayout.ActiveDocument.1">
+                <p:oleObj spid="_x0000_s58469" name="think-cell Slide" r:id="rId4" imgW="270" imgH="270" progId="TCLayout.ActiveDocument.1">
                   <p:embed/>
                 </p:oleObj>
               </mc:Choice>
@@ -15919,12 +19740,14 @@
 </file>
 
 <file path=customXml/item1.xml><?xml version="1.0" encoding="utf-8"?>
-<?mso-contentType ?>
-<FormTemplates xmlns="http://schemas.microsoft.com/sharepoint/v3/contenttype/forms">
-  <Display>DocumentLibraryForm</Display>
-  <Edit>DocumentLibraryForm</Edit>
-  <New>DocumentLibraryForm</New>
-</FormTemplates>
+<p:properties xmlns:p="http://schemas.microsoft.com/office/2006/metadata/properties" xmlns:xsi="http://www.w3.org/2001/XMLSchema-instance" xmlns:pc="http://schemas.microsoft.com/office/infopath/2007/PartnerControls">
+  <documentManagement>
+    <TaxKeywordTaxHTField xmlns="230e9df3-be65-4c73-a93b-d1236ebd677e">
+      <Terms xmlns="http://schemas.microsoft.com/office/infopath/2007/PartnerControls"/>
+    </TaxKeywordTaxHTField>
+    <TaxCatchAll xmlns="230e9df3-be65-4c73-a93b-d1236ebd677e"/>
+  </documentManagement>
+</p:properties>
 </file>
 
 <file path=customXml/item2.xml><?xml version="1.0" encoding="utf-8"?>
@@ -16080,20 +19903,26 @@
 </file>
 
 <file path=customXml/item3.xml><?xml version="1.0" encoding="utf-8"?>
-<p:properties xmlns:p="http://schemas.microsoft.com/office/2006/metadata/properties" xmlns:xsi="http://www.w3.org/2001/XMLSchema-instance" xmlns:pc="http://schemas.microsoft.com/office/infopath/2007/PartnerControls">
-  <documentManagement>
-    <TaxKeywordTaxHTField xmlns="230e9df3-be65-4c73-a93b-d1236ebd677e">
-      <Terms xmlns="http://schemas.microsoft.com/office/infopath/2007/PartnerControls"/>
-    </TaxKeywordTaxHTField>
-    <TaxCatchAll xmlns="230e9df3-be65-4c73-a93b-d1236ebd677e"/>
-  </documentManagement>
-</p:properties>
+<?mso-contentType ?>
+<FormTemplates xmlns="http://schemas.microsoft.com/sharepoint/v3/contenttype/forms">
+  <Display>DocumentLibraryForm</Display>
+  <Edit>DocumentLibraryForm</Edit>
+  <New>DocumentLibraryForm</New>
+</FormTemplates>
 </file>
 
 <file path=customXml/itemProps1.xml><?xml version="1.0" encoding="utf-8"?>
-<ds:datastoreItem xmlns:ds="http://schemas.openxmlformats.org/officeDocument/2006/customXml" ds:itemID="{B882D8D6-9D38-4159-A398-AAC3689D3D7C}">
+<ds:datastoreItem xmlns:ds="http://schemas.openxmlformats.org/officeDocument/2006/customXml" ds:itemID="{69B2F97D-0457-4986-9734-D03EB073C5EA}">
   <ds:schemaRefs>
-    <ds:schemaRef ds:uri="http://schemas.microsoft.com/sharepoint/v3/contenttype/forms"/>
+    <ds:schemaRef ds:uri="http://schemas.microsoft.com/office/infopath/2007/PartnerControls"/>
+    <ds:schemaRef ds:uri="http://purl.org/dc/terms/"/>
+    <ds:schemaRef ds:uri="http://schemas.microsoft.com/office/2006/documentManagement/types"/>
+    <ds:schemaRef ds:uri="http://purl.org/dc/elements/1.1/"/>
+    <ds:schemaRef ds:uri="http://schemas.openxmlformats.org/package/2006/metadata/core-properties"/>
+    <ds:schemaRef ds:uri="230e9df3-be65-4c73-a93b-d1236ebd677e"/>
+    <ds:schemaRef ds:uri="http://schemas.microsoft.com/office/2006/metadata/properties"/>
+    <ds:schemaRef ds:uri="http://www.w3.org/XML/1998/namespace"/>
+    <ds:schemaRef ds:uri="http://purl.org/dc/dcmitype/"/>
   </ds:schemaRefs>
 </ds:datastoreItem>
 </file>
@@ -16117,17 +19946,9 @@
 </file>
 
 <file path=customXml/itemProps3.xml><?xml version="1.0" encoding="utf-8"?>
-<ds:datastoreItem xmlns:ds="http://schemas.openxmlformats.org/officeDocument/2006/customXml" ds:itemID="{69B2F97D-0457-4986-9734-D03EB073C5EA}">
+<ds:datastoreItem xmlns:ds="http://schemas.openxmlformats.org/officeDocument/2006/customXml" ds:itemID="{B882D8D6-9D38-4159-A398-AAC3689D3D7C}">
   <ds:schemaRefs>
-    <ds:schemaRef ds:uri="http://schemas.microsoft.com/office/infopath/2007/PartnerControls"/>
-    <ds:schemaRef ds:uri="http://purl.org/dc/terms/"/>
-    <ds:schemaRef ds:uri="http://schemas.microsoft.com/office/2006/documentManagement/types"/>
-    <ds:schemaRef ds:uri="http://purl.org/dc/elements/1.1/"/>
-    <ds:schemaRef ds:uri="http://schemas.openxmlformats.org/package/2006/metadata/core-properties"/>
-    <ds:schemaRef ds:uri="230e9df3-be65-4c73-a93b-d1236ebd677e"/>
-    <ds:schemaRef ds:uri="http://schemas.microsoft.com/office/2006/metadata/properties"/>
-    <ds:schemaRef ds:uri="http://www.w3.org/XML/1998/namespace"/>
-    <ds:schemaRef ds:uri="http://purl.org/dc/dcmitype/"/>
+    <ds:schemaRef ds:uri="http://schemas.microsoft.com/sharepoint/v3/contenttype/forms"/>
   </ds:schemaRefs>
 </ds:datastoreItem>
 </file>
--- a/BuildingForTheMobileWeb.pptx
+++ b/BuildingForTheMobileWeb.pptx
@@ -6,23 +6,27 @@
     <p:sldMasterId id="2147483779" r:id="rId5"/>
   </p:sldMasterIdLst>
   <p:notesMasterIdLst>
-    <p:notesMasterId r:id="rId12"/>
+    <p:notesMasterId r:id="rId16"/>
   </p:notesMasterIdLst>
   <p:handoutMasterIdLst>
-    <p:handoutMasterId r:id="rId13"/>
+    <p:handoutMasterId r:id="rId17"/>
   </p:handoutMasterIdLst>
   <p:sldIdLst>
     <p:sldId id="296" r:id="rId6"/>
     <p:sldId id="293" r:id="rId7"/>
     <p:sldId id="257" r:id="rId8"/>
-    <p:sldId id="297" r:id="rId9"/>
-    <p:sldId id="298" r:id="rId10"/>
-    <p:sldId id="292" r:id="rId11"/>
+    <p:sldId id="301" r:id="rId9"/>
+    <p:sldId id="297" r:id="rId10"/>
+    <p:sldId id="300" r:id="rId11"/>
+    <p:sldId id="298" r:id="rId12"/>
+    <p:sldId id="302" r:id="rId13"/>
+    <p:sldId id="299" r:id="rId14"/>
+    <p:sldId id="292" r:id="rId15"/>
   </p:sldIdLst>
   <p:sldSz cx="12188825" cy="6858000"/>
   <p:notesSz cx="6858000" cy="9296400"/>
   <p:custDataLst>
-    <p:tags r:id="rId14"/>
+    <p:tags r:id="rId18"/>
   </p:custDataLst>
   <p:defaultTextStyle>
     <a:defPPr>
@@ -2919,7 +2923,7 @@
               <a:rPr lang="en-US" smtClean="0">
                 <a:latin typeface="Segoe UI" pitchFamily="34" charset="0"/>
               </a:rPr>
-              <a:t>11/30/2012</a:t>
+              <a:t>12/1/2012</a:t>
             </a:fld>
             <a:endParaRPr lang="en-US" dirty="0">
               <a:latin typeface="Segoe UI" pitchFamily="34" charset="0"/>
@@ -3101,7 +3105,7 @@
             <a:fld id="{CAE3F082-F902-42D8-A765-720E172C3194}" type="datetimeFigureOut">
               <a:rPr lang="en-US" smtClean="0"/>
               <a:pPr/>
-              <a:t>11/30/2012</a:t>
+              <a:t>12/1/2012</a:t>
             </a:fld>
             <a:endParaRPr lang="en-US" dirty="0"/>
           </a:p>
@@ -3574,7 +3578,7 @@
             <a:fld id="{8B263312-38AA-4E1E-B2B5-0F8F122B24FE}" type="slidenum">
               <a:rPr lang="en-US" smtClean="0"/>
               <a:pPr/>
-              <a:t>5</a:t>
+              <a:t>7</a:t>
             </a:fld>
             <a:endParaRPr lang="en-US" dirty="0"/>
           </a:p>
@@ -17321,6 +17325,115 @@
 </p:sld>
 </file>
 
+<file path=ppt/slides/slide10.xml><?xml version="1.0" encoding="utf-8"?>
+<p:sld xmlns:a="http://schemas.openxmlformats.org/drawingml/2006/main" xmlns:r="http://schemas.openxmlformats.org/officeDocument/2006/relationships" xmlns:p="http://schemas.openxmlformats.org/presentationml/2006/main">
+  <p:cSld>
+    <p:spTree>
+      <p:nvGrpSpPr>
+        <p:cNvPr id="1" name=""/>
+        <p:cNvGrpSpPr/>
+        <p:nvPr/>
+      </p:nvGrpSpPr>
+      <p:grpSpPr>
+        <a:xfrm>
+          <a:off x="0" y="0"/>
+          <a:ext cx="0" cy="0"/>
+          <a:chOff x="0" y="0"/>
+          <a:chExt cx="0" cy="0"/>
+        </a:xfrm>
+      </p:grpSpPr>
+      <p:graphicFrame>
+        <p:nvGraphicFramePr>
+          <p:cNvPr id="2" name="Object 1" hidden="1"/>
+          <p:cNvGraphicFramePr>
+            <a:graphicFrameLocks noChangeAspect="1"/>
+          </p:cNvGraphicFramePr>
+          <p:nvPr>
+            <p:custDataLst>
+              <p:tags r:id="rId2"/>
+            </p:custDataLst>
+            <p:extLst>
+              <p:ext uri="{D42A27DB-BD31-4B8C-83A1-F6EECF244321}">
+                <p14:modId xmlns:p14="http://schemas.microsoft.com/office/powerpoint/2010/main" val="3859461230"/>
+              </p:ext>
+            </p:extLst>
+          </p:nvPr>
+        </p:nvGraphicFramePr>
+        <p:xfrm>
+          <a:off x="0" y="0"/>
+          <a:ext cx="158750" cy="158750"/>
+        </p:xfrm>
+        <a:graphic>
+          <a:graphicData uri="http://schemas.openxmlformats.org/presentationml/2006/ole">
+            <mc:AlternateContent xmlns:mc="http://schemas.openxmlformats.org/markup-compatibility/2006">
+              <mc:Choice xmlns:v="urn:schemas-microsoft-com:vml" Requires="v">
+                <p:oleObj spid="_x0000_s58477" name="think-cell Slide" r:id="rId4" imgW="270" imgH="270" progId="TCLayout.ActiveDocument.1">
+                  <p:embed/>
+                </p:oleObj>
+              </mc:Choice>
+              <mc:Fallback>
+                <p:oleObj name="think-cell Slide" r:id="rId4" imgW="270" imgH="270" progId="TCLayout.ActiveDocument.1">
+                  <p:embed/>
+                  <p:pic>
+                    <p:nvPicPr>
+                      <p:cNvPr id="0" name=""/>
+                      <p:cNvPicPr/>
+                      <p:nvPr/>
+                    </p:nvPicPr>
+                    <p:blipFill>
+                      <a:blip r:embed="rId5"/>
+                      <a:stretch>
+                        <a:fillRect/>
+                      </a:stretch>
+                    </p:blipFill>
+                    <p:spPr>
+                      <a:xfrm>
+                        <a:off x="0" y="0"/>
+                        <a:ext cx="158750" cy="158750"/>
+                      </a:xfrm>
+                      <a:prstGeom prst="rect">
+                        <a:avLst/>
+                      </a:prstGeom>
+                    </p:spPr>
+                  </p:pic>
+                </p:oleObj>
+              </mc:Fallback>
+            </mc:AlternateContent>
+          </a:graphicData>
+        </a:graphic>
+      </p:graphicFrame>
+    </p:spTree>
+    <p:extLst>
+      <p:ext uri="{BB962C8B-B14F-4D97-AF65-F5344CB8AC3E}">
+        <p14:creationId xmlns:p14="http://schemas.microsoft.com/office/powerpoint/2010/main" val="1847082904"/>
+      </p:ext>
+    </p:extLst>
+  </p:cSld>
+  <p:clrMapOvr>
+    <a:masterClrMapping/>
+  </p:clrMapOvr>
+  <mc:AlternateContent xmlns:mc="http://schemas.openxmlformats.org/markup-compatibility/2006" xmlns:p14="http://schemas.microsoft.com/office/powerpoint/2010/main">
+    <mc:Choice Requires="p14">
+      <p:transition spd="med" p14:dur="700">
+        <p:fade/>
+      </p:transition>
+    </mc:Choice>
+    <mc:Fallback xmlns="">
+      <p:transition spd="med">
+        <p:fade/>
+      </p:transition>
+    </mc:Fallback>
+  </mc:AlternateContent>
+  <p:timing>
+    <p:tnLst>
+      <p:par>
+        <p:cTn id="1" dur="indefinite" restart="never" nodeType="tmRoot"/>
+      </p:par>
+    </p:tnLst>
+  </p:timing>
+</p:sld>
+</file>
+
 <file path=ppt/slides/slide2.xml><?xml version="1.0" encoding="utf-8"?>
 <p:sld xmlns:a="http://schemas.openxmlformats.org/drawingml/2006/main" xmlns:r="http://schemas.openxmlformats.org/officeDocument/2006/relationships" xmlns:p="http://schemas.openxmlformats.org/presentationml/2006/main">
   <p:cSld>
@@ -17363,7 +17476,7 @@
           <a:graphicData uri="http://schemas.openxmlformats.org/presentationml/2006/ole">
             <mc:AlternateContent xmlns:mc="http://schemas.openxmlformats.org/markup-compatibility/2006">
               <mc:Choice xmlns:v="urn:schemas-microsoft-com:vml" Requires="v">
-                <p:oleObj spid="_x0000_s59489" name="think-cell Slide" r:id="rId4" imgW="270" imgH="270" progId="TCLayout.ActiveDocument.1">
+                <p:oleObj spid="_x0000_s59497" name="think-cell Slide" r:id="rId4" imgW="270" imgH="270" progId="TCLayout.ActiveDocument.1">
                   <p:embed/>
                 </p:oleObj>
               </mc:Choice>
@@ -17535,7 +17648,7 @@
           <a:graphicData uri="http://schemas.openxmlformats.org/presentationml/2006/ole">
             <mc:AlternateContent xmlns:mc="http://schemas.openxmlformats.org/markup-compatibility/2006">
               <mc:Choice xmlns:v="urn:schemas-microsoft-com:vml" Requires="v">
-                <p:oleObj spid="_x0000_s23654" name="think-cell Slide" r:id="rId6" imgW="270" imgH="270" progId="TCLayout.ActiveDocument.1">
+                <p:oleObj spid="_x0000_s23662" name="think-cell Slide" r:id="rId6" imgW="270" imgH="270" progId="TCLayout.ActiveDocument.1">
                   <p:embed/>
                 </p:oleObj>
               </mc:Choice>
@@ -17689,6 +17802,113 @@
 </file>
 
 <file path=ppt/slides/slide4.xml><?xml version="1.0" encoding="utf-8"?>
+<p:sld xmlns:a="http://schemas.openxmlformats.org/drawingml/2006/main" xmlns:r="http://schemas.openxmlformats.org/officeDocument/2006/relationships" xmlns:p="http://schemas.openxmlformats.org/presentationml/2006/main">
+  <p:cSld>
+    <p:spTree>
+      <p:nvGrpSpPr>
+        <p:cNvPr id="1" name=""/>
+        <p:cNvGrpSpPr/>
+        <p:nvPr/>
+      </p:nvGrpSpPr>
+      <p:grpSpPr>
+        <a:xfrm>
+          <a:off x="0" y="0"/>
+          <a:ext cx="0" cy="0"/>
+          <a:chOff x="0" y="0"/>
+          <a:chExt cx="0" cy="0"/>
+        </a:xfrm>
+      </p:grpSpPr>
+      <p:sp>
+        <p:nvSpPr>
+          <p:cNvPr id="2" name="Title 1"/>
+          <p:cNvSpPr>
+            <a:spLocks noGrp="1"/>
+          </p:cNvSpPr>
+          <p:nvPr>
+            <p:ph type="ctrTitle"/>
+          </p:nvPr>
+        </p:nvSpPr>
+        <p:spPr>
+          <a:xfrm>
+            <a:off x="1889124" y="1447800"/>
+            <a:ext cx="5547995" cy="1523494"/>
+          </a:xfrm>
+        </p:spPr>
+        <p:txBody>
+          <a:bodyPr/>
+          <a:lstStyle/>
+          <a:p>
+            <a:r>
+              <a:rPr lang="en-US" dirty="0" smtClean="0"/>
+              <a:t>Adaptive Rendering</a:t>
+            </a:r>
+            <a:endParaRPr lang="en-US" dirty="0"/>
+          </a:p>
+        </p:txBody>
+      </p:sp>
+      <p:sp>
+        <p:nvSpPr>
+          <p:cNvPr id="3" name="Subtitle 2"/>
+          <p:cNvSpPr>
+            <a:spLocks noGrp="1"/>
+          </p:cNvSpPr>
+          <p:nvPr>
+            <p:ph type="subTitle" idx="1"/>
+          </p:nvPr>
+        </p:nvSpPr>
+        <p:spPr/>
+        <p:txBody>
+          <a:bodyPr/>
+          <a:lstStyle/>
+          <a:p>
+            <a:endParaRPr lang="en-US"/>
+          </a:p>
+        </p:txBody>
+      </p:sp>
+      <p:sp>
+        <p:nvSpPr>
+          <p:cNvPr id="4" name="Text Placeholder 3"/>
+          <p:cNvSpPr>
+            <a:spLocks noGrp="1"/>
+          </p:cNvSpPr>
+          <p:nvPr>
+            <p:ph type="body" sz="quarter" idx="10"/>
+          </p:nvPr>
+        </p:nvSpPr>
+        <p:spPr/>
+        <p:txBody>
+          <a:bodyPr/>
+          <a:lstStyle/>
+          <a:p>
+            <a:r>
+              <a:rPr lang="en-US" dirty="0"/>
+              <a:t>d</a:t>
+            </a:r>
+            <a:r>
+              <a:rPr lang="en-US" dirty="0" smtClean="0"/>
+              <a:t>emo…</a:t>
+            </a:r>
+            <a:endParaRPr lang="en-US" dirty="0"/>
+          </a:p>
+        </p:txBody>
+      </p:sp>
+    </p:spTree>
+    <p:extLst>
+      <p:ext uri="{BB962C8B-B14F-4D97-AF65-F5344CB8AC3E}">
+        <p14:creationId xmlns:p14="http://schemas.microsoft.com/office/powerpoint/2010/main" val="1145596698"/>
+      </p:ext>
+    </p:extLst>
+  </p:cSld>
+  <p:clrMapOvr>
+    <a:masterClrMapping/>
+  </p:clrMapOvr>
+  <p:transition>
+    <p:fade/>
+  </p:transition>
+</p:sld>
+</file>
+
+<file path=ppt/slides/slide5.xml><?xml version="1.0" encoding="utf-8"?>
 <p:sld xmlns:a="http://schemas.openxmlformats.org/drawingml/2006/main" xmlns:r="http://schemas.openxmlformats.org/officeDocument/2006/relationships" xmlns:p="http://schemas.openxmlformats.org/presentationml/2006/main">
   <p:cSld>
     <p:spTree>
@@ -17962,10 +18182,119 @@
   <p:transition>
     <p:fade/>
   </p:transition>
+  <p:timing>
+    <p:tnLst>
+      <p:par>
+        <p:cTn id="1" dur="indefinite" restart="never" nodeType="tmRoot"/>
+      </p:par>
+    </p:tnLst>
+  </p:timing>
 </p:sld>
 </file>
 
-<file path=ppt/slides/slide5.xml><?xml version="1.0" encoding="utf-8"?>
+<file path=ppt/slides/slide6.xml><?xml version="1.0" encoding="utf-8"?>
+<p:sld xmlns:a="http://schemas.openxmlformats.org/drawingml/2006/main" xmlns:r="http://schemas.openxmlformats.org/officeDocument/2006/relationships" xmlns:p="http://schemas.openxmlformats.org/presentationml/2006/main">
+  <p:cSld>
+    <p:spTree>
+      <p:nvGrpSpPr>
+        <p:cNvPr id="1" name=""/>
+        <p:cNvGrpSpPr/>
+        <p:nvPr/>
+      </p:nvGrpSpPr>
+      <p:grpSpPr>
+        <a:xfrm>
+          <a:off x="0" y="0"/>
+          <a:ext cx="0" cy="0"/>
+          <a:chOff x="0" y="0"/>
+          <a:chExt cx="0" cy="0"/>
+        </a:xfrm>
+      </p:grpSpPr>
+      <p:sp>
+        <p:nvSpPr>
+          <p:cNvPr id="3" name="Title 2"/>
+          <p:cNvSpPr>
+            <a:spLocks noGrp="1"/>
+          </p:cNvSpPr>
+          <p:nvPr>
+            <p:ph type="ctrTitle"/>
+          </p:nvPr>
+        </p:nvSpPr>
+        <p:spPr/>
+        <p:txBody>
+          <a:bodyPr/>
+          <a:lstStyle/>
+          <a:p>
+            <a:r>
+              <a:rPr lang="en-US" dirty="0" smtClean="0"/>
+              <a:t>Display Modes</a:t>
+            </a:r>
+            <a:endParaRPr lang="en-US" dirty="0"/>
+          </a:p>
+        </p:txBody>
+      </p:sp>
+      <p:sp>
+        <p:nvSpPr>
+          <p:cNvPr id="4" name="Subtitle 3"/>
+          <p:cNvSpPr>
+            <a:spLocks noGrp="1"/>
+          </p:cNvSpPr>
+          <p:nvPr>
+            <p:ph type="subTitle" idx="1"/>
+          </p:nvPr>
+        </p:nvSpPr>
+        <p:spPr/>
+        <p:txBody>
+          <a:bodyPr/>
+          <a:lstStyle/>
+          <a:p>
+            <a:endParaRPr lang="en-US"/>
+          </a:p>
+        </p:txBody>
+      </p:sp>
+      <p:sp>
+        <p:nvSpPr>
+          <p:cNvPr id="5" name="Text Placeholder 4"/>
+          <p:cNvSpPr>
+            <a:spLocks noGrp="1"/>
+          </p:cNvSpPr>
+          <p:nvPr>
+            <p:ph type="body" sz="quarter" idx="10"/>
+          </p:nvPr>
+        </p:nvSpPr>
+        <p:spPr/>
+        <p:txBody>
+          <a:bodyPr/>
+          <a:lstStyle/>
+          <a:p>
+            <a:r>
+              <a:rPr lang="en-US" dirty="0"/>
+              <a:t>d</a:t>
+            </a:r>
+            <a:r>
+              <a:rPr lang="en-US" dirty="0" smtClean="0"/>
+              <a:t>emo…</a:t>
+            </a:r>
+            <a:endParaRPr lang="en-US" dirty="0"/>
+          </a:p>
+        </p:txBody>
+      </p:sp>
+    </p:spTree>
+    <p:extLst>
+      <p:ext uri="{BB962C8B-B14F-4D97-AF65-F5344CB8AC3E}">
+        <p14:creationId xmlns:p14="http://schemas.microsoft.com/office/powerpoint/2010/main" val="246042007"/>
+      </p:ext>
+    </p:extLst>
+  </p:cSld>
+  <p:clrMapOvr>
+    <a:masterClrMapping/>
+  </p:clrMapOvr>
+  <p:transition>
+    <p:fade/>
+  </p:transition>
+</p:sld>
+</file>
+
+<file path=ppt/slides/slide7.xml><?xml version="1.0" encoding="utf-8"?>
 <p:sld xmlns:a="http://schemas.openxmlformats.org/drawingml/2006/main" xmlns:r="http://schemas.openxmlformats.org/officeDocument/2006/relationships" xmlns:p="http://schemas.openxmlformats.org/presentationml/2006/main">
   <p:cSld>
     <p:spTree>
@@ -18389,7 +18718,7 @@
 </p:sld>
 </file>
 
-<file path=ppt/slides/slide6.xml><?xml version="1.0" encoding="utf-8"?>
+<file path=ppt/slides/slide8.xml><?xml version="1.0" encoding="utf-8"?>
 <p:sld xmlns:a="http://schemas.openxmlformats.org/drawingml/2006/main" xmlns:r="http://schemas.openxmlformats.org/officeDocument/2006/relationships" xmlns:p="http://schemas.openxmlformats.org/presentationml/2006/main">
   <p:cSld>
     <p:spTree>
@@ -18406,88 +18735,171 @@
           <a:chExt cx="0" cy="0"/>
         </a:xfrm>
       </p:grpSpPr>
-      <p:graphicFrame>
-        <p:nvGraphicFramePr>
-          <p:cNvPr id="2" name="Object 1" hidden="1"/>
-          <p:cNvGraphicFramePr>
-            <a:graphicFrameLocks noChangeAspect="1"/>
-          </p:cNvGraphicFramePr>
+      <p:sp>
+        <p:nvSpPr>
+          <p:cNvPr id="2" name="Title 1"/>
+          <p:cNvSpPr>
+            <a:spLocks noGrp="1"/>
+          </p:cNvSpPr>
           <p:nvPr>
-            <p:custDataLst>
-              <p:tags r:id="rId2"/>
-            </p:custDataLst>
-            <p:extLst>
-              <p:ext uri="{D42A27DB-BD31-4B8C-83A1-F6EECF244321}">
-                <p14:modId xmlns:p14="http://schemas.microsoft.com/office/powerpoint/2010/main" val="3859461230"/>
-              </p:ext>
-            </p:extLst>
+            <p:ph type="ctrTitle"/>
           </p:nvPr>
-        </p:nvGraphicFramePr>
-        <p:xfrm>
-          <a:off x="0" y="0"/>
-          <a:ext cx="158750" cy="158750"/>
-        </p:xfrm>
-        <a:graphic>
-          <a:graphicData uri="http://schemas.openxmlformats.org/presentationml/2006/ole">
-            <mc:AlternateContent xmlns:mc="http://schemas.openxmlformats.org/markup-compatibility/2006">
-              <mc:Choice xmlns:v="urn:schemas-microsoft-com:vml" Requires="v">
-                <p:oleObj spid="_x0000_s58469" name="think-cell Slide" r:id="rId4" imgW="270" imgH="270" progId="TCLayout.ActiveDocument.1">
-                  <p:embed/>
-                </p:oleObj>
-              </mc:Choice>
-              <mc:Fallback>
-                <p:oleObj name="think-cell Slide" r:id="rId4" imgW="270" imgH="270" progId="TCLayout.ActiveDocument.1">
-                  <p:embed/>
-                  <p:pic>
-                    <p:nvPicPr>
-                      <p:cNvPr id="0" name=""/>
-                      <p:cNvPicPr/>
-                      <p:nvPr/>
-                    </p:nvPicPr>
-                    <p:blipFill>
-                      <a:blip r:embed="rId5"/>
-                      <a:stretch>
-                        <a:fillRect/>
-                      </a:stretch>
-                    </p:blipFill>
-                    <p:spPr>
-                      <a:xfrm>
-                        <a:off x="0" y="0"/>
-                        <a:ext cx="158750" cy="158750"/>
-                      </a:xfrm>
-                      <a:prstGeom prst="rect">
-                        <a:avLst/>
-                      </a:prstGeom>
-                    </p:spPr>
-                  </p:pic>
-                </p:oleObj>
-              </mc:Fallback>
-            </mc:AlternateContent>
-          </a:graphicData>
-        </a:graphic>
-      </p:graphicFrame>
+        </p:nvSpPr>
+        <p:spPr/>
+        <p:txBody>
+          <a:bodyPr/>
+          <a:lstStyle/>
+          <a:p>
+            <a:r>
+              <a:rPr lang="en-US" dirty="0" smtClean="0"/>
+              <a:t>Mobile Template</a:t>
+            </a:r>
+            <a:endParaRPr lang="en-US" dirty="0"/>
+          </a:p>
+        </p:txBody>
+      </p:sp>
+      <p:sp>
+        <p:nvSpPr>
+          <p:cNvPr id="3" name="Subtitle 2"/>
+          <p:cNvSpPr>
+            <a:spLocks noGrp="1"/>
+          </p:cNvSpPr>
+          <p:nvPr>
+            <p:ph type="subTitle" idx="1"/>
+          </p:nvPr>
+        </p:nvSpPr>
+        <p:spPr/>
+        <p:txBody>
+          <a:bodyPr/>
+          <a:lstStyle/>
+          <a:p>
+            <a:endParaRPr lang="en-US"/>
+          </a:p>
+        </p:txBody>
+      </p:sp>
+      <p:sp>
+        <p:nvSpPr>
+          <p:cNvPr id="4" name="Text Placeholder 3"/>
+          <p:cNvSpPr>
+            <a:spLocks noGrp="1"/>
+          </p:cNvSpPr>
+          <p:nvPr>
+            <p:ph type="body" sz="quarter" idx="10"/>
+          </p:nvPr>
+        </p:nvSpPr>
+        <p:spPr/>
+        <p:txBody>
+          <a:bodyPr/>
+          <a:lstStyle/>
+          <a:p>
+            <a:r>
+              <a:rPr lang="en-US" dirty="0"/>
+              <a:t>d</a:t>
+            </a:r>
+            <a:r>
+              <a:rPr lang="en-US" dirty="0" smtClean="0"/>
+              <a:t>emo…</a:t>
+            </a:r>
+            <a:endParaRPr lang="en-US" dirty="0"/>
+          </a:p>
+        </p:txBody>
+      </p:sp>
     </p:spTree>
     <p:extLst>
       <p:ext uri="{BB962C8B-B14F-4D97-AF65-F5344CB8AC3E}">
-        <p14:creationId xmlns:p14="http://schemas.microsoft.com/office/powerpoint/2010/main" val="1847082904"/>
+        <p14:creationId xmlns:p14="http://schemas.microsoft.com/office/powerpoint/2010/main" val="3361490835"/>
       </p:ext>
     </p:extLst>
   </p:cSld>
   <p:clrMapOvr>
     <a:masterClrMapping/>
   </p:clrMapOvr>
-  <mc:AlternateContent xmlns:mc="http://schemas.openxmlformats.org/markup-compatibility/2006" xmlns:p14="http://schemas.microsoft.com/office/powerpoint/2010/main">
-    <mc:Choice Requires="p14">
-      <p:transition spd="med" p14:dur="700">
-        <p:fade/>
-      </p:transition>
-    </mc:Choice>
-    <mc:Fallback xmlns="">
-      <p:transition spd="med">
-        <p:fade/>
-      </p:transition>
-    </mc:Fallback>
-  </mc:AlternateContent>
+  <p:transition>
+    <p:fade/>
+  </p:transition>
+</p:sld>
+</file>
+
+<file path=ppt/slides/slide9.xml><?xml version="1.0" encoding="utf-8"?>
+<p:sld xmlns:a="http://schemas.openxmlformats.org/drawingml/2006/main" xmlns:r="http://schemas.openxmlformats.org/officeDocument/2006/relationships" xmlns:p="http://schemas.openxmlformats.org/presentationml/2006/main">
+  <p:cSld>
+    <p:spTree>
+      <p:nvGrpSpPr>
+        <p:cNvPr id="1" name=""/>
+        <p:cNvGrpSpPr/>
+        <p:nvPr/>
+      </p:nvGrpSpPr>
+      <p:grpSpPr>
+        <a:xfrm>
+          <a:off x="0" y="0"/>
+          <a:ext cx="0" cy="0"/>
+          <a:chOff x="0" y="0"/>
+          <a:chExt cx="0" cy="0"/>
+        </a:xfrm>
+      </p:grpSpPr>
+      <p:sp>
+        <p:nvSpPr>
+          <p:cNvPr id="2" name="Title 1"/>
+          <p:cNvSpPr>
+            <a:spLocks noGrp="1"/>
+          </p:cNvSpPr>
+          <p:nvPr>
+            <p:ph type="title"/>
+          </p:nvPr>
+        </p:nvSpPr>
+        <p:spPr/>
+        <p:txBody>
+          <a:bodyPr/>
+          <a:lstStyle/>
+          <a:p>
+            <a:r>
+              <a:rPr lang="en-US" dirty="0" smtClean="0"/>
+              <a:t>Resources</a:t>
+            </a:r>
+            <a:endParaRPr lang="en-US" dirty="0"/>
+          </a:p>
+        </p:txBody>
+      </p:sp>
+      <p:sp>
+        <p:nvSpPr>
+          <p:cNvPr id="3" name="Text Placeholder 2"/>
+          <p:cNvSpPr>
+            <a:spLocks noGrp="1"/>
+          </p:cNvSpPr>
+          <p:nvPr>
+            <p:ph type="body" sz="quarter" idx="10"/>
+          </p:nvPr>
+        </p:nvSpPr>
+        <p:spPr>
+          <a:xfrm>
+            <a:off x="519112" y="1447799"/>
+            <a:ext cx="11149013" cy="1107996"/>
+          </a:xfrm>
+        </p:spPr>
+        <p:txBody>
+          <a:bodyPr/>
+          <a:lstStyle/>
+          <a:p>
+            <a:r>
+              <a:rPr lang="en-US" dirty="0"/>
+              <a:t>http://www.asp.net/mvc/tutorials/mvc-4/aspnet-mvc-4-mobile-features</a:t>
+            </a:r>
+          </a:p>
+        </p:txBody>
+      </p:sp>
+    </p:spTree>
+    <p:extLst>
+      <p:ext uri="{BB962C8B-B14F-4D97-AF65-F5344CB8AC3E}">
+        <p14:creationId xmlns:p14="http://schemas.microsoft.com/office/powerpoint/2010/main" val="63434339"/>
+      </p:ext>
+    </p:extLst>
+  </p:cSld>
+  <p:clrMapOvr>
+    <a:masterClrMapping/>
+  </p:clrMapOvr>
+  <p:transition>
+    <p:fade/>
+  </p:transition>
   <p:timing>
     <p:tnLst>
       <p:par>

--- a/BuildingForTheMobileWeb.pptx
+++ b/BuildingForTheMobileWeb.pptx
@@ -6,10 +6,10 @@
     <p:sldMasterId id="2147483779" r:id="rId5"/>
   </p:sldMasterIdLst>
   <p:notesMasterIdLst>
-    <p:notesMasterId r:id="rId16"/>
+    <p:notesMasterId r:id="rId17"/>
   </p:notesMasterIdLst>
   <p:handoutMasterIdLst>
-    <p:handoutMasterId r:id="rId17"/>
+    <p:handoutMasterId r:id="rId18"/>
   </p:handoutMasterIdLst>
   <p:sldIdLst>
     <p:sldId id="296" r:id="rId6"/>
@@ -19,14 +19,15 @@
     <p:sldId id="297" r:id="rId10"/>
     <p:sldId id="300" r:id="rId11"/>
     <p:sldId id="298" r:id="rId12"/>
-    <p:sldId id="302" r:id="rId13"/>
-    <p:sldId id="299" r:id="rId14"/>
-    <p:sldId id="292" r:id="rId15"/>
+    <p:sldId id="303" r:id="rId13"/>
+    <p:sldId id="302" r:id="rId14"/>
+    <p:sldId id="299" r:id="rId15"/>
+    <p:sldId id="292" r:id="rId16"/>
   </p:sldIdLst>
   <p:sldSz cx="12188825" cy="6858000"/>
   <p:notesSz cx="6858000" cy="9296400"/>
   <p:custDataLst>
-    <p:tags r:id="rId18"/>
+    <p:tags r:id="rId19"/>
   </p:custDataLst>
   <p:defaultTextStyle>
     <a:defPPr>
@@ -182,16 +183,33 @@
 </file>
 
 <file path=ppt/diagrams/colors1.xml><?xml version="1.0" encoding="utf-8"?>
-<dgm:colorsDef xmlns:dgm="http://schemas.openxmlformats.org/drawingml/2006/diagram" xmlns:a="http://schemas.openxmlformats.org/drawingml/2006/main" uniqueId="urn:microsoft.com/office/officeart/2005/8/colors/accent1_3">
+<dgm:colorsDef xmlns:dgm="http://schemas.openxmlformats.org/drawingml/2006/diagram" xmlns:a="http://schemas.openxmlformats.org/drawingml/2006/main" uniqueId="urn:microsoft.com/office/officeart/2005/8/colors/accent2_3">
   <dgm:title val=""/>
   <dgm:desc val=""/>
   <dgm:catLst>
-    <dgm:cat type="accent1" pri="11300"/>
+    <dgm:cat type="accent2" pri="11300"/>
   </dgm:catLst>
   <dgm:styleLbl name="node0">
     <dgm:fillClrLst meth="repeat">
-      <a:schemeClr val="accent1">
+      <a:schemeClr val="accent2">
         <a:shade val="80000"/>
+      </a:schemeClr>
+    </dgm:fillClrLst>
+    <dgm:linClrLst meth="repeat">
+      <a:schemeClr val="lt1"/>
+    </dgm:linClrLst>
+    <dgm:effectClrLst/>
+    <dgm:txLinClrLst/>
+    <dgm:txFillClrLst/>
+    <dgm:txEffectClrLst/>
+  </dgm:styleLbl>
+  <dgm:styleLbl name="node1">
+    <dgm:fillClrLst>
+      <a:schemeClr val="accent2">
+        <a:shade val="80000"/>
+      </a:schemeClr>
+      <a:schemeClr val="accent2">
+        <a:tint val="70000"/>
       </a:schemeClr>
     </dgm:fillClrLst>
     <dgm:linClrLst meth="repeat">
@@ -204,18 +222,18 @@
   </dgm:styleLbl>
   <dgm:styleLbl name="alignNode1">
     <dgm:fillClrLst>
-      <a:schemeClr val="accent1">
+      <a:schemeClr val="accent2">
         <a:shade val="80000"/>
       </a:schemeClr>
-      <a:schemeClr val="accent1">
+      <a:schemeClr val="accent2">
         <a:tint val="70000"/>
       </a:schemeClr>
     </dgm:fillClrLst>
     <dgm:linClrLst>
-      <a:schemeClr val="accent1">
+      <a:schemeClr val="accent2">
         <a:shade val="80000"/>
       </a:schemeClr>
-      <a:schemeClr val="accent1">
+      <a:schemeClr val="accent2">
         <a:tint val="70000"/>
       </a:schemeClr>
     </dgm:linClrLst>
@@ -224,29 +242,12 @@
     <dgm:txFillClrLst/>
     <dgm:txEffectClrLst/>
   </dgm:styleLbl>
-  <dgm:styleLbl name="node1">
+  <dgm:styleLbl name="lnNode1">
     <dgm:fillClrLst>
-      <a:schemeClr val="accent1">
+      <a:schemeClr val="accent2">
         <a:shade val="80000"/>
       </a:schemeClr>
-      <a:schemeClr val="accent1">
-        <a:tint val="70000"/>
-      </a:schemeClr>
-    </dgm:fillClrLst>
-    <dgm:linClrLst meth="repeat">
-      <a:schemeClr val="lt1"/>
-    </dgm:linClrLst>
-    <dgm:effectClrLst/>
-    <dgm:txLinClrLst/>
-    <dgm:txFillClrLst/>
-    <dgm:txEffectClrLst/>
-  </dgm:styleLbl>
-  <dgm:styleLbl name="lnNode1">
-    <dgm:fillClrLst>
-      <a:schemeClr val="accent1">
-        <a:shade val="80000"/>
-      </a:schemeClr>
-      <a:schemeClr val="accent1">
+      <a:schemeClr val="accent2">
         <a:tint val="70000"/>
       </a:schemeClr>
     </dgm:fillClrLst>
@@ -260,11 +261,11 @@
   </dgm:styleLbl>
   <dgm:styleLbl name="vennNode1">
     <dgm:fillClrLst>
-      <a:schemeClr val="accent1">
+      <a:schemeClr val="accent2">
         <a:shade val="80000"/>
         <a:alpha val="50000"/>
       </a:schemeClr>
-      <a:schemeClr val="accent1">
+      <a:schemeClr val="accent2">
         <a:tint val="70000"/>
         <a:alpha val="50000"/>
       </a:schemeClr>
@@ -279,7 +280,7 @@
   </dgm:styleLbl>
   <dgm:styleLbl name="node2">
     <dgm:fillClrLst>
-      <a:schemeClr val="accent1">
+      <a:schemeClr val="accent2">
         <a:tint val="99000"/>
       </a:schemeClr>
     </dgm:fillClrLst>
@@ -293,7 +294,7 @@
   </dgm:styleLbl>
   <dgm:styleLbl name="node3">
     <dgm:fillClrLst>
-      <a:schemeClr val="accent1">
+      <a:schemeClr val="accent2">
         <a:tint val="80000"/>
       </a:schemeClr>
     </dgm:fillClrLst>
@@ -307,7 +308,7 @@
   </dgm:styleLbl>
   <dgm:styleLbl name="node4">
     <dgm:fillClrLst>
-      <a:schemeClr val="accent1">
+      <a:schemeClr val="accent2">
         <a:tint val="70000"/>
       </a:schemeClr>
     </dgm:fillClrLst>
@@ -321,10 +322,10 @@
   </dgm:styleLbl>
   <dgm:styleLbl name="fgImgPlace1">
     <dgm:fillClrLst>
-      <a:schemeClr val="accent1">
+      <a:schemeClr val="accent2">
         <a:tint val="50000"/>
       </a:schemeClr>
-      <a:schemeClr val="accent1">
+      <a:schemeClr val="accent2">
         <a:tint val="20000"/>
       </a:schemeClr>
     </dgm:fillClrLst>
@@ -340,10 +341,10 @@
   </dgm:styleLbl>
   <dgm:styleLbl name="alignImgPlace1">
     <dgm:fillClrLst>
-      <a:schemeClr val="accent1">
+      <a:schemeClr val="accent2">
         <a:tint val="50000"/>
       </a:schemeClr>
-      <a:schemeClr val="accent1">
+      <a:schemeClr val="accent2">
         <a:tint val="20000"/>
       </a:schemeClr>
     </dgm:fillClrLst>
@@ -359,10 +360,10 @@
   </dgm:styleLbl>
   <dgm:styleLbl name="bgImgPlace1">
     <dgm:fillClrLst>
-      <a:schemeClr val="accent1">
+      <a:schemeClr val="accent2">
         <a:tint val="50000"/>
       </a:schemeClr>
-      <a:schemeClr val="accent1">
+      <a:schemeClr val="accent2">
         <a:tint val="20000"/>
       </a:schemeClr>
     </dgm:fillClrLst>
@@ -378,18 +379,18 @@
   </dgm:styleLbl>
   <dgm:styleLbl name="sibTrans2D1">
     <dgm:fillClrLst>
-      <a:schemeClr val="accent1">
+      <a:schemeClr val="accent2">
         <a:shade val="90000"/>
       </a:schemeClr>
-      <a:schemeClr val="accent1">
+      <a:schemeClr val="accent2">
         <a:tint val="70000"/>
       </a:schemeClr>
     </dgm:fillClrLst>
     <dgm:linClrLst>
-      <a:schemeClr val="accent1">
+      <a:schemeClr val="accent2">
         <a:shade val="90000"/>
       </a:schemeClr>
-      <a:schemeClr val="accent1">
+      <a:schemeClr val="accent2">
         <a:tint val="70000"/>
       </a:schemeClr>
     </dgm:linClrLst>
@@ -400,18 +401,18 @@
   </dgm:styleLbl>
   <dgm:styleLbl name="fgSibTrans2D1">
     <dgm:fillClrLst>
-      <a:schemeClr val="accent1">
+      <a:schemeClr val="accent2">
         <a:shade val="90000"/>
       </a:schemeClr>
-      <a:schemeClr val="accent1">
+      <a:schemeClr val="accent2">
         <a:tint val="70000"/>
       </a:schemeClr>
     </dgm:fillClrLst>
     <dgm:linClrLst>
-      <a:schemeClr val="accent1">
+      <a:schemeClr val="accent2">
         <a:shade val="90000"/>
       </a:schemeClr>
-      <a:schemeClr val="accent1">
+      <a:schemeClr val="accent2">
         <a:tint val="70000"/>
       </a:schemeClr>
     </dgm:linClrLst>
@@ -424,18 +425,18 @@
   </dgm:styleLbl>
   <dgm:styleLbl name="bgSibTrans2D1">
     <dgm:fillClrLst>
-      <a:schemeClr val="accent1">
+      <a:schemeClr val="accent2">
         <a:shade val="90000"/>
       </a:schemeClr>
-      <a:schemeClr val="accent1">
+      <a:schemeClr val="accent2">
         <a:tint val="70000"/>
       </a:schemeClr>
     </dgm:fillClrLst>
     <dgm:linClrLst>
-      <a:schemeClr val="accent1">
+      <a:schemeClr val="accent2">
         <a:shade val="90000"/>
       </a:schemeClr>
-      <a:schemeClr val="accent1">
+      <a:schemeClr val="accent2">
         <a:tint val="70000"/>
       </a:schemeClr>
     </dgm:linClrLst>
@@ -448,18 +449,18 @@
   </dgm:styleLbl>
   <dgm:styleLbl name="sibTrans1D1">
     <dgm:fillClrLst>
-      <a:schemeClr val="accent1">
+      <a:schemeClr val="accent2">
         <a:shade val="90000"/>
       </a:schemeClr>
-      <a:schemeClr val="accent1">
+      <a:schemeClr val="accent2">
         <a:tint val="70000"/>
       </a:schemeClr>
     </dgm:fillClrLst>
     <dgm:linClrLst>
-      <a:schemeClr val="accent1">
+      <a:schemeClr val="accent2">
         <a:shade val="90000"/>
       </a:schemeClr>
-      <a:schemeClr val="accent1">
+      <a:schemeClr val="accent2">
         <a:tint val="70000"/>
       </a:schemeClr>
     </dgm:linClrLst>
@@ -472,10 +473,10 @@
   </dgm:styleLbl>
   <dgm:styleLbl name="callout">
     <dgm:fillClrLst meth="repeat">
-      <a:schemeClr val="accent1"/>
+      <a:schemeClr val="accent2"/>
     </dgm:fillClrLst>
     <dgm:linClrLst meth="repeat">
-      <a:schemeClr val="accent1"/>
+      <a:schemeClr val="accent2"/>
     </dgm:linClrLst>
     <dgm:effectClrLst/>
     <dgm:txLinClrLst/>
@@ -486,7 +487,7 @@
   </dgm:styleLbl>
   <dgm:styleLbl name="asst0">
     <dgm:fillClrLst meth="repeat">
-      <a:schemeClr val="accent1">
+      <a:schemeClr val="accent2">
         <a:shade val="80000"/>
       </a:schemeClr>
     </dgm:fillClrLst>
@@ -500,7 +501,7 @@
   </dgm:styleLbl>
   <dgm:styleLbl name="asst1">
     <dgm:fillClrLst meth="repeat">
-      <a:schemeClr val="accent1">
+      <a:schemeClr val="accent2">
         <a:shade val="80000"/>
       </a:schemeClr>
     </dgm:fillClrLst>
@@ -514,7 +515,7 @@
   </dgm:styleLbl>
   <dgm:styleLbl name="asst2">
     <dgm:fillClrLst>
-      <a:schemeClr val="accent1">
+      <a:schemeClr val="accent2">
         <a:tint val="99000"/>
       </a:schemeClr>
     </dgm:fillClrLst>
@@ -528,7 +529,7 @@
   </dgm:styleLbl>
   <dgm:styleLbl name="asst3">
     <dgm:fillClrLst>
-      <a:schemeClr val="accent1">
+      <a:schemeClr val="accent2">
         <a:tint val="80000"/>
       </a:schemeClr>
     </dgm:fillClrLst>
@@ -542,7 +543,7 @@
   </dgm:styleLbl>
   <dgm:styleLbl name="asst4">
     <dgm:fillClrLst>
-      <a:schemeClr val="accent1">
+      <a:schemeClr val="accent2">
         <a:tint val="70000"/>
       </a:schemeClr>
     </dgm:fillClrLst>
@@ -556,12 +557,12 @@
   </dgm:styleLbl>
   <dgm:styleLbl name="parChTrans2D1">
     <dgm:fillClrLst meth="repeat">
-      <a:schemeClr val="accent1">
+      <a:schemeClr val="accent2">
         <a:tint val="60000"/>
       </a:schemeClr>
     </dgm:fillClrLst>
     <dgm:linClrLst meth="repeat">
-      <a:schemeClr val="accent1">
+      <a:schemeClr val="accent2">
         <a:tint val="60000"/>
       </a:schemeClr>
     </dgm:linClrLst>
@@ -574,12 +575,12 @@
   </dgm:styleLbl>
   <dgm:styleLbl name="parChTrans2D2">
     <dgm:fillClrLst meth="repeat">
-      <a:schemeClr val="accent1">
+      <a:schemeClr val="accent2">
         <a:tint val="90000"/>
       </a:schemeClr>
     </dgm:fillClrLst>
     <dgm:linClrLst meth="repeat">
-      <a:schemeClr val="accent1">
+      <a:schemeClr val="accent2">
         <a:tint val="90000"/>
       </a:schemeClr>
     </dgm:linClrLst>
@@ -590,12 +591,12 @@
   </dgm:styleLbl>
   <dgm:styleLbl name="parChTrans2D3">
     <dgm:fillClrLst meth="repeat">
-      <a:schemeClr val="accent1">
+      <a:schemeClr val="accent2">
         <a:tint val="70000"/>
       </a:schemeClr>
     </dgm:fillClrLst>
     <dgm:linClrLst meth="repeat">
-      <a:schemeClr val="accent1">
+      <a:schemeClr val="accent2">
         <a:tint val="70000"/>
       </a:schemeClr>
     </dgm:linClrLst>
@@ -606,12 +607,12 @@
   </dgm:styleLbl>
   <dgm:styleLbl name="parChTrans2D4">
     <dgm:fillClrLst meth="repeat">
-      <a:schemeClr val="accent1">
+      <a:schemeClr val="accent2">
         <a:tint val="50000"/>
       </a:schemeClr>
     </dgm:fillClrLst>
     <dgm:linClrLst meth="repeat">
-      <a:schemeClr val="accent1">
+      <a:schemeClr val="accent2">
         <a:tint val="50000"/>
       </a:schemeClr>
     </dgm:linClrLst>
@@ -624,12 +625,12 @@
   </dgm:styleLbl>
   <dgm:styleLbl name="parChTrans1D1">
     <dgm:fillClrLst meth="repeat">
-      <a:schemeClr val="accent1">
+      <a:schemeClr val="accent2">
         <a:shade val="80000"/>
       </a:schemeClr>
     </dgm:fillClrLst>
     <dgm:linClrLst meth="repeat">
-      <a:schemeClr val="accent1">
+      <a:schemeClr val="accent2">
         <a:shade val="80000"/>
       </a:schemeClr>
     </dgm:linClrLst>
@@ -642,12 +643,12 @@
   </dgm:styleLbl>
   <dgm:styleLbl name="parChTrans1D2">
     <dgm:fillClrLst meth="repeat">
-      <a:schemeClr val="accent1">
+      <a:schemeClr val="accent2">
         <a:tint val="99000"/>
       </a:schemeClr>
     </dgm:fillClrLst>
     <dgm:linClrLst meth="repeat">
-      <a:schemeClr val="accent1">
+      <a:schemeClr val="accent2">
         <a:tint val="99000"/>
       </a:schemeClr>
     </dgm:linClrLst>
@@ -660,12 +661,12 @@
   </dgm:styleLbl>
   <dgm:styleLbl name="parChTrans1D3">
     <dgm:fillClrLst meth="repeat">
-      <a:schemeClr val="accent1">
+      <a:schemeClr val="accent2">
         <a:tint val="80000"/>
       </a:schemeClr>
     </dgm:fillClrLst>
     <dgm:linClrLst meth="repeat">
-      <a:schemeClr val="accent1">
+      <a:schemeClr val="accent2">
         <a:tint val="80000"/>
       </a:schemeClr>
     </dgm:linClrLst>
@@ -678,12 +679,12 @@
   </dgm:styleLbl>
   <dgm:styleLbl name="parChTrans1D4">
     <dgm:fillClrLst meth="repeat">
-      <a:schemeClr val="accent1">
+      <a:schemeClr val="accent2">
         <a:tint val="70000"/>
       </a:schemeClr>
     </dgm:fillClrLst>
     <dgm:linClrLst meth="repeat">
-      <a:schemeClr val="accent1">
+      <a:schemeClr val="accent2">
         <a:tint val="70000"/>
       </a:schemeClr>
     </dgm:linClrLst>
@@ -701,10 +702,10 @@
       </a:schemeClr>
     </dgm:fillClrLst>
     <dgm:linClrLst>
-      <a:schemeClr val="accent1">
+      <a:schemeClr val="accent2">
         <a:shade val="80000"/>
       </a:schemeClr>
-      <a:schemeClr val="accent1">
+      <a:schemeClr val="accent2">
         <a:tint val="70000"/>
       </a:schemeClr>
     </dgm:linClrLst>
@@ -722,10 +723,10 @@
       </a:schemeClr>
     </dgm:fillClrLst>
     <dgm:linClrLst>
-      <a:schemeClr val="accent1">
+      <a:schemeClr val="accent2">
         <a:shade val="80000"/>
       </a:schemeClr>
-      <a:schemeClr val="accent1">
+      <a:schemeClr val="accent2">
         <a:tint val="70000"/>
       </a:schemeClr>
     </dgm:linClrLst>
@@ -743,10 +744,10 @@
       </a:schemeClr>
     </dgm:fillClrLst>
     <dgm:linClrLst>
-      <a:schemeClr val="accent1">
+      <a:schemeClr val="accent2">
         <a:shade val="80000"/>
       </a:schemeClr>
-      <a:schemeClr val="accent1">
+      <a:schemeClr val="accent2">
         <a:tint val="70000"/>
       </a:schemeClr>
     </dgm:linClrLst>
@@ -764,7 +765,7 @@
       </a:schemeClr>
     </dgm:fillClrLst>
     <dgm:linClrLst meth="repeat">
-      <a:schemeClr val="accent1"/>
+      <a:schemeClr val="accent2"/>
     </dgm:linClrLst>
     <dgm:effectClrLst/>
     <dgm:txLinClrLst/>
@@ -780,10 +781,10 @@
       </a:schemeClr>
     </dgm:fillClrLst>
     <dgm:linClrLst>
-      <a:schemeClr val="accent1">
+      <a:schemeClr val="accent2">
         <a:shade val="80000"/>
       </a:schemeClr>
-      <a:schemeClr val="accent1">
+      <a:schemeClr val="accent2">
         <a:tint val="70000"/>
       </a:schemeClr>
     </dgm:linClrLst>
@@ -799,10 +800,10 @@
       <a:schemeClr val="lt1"/>
     </dgm:fillClrLst>
     <dgm:linClrLst>
-      <a:schemeClr val="accent1">
+      <a:schemeClr val="accent2">
         <a:shade val="80000"/>
       </a:schemeClr>
-      <a:schemeClr val="accent1">
+      <a:schemeClr val="accent2">
         <a:tint val="70000"/>
       </a:schemeClr>
     </dgm:linClrLst>
@@ -818,7 +819,7 @@
       <a:schemeClr val="lt1"/>
     </dgm:fillClrLst>
     <dgm:linClrLst meth="repeat">
-      <a:schemeClr val="accent1"/>
+      <a:schemeClr val="accent2"/>
     </dgm:linClrLst>
     <dgm:effectClrLst/>
     <dgm:txLinClrLst/>
@@ -832,7 +833,7 @@
       <a:schemeClr val="lt1"/>
     </dgm:fillClrLst>
     <dgm:linClrLst meth="repeat">
-      <a:schemeClr val="accent1"/>
+      <a:schemeClr val="accent2"/>
     </dgm:linClrLst>
     <dgm:effectClrLst/>
     <dgm:txLinClrLst/>
@@ -843,13 +844,13 @@
   </dgm:styleLbl>
   <dgm:styleLbl name="fgAccFollowNode1">
     <dgm:fillClrLst meth="repeat">
-      <a:schemeClr val="accent1">
+      <a:schemeClr val="accent2">
         <a:alpha val="90000"/>
         <a:tint val="40000"/>
       </a:schemeClr>
     </dgm:fillClrLst>
     <dgm:linClrLst meth="repeat">
-      <a:schemeClr val="accent1">
+      <a:schemeClr val="accent2">
         <a:alpha val="90000"/>
         <a:tint val="40000"/>
       </a:schemeClr>
@@ -863,13 +864,13 @@
   </dgm:styleLbl>
   <dgm:styleLbl name="alignAccFollowNode1">
     <dgm:fillClrLst meth="repeat">
-      <a:schemeClr val="accent1">
+      <a:schemeClr val="accent2">
         <a:alpha val="90000"/>
         <a:tint val="40000"/>
       </a:schemeClr>
     </dgm:fillClrLst>
     <dgm:linClrLst meth="repeat">
-      <a:schemeClr val="accent1">
+      <a:schemeClr val="accent2">
         <a:alpha val="90000"/>
         <a:tint val="40000"/>
       </a:schemeClr>
@@ -883,7 +884,7 @@
   </dgm:styleLbl>
   <dgm:styleLbl name="bgAccFollowNode1">
     <dgm:fillClrLst meth="repeat">
-      <a:schemeClr val="accent1">
+      <a:schemeClr val="accent2">
         <a:alpha val="90000"/>
         <a:tint val="40000"/>
       </a:schemeClr>
@@ -905,7 +906,7 @@
       </a:schemeClr>
     </dgm:fillClrLst>
     <dgm:linClrLst meth="repeat">
-      <a:schemeClr val="accent1">
+      <a:schemeClr val="accent2">
         <a:shade val="80000"/>
       </a:schemeClr>
     </dgm:linClrLst>
@@ -923,7 +924,7 @@
       </a:schemeClr>
     </dgm:fillClrLst>
     <dgm:linClrLst meth="repeat">
-      <a:schemeClr val="accent1">
+      <a:schemeClr val="accent2">
         <a:tint val="99000"/>
       </a:schemeClr>
     </dgm:linClrLst>
@@ -941,7 +942,7 @@
       </a:schemeClr>
     </dgm:fillClrLst>
     <dgm:linClrLst meth="repeat">
-      <a:schemeClr val="accent1">
+      <a:schemeClr val="accent2">
         <a:tint val="80000"/>
       </a:schemeClr>
     </dgm:linClrLst>
@@ -959,7 +960,7 @@
       </a:schemeClr>
     </dgm:fillClrLst>
     <dgm:linClrLst meth="repeat">
-      <a:schemeClr val="accent1">
+      <a:schemeClr val="accent2">
         <a:tint val="70000"/>
       </a:schemeClr>
     </dgm:linClrLst>
@@ -972,7 +973,7 @@
   </dgm:styleLbl>
   <dgm:styleLbl name="bgShp">
     <dgm:fillClrLst meth="repeat">
-      <a:schemeClr val="accent1">
+      <a:schemeClr val="accent2">
         <a:tint val="40000"/>
       </a:schemeClr>
     </dgm:fillClrLst>
@@ -988,7 +989,7 @@
   </dgm:styleLbl>
   <dgm:styleLbl name="dkBgShp">
     <dgm:fillClrLst meth="repeat">
-      <a:schemeClr val="accent1">
+      <a:schemeClr val="accent2">
         <a:shade val="90000"/>
       </a:schemeClr>
     </dgm:fillClrLst>
@@ -1004,13 +1005,13 @@
   </dgm:styleLbl>
   <dgm:styleLbl name="trBgShp">
     <dgm:fillClrLst meth="repeat">
-      <a:schemeClr val="accent1">
+      <a:schemeClr val="accent2">
         <a:tint val="50000"/>
         <a:alpha val="40000"/>
       </a:schemeClr>
     </dgm:fillClrLst>
     <dgm:linClrLst meth="repeat">
-      <a:schemeClr val="accent1"/>
+      <a:schemeClr val="accent2"/>
     </dgm:linClrLst>
     <dgm:effectClrLst/>
     <dgm:txLinClrLst/>
@@ -1021,7 +1022,7 @@
   </dgm:styleLbl>
   <dgm:styleLbl name="fgShp">
     <dgm:fillClrLst meth="repeat">
-      <a:schemeClr val="accent1">
+      <a:schemeClr val="accent2">
         <a:tint val="40000"/>
       </a:schemeClr>
     </dgm:fillClrLst>
@@ -1060,7 +1061,7 @@
 <dgm:dataModel xmlns:dgm="http://schemas.openxmlformats.org/drawingml/2006/diagram" xmlns:a="http://schemas.openxmlformats.org/drawingml/2006/main">
   <dgm:ptLst>
     <dgm:pt modelId="{69E7DF19-1910-416C-936F-EB2E6F37734B}" type="doc">
-      <dgm:prSet loTypeId="urn:microsoft.com/office/officeart/2005/8/layout/chevron1" loCatId="process" qsTypeId="urn:microsoft.com/office/officeart/2005/8/quickstyle/simple1" qsCatId="simple" csTypeId="urn:microsoft.com/office/officeart/2005/8/colors/accent1_3" csCatId="accent1" phldr="1"/>
+      <dgm:prSet loTypeId="urn:microsoft.com/office/officeart/2005/8/layout/chevron1" loCatId="process" qsTypeId="urn:microsoft.com/office/officeart/2005/8/quickstyle/simple1" qsCatId="simple" csTypeId="urn:microsoft.com/office/officeart/2005/8/colors/accent2_3" csCatId="accent2" phldr="1"/>
       <dgm:spPr/>
     </dgm:pt>
     <dgm:pt modelId="{DD3994C7-351F-4257-913D-F4A281A62D15}">
@@ -1290,7 +1291,7 @@
           <a:avLst/>
         </a:prstGeom>
         <a:solidFill>
-          <a:schemeClr val="accent1">
+          <a:schemeClr val="accent2">
             <a:shade val="80000"/>
             <a:hueOff val="0"/>
             <a:satOff val="0"/>
@@ -1368,11 +1369,11 @@
           <a:avLst/>
         </a:prstGeom>
         <a:solidFill>
-          <a:schemeClr val="accent1">
+          <a:schemeClr val="accent2">
             <a:shade val="80000"/>
-            <a:hueOff val="-378049"/>
-            <a:satOff val="0"/>
-            <a:lumOff val="16938"/>
+            <a:hueOff val="285527"/>
+            <a:satOff val="-9433"/>
+            <a:lumOff val="17283"/>
             <a:alphaOff val="0"/>
           </a:schemeClr>
         </a:solidFill>
@@ -1446,11 +1447,11 @@
           <a:avLst/>
         </a:prstGeom>
         <a:solidFill>
-          <a:schemeClr val="accent1">
+          <a:schemeClr val="accent2">
             <a:shade val="80000"/>
-            <a:hueOff val="-756098"/>
-            <a:satOff val="0"/>
-            <a:lumOff val="33875"/>
+            <a:hueOff val="571054"/>
+            <a:satOff val="-18867"/>
+            <a:lumOff val="34566"/>
             <a:alphaOff val="0"/>
           </a:schemeClr>
         </a:solidFill>
@@ -2923,7 +2924,7 @@
               <a:rPr lang="en-US" smtClean="0">
                 <a:latin typeface="Segoe UI" pitchFamily="34" charset="0"/>
               </a:rPr>
-              <a:t>12/1/2012</a:t>
+              <a:t>12/14/2012</a:t>
             </a:fld>
             <a:endParaRPr lang="en-US" dirty="0">
               <a:latin typeface="Segoe UI" pitchFamily="34" charset="0"/>
@@ -3105,7 +3106,7 @@
             <a:fld id="{CAE3F082-F902-42D8-A765-720E172C3194}" type="datetimeFigureOut">
               <a:rPr lang="en-US" smtClean="0"/>
               <a:pPr/>
-              <a:t>12/1/2012</a:t>
+              <a:t>12/14/2012</a:t>
             </a:fld>
             <a:endParaRPr lang="en-US" dirty="0"/>
           </a:p>
@@ -17342,6 +17343,128 @@
           <a:chExt cx="0" cy="0"/>
         </a:xfrm>
       </p:grpSpPr>
+      <p:sp>
+        <p:nvSpPr>
+          <p:cNvPr id="2" name="Title 1"/>
+          <p:cNvSpPr>
+            <a:spLocks noGrp="1"/>
+          </p:cNvSpPr>
+          <p:nvPr>
+            <p:ph type="title"/>
+          </p:nvPr>
+        </p:nvSpPr>
+        <p:spPr/>
+        <p:txBody>
+          <a:bodyPr/>
+          <a:lstStyle/>
+          <a:p>
+            <a:r>
+              <a:rPr lang="en-US" dirty="0" smtClean="0"/>
+              <a:t>Resources</a:t>
+            </a:r>
+            <a:endParaRPr lang="en-US" dirty="0"/>
+          </a:p>
+        </p:txBody>
+      </p:sp>
+      <p:sp>
+        <p:nvSpPr>
+          <p:cNvPr id="3" name="Text Placeholder 2"/>
+          <p:cNvSpPr>
+            <a:spLocks noGrp="1"/>
+          </p:cNvSpPr>
+          <p:nvPr>
+            <p:ph type="body" sz="quarter" idx="10"/>
+          </p:nvPr>
+        </p:nvSpPr>
+        <p:spPr>
+          <a:xfrm>
+            <a:off x="519112" y="1447799"/>
+            <a:ext cx="11149013" cy="1892826"/>
+          </a:xfrm>
+        </p:spPr>
+        <p:txBody>
+          <a:bodyPr/>
+          <a:lstStyle/>
+          <a:p>
+            <a:r>
+              <a:rPr lang="en-US" dirty="0">
+                <a:hlinkClick r:id="rId2"/>
+              </a:rPr>
+              <a:t>http://www.asp.net/mobile</a:t>
+            </a:r>
+            <a:endParaRPr lang="en-US" dirty="0"/>
+          </a:p>
+          <a:p>
+            <a:r>
+              <a:rPr lang="en-US">
+                <a:hlinkClick r:id="rId3"/>
+              </a:rPr>
+              <a:t>http://aka.ms/mvc4-adaptive-rendering</a:t>
+            </a:r>
+          </a:p>
+          <a:p>
+            <a:r>
+              <a:rPr lang="en-US" dirty="0" smtClean="0">
+                <a:hlinkClick r:id="rId3"/>
+              </a:rPr>
+              <a:t>http</a:t>
+            </a:r>
+            <a:r>
+              <a:rPr lang="en-US" dirty="0">
+                <a:hlinkClick r:id="rId3"/>
+              </a:rPr>
+              <a:t>://</a:t>
+            </a:r>
+            <a:r>
+              <a:rPr lang="en-US" dirty="0" smtClean="0">
+                <a:hlinkClick r:id="rId3"/>
+              </a:rPr>
+              <a:t>aka.ms/mvc4-mobile-tutorial</a:t>
+            </a:r>
+            <a:endParaRPr lang="en-US" dirty="0" smtClean="0"/>
+          </a:p>
+        </p:txBody>
+      </p:sp>
+    </p:spTree>
+    <p:extLst>
+      <p:ext uri="{BB962C8B-B14F-4D97-AF65-F5344CB8AC3E}">
+        <p14:creationId xmlns:p14="http://schemas.microsoft.com/office/powerpoint/2010/main" val="63434339"/>
+      </p:ext>
+    </p:extLst>
+  </p:cSld>
+  <p:clrMapOvr>
+    <a:masterClrMapping/>
+  </p:clrMapOvr>
+  <p:transition>
+    <p:fade/>
+  </p:transition>
+  <p:timing>
+    <p:tnLst>
+      <p:par>
+        <p:cTn id="1" dur="indefinite" restart="never" nodeType="tmRoot"/>
+      </p:par>
+    </p:tnLst>
+  </p:timing>
+</p:sld>
+</file>
+
+<file path=ppt/slides/slide11.xml><?xml version="1.0" encoding="utf-8"?>
+<p:sld xmlns:a="http://schemas.openxmlformats.org/drawingml/2006/main" xmlns:r="http://schemas.openxmlformats.org/officeDocument/2006/relationships" xmlns:p="http://schemas.openxmlformats.org/presentationml/2006/main">
+  <p:cSld>
+    <p:spTree>
+      <p:nvGrpSpPr>
+        <p:cNvPr id="1" name=""/>
+        <p:cNvGrpSpPr/>
+        <p:nvPr/>
+      </p:nvGrpSpPr>
+      <p:grpSpPr>
+        <a:xfrm>
+          <a:off x="0" y="0"/>
+          <a:ext cx="0" cy="0"/>
+          <a:chOff x="0" y="0"/>
+          <a:chExt cx="0" cy="0"/>
+        </a:xfrm>
+      </p:grpSpPr>
       <p:graphicFrame>
         <p:nvGraphicFramePr>
           <p:cNvPr id="2" name="Object 1" hidden="1"/>
@@ -17367,7 +17490,7 @@
           <a:graphicData uri="http://schemas.openxmlformats.org/presentationml/2006/ole">
             <mc:AlternateContent xmlns:mc="http://schemas.openxmlformats.org/markup-compatibility/2006">
               <mc:Choice xmlns:v="urn:schemas-microsoft-com:vml" Requires="v">
-                <p:oleObj spid="_x0000_s58477" name="think-cell Slide" r:id="rId4" imgW="270" imgH="270" progId="TCLayout.ActiveDocument.1">
+                <p:oleObj spid="_x0000_s58481" name="think-cell Slide" r:id="rId4" imgW="270" imgH="270" progId="TCLayout.ActiveDocument.1">
                   <p:embed/>
                 </p:oleObj>
               </mc:Choice>
@@ -17476,7 +17599,7 @@
           <a:graphicData uri="http://schemas.openxmlformats.org/presentationml/2006/ole">
             <mc:AlternateContent xmlns:mc="http://schemas.openxmlformats.org/markup-compatibility/2006">
               <mc:Choice xmlns:v="urn:schemas-microsoft-com:vml" Requires="v">
-                <p:oleObj spid="_x0000_s59497" name="think-cell Slide" r:id="rId4" imgW="270" imgH="270" progId="TCLayout.ActiveDocument.1">
+                <p:oleObj spid="_x0000_s59501" name="think-cell Slide" r:id="rId4" imgW="270" imgH="270" progId="TCLayout.ActiveDocument.1">
                   <p:embed/>
                 </p:oleObj>
               </mc:Choice>
@@ -17648,7 +17771,7 @@
           <a:graphicData uri="http://schemas.openxmlformats.org/presentationml/2006/ole">
             <mc:AlternateContent xmlns:mc="http://schemas.openxmlformats.org/markup-compatibility/2006">
               <mc:Choice xmlns:v="urn:schemas-microsoft-com:vml" Requires="v">
-                <p:oleObj spid="_x0000_s23662" name="think-cell Slide" r:id="rId6" imgW="270" imgH="270" progId="TCLayout.ActiveDocument.1">
+                <p:oleObj spid="_x0000_s23666" name="think-cell Slide" r:id="rId6" imgW="270" imgH="270" progId="TCLayout.ActiveDocument.1">
                   <p:embed/>
                 </p:oleObj>
               </mc:Choice>
@@ -17955,7 +18078,7 @@
           <p:nvPr>
             <p:extLst>
               <p:ext uri="{D42A27DB-BD31-4B8C-83A1-F6EECF244321}">
-                <p14:modId xmlns:p14="http://schemas.microsoft.com/office/powerpoint/2010/main" val="3121676279"/>
+                <p14:modId xmlns:p14="http://schemas.microsoft.com/office/powerpoint/2010/main" val="377125428"/>
               </p:ext>
             </p:extLst>
           </p:nvPr>
@@ -18105,12 +18228,10 @@
           <a:gradFill flip="none" rotWithShape="1">
             <a:gsLst>
               <a:gs pos="0">
-                <a:schemeClr val="accent6">
-                  <a:lumMod val="75000"/>
-                </a:schemeClr>
+                <a:srgbClr val="009DD9"/>
               </a:gs>
               <a:gs pos="100000">
-                <a:schemeClr val="accent5"/>
+                <a:srgbClr val="95CBF4"/>
               </a:gs>
             </a:gsLst>
             <a:lin ang="0" scaled="1"/>
@@ -18321,7 +18442,12 @@
             <p:ph type="title"/>
           </p:nvPr>
         </p:nvSpPr>
-        <p:spPr/>
+        <p:spPr>
+          <a:xfrm>
+            <a:off x="519111" y="228601"/>
+            <a:ext cx="11149014" cy="1994392"/>
+          </a:xfrm>
+        </p:spPr>
         <p:txBody>
           <a:bodyPr/>
           <a:lstStyle/>
@@ -18331,7 +18457,7 @@
               <a:t>Custom Modes: </a:t>
             </a:r>
             <a:r>
-              <a:rPr lang="en-US" sz="4800" i="1" dirty="0">
+              <a:rPr lang="en-US" sz="4000" i="1" dirty="0">
                 <a:latin typeface="Verdana"/>
                 <a:ea typeface="Calibri"/>
                 <a:cs typeface="Times New Roman"/>
@@ -18339,12 +18465,20 @@
               <a:t>Views\Shared\_</a:t>
             </a:r>
             <a:r>
-              <a:rPr lang="en-US" sz="4800" i="1" dirty="0" err="1">
+              <a:rPr lang="en-US" sz="4000" i="1" dirty="0" err="1" smtClean="0">
                 <a:latin typeface="Verdana"/>
                 <a:ea typeface="Calibri"/>
                 <a:cs typeface="Times New Roman"/>
               </a:rPr>
-              <a:t>Layout.iPhone.cshtml</a:t>
+              <a:t>Layout.WinPhone.csh</a:t>
+            </a:r>
+            <a:r>
+              <a:rPr lang="en-US" sz="4400" i="1" dirty="0" err="1" smtClean="0">
+                <a:latin typeface="Verdana"/>
+                <a:ea typeface="Calibri"/>
+                <a:cs typeface="Times New Roman"/>
+              </a:rPr>
+              <a:t>tml</a:t>
             </a:r>
             <a:r>
               <a:rPr lang="en-US" dirty="0"/>
@@ -18367,7 +18501,12 @@
             <p:ph type="body" sz="quarter" idx="10"/>
           </p:nvPr>
         </p:nvSpPr>
-        <p:spPr/>
+        <p:spPr>
+          <a:xfrm>
+            <a:off x="519114" y="1905000"/>
+            <a:ext cx="11149012" cy="2967992"/>
+          </a:xfrm>
+        </p:spPr>
         <p:txBody>
           <a:bodyPr/>
           <a:lstStyle/>
@@ -18440,7 +18579,7 @@
               <a:t>(“</a:t>
             </a:r>
             <a:r>
-              <a:rPr lang="en-US" sz="2800" b="1" dirty="0" smtClean="0">
+              <a:rPr lang="en-US" sz="2800" b="1" dirty="0" err="1" smtClean="0">
                 <a:solidFill>
                   <a:srgbClr val="000080"/>
                 </a:solidFill>
@@ -18448,7 +18587,7 @@
                 <a:ea typeface="Calibri"/>
                 <a:cs typeface="Times New Roman"/>
               </a:rPr>
-              <a:t>iPhone</a:t>
+              <a:t>WinPhone</a:t>
             </a:r>
             <a:r>
               <a:rPr lang="en-US" sz="2800" dirty="0" smtClean="0">
@@ -18650,7 +18789,7 @@
                 <a:ea typeface="Calibri"/>
                 <a:cs typeface="Times New Roman"/>
               </a:rPr>
-              <a:t>iPhone</a:t>
+              <a:t>Windows Phone OS</a:t>
             </a:r>
             <a:r>
               <a:rPr lang="en-US" sz="2800" dirty="0" smtClean="0">
@@ -18719,6 +18858,386 @@
 </file>
 
 <file path=ppt/slides/slide8.xml><?xml version="1.0" encoding="utf-8"?>
+<p:sld xmlns:a="http://schemas.openxmlformats.org/drawingml/2006/main" xmlns:r="http://schemas.openxmlformats.org/officeDocument/2006/relationships" xmlns:p="http://schemas.openxmlformats.org/presentationml/2006/main">
+  <p:cSld>
+    <p:spTree>
+      <p:nvGrpSpPr>
+        <p:cNvPr id="1" name=""/>
+        <p:cNvGrpSpPr/>
+        <p:nvPr/>
+      </p:nvGrpSpPr>
+      <p:grpSpPr>
+        <a:xfrm>
+          <a:off x="0" y="0"/>
+          <a:ext cx="0" cy="0"/>
+          <a:chOff x="0" y="0"/>
+          <a:chExt cx="0" cy="0"/>
+        </a:xfrm>
+      </p:grpSpPr>
+      <p:pic>
+        <p:nvPicPr>
+          <p:cNvPr id="3" name="Picture 2"/>
+          <p:cNvPicPr>
+            <a:picLocks noChangeAspect="1"/>
+          </p:cNvPicPr>
+          <p:nvPr/>
+        </p:nvPicPr>
+        <p:blipFill>
+          <a:blip r:embed="rId3">
+            <a:extLst>
+              <a:ext uri="{28A0092B-C50C-407E-A947-70E740481C1C}">
+                <a14:useLocalDpi xmlns:a14="http://schemas.microsoft.com/office/drawing/2010/main" val="0"/>
+              </a:ext>
+            </a:extLst>
+          </a:blip>
+          <a:stretch>
+            <a:fillRect/>
+          </a:stretch>
+        </p:blipFill>
+        <p:spPr>
+          <a:xfrm>
+            <a:off x="8612232" y="808892"/>
+            <a:ext cx="2955612" cy="5332566"/>
+          </a:xfrm>
+          <a:prstGeom prst="rect">
+            <a:avLst/>
+          </a:prstGeom>
+        </p:spPr>
+      </p:pic>
+      <p:pic>
+        <p:nvPicPr>
+          <p:cNvPr id="7" name="Picture 6"/>
+          <p:cNvPicPr>
+            <a:picLocks noChangeAspect="1"/>
+          </p:cNvPicPr>
+          <p:nvPr/>
+        </p:nvPicPr>
+        <p:blipFill>
+          <a:blip r:embed="rId4">
+            <a:extLst>
+              <a:ext uri="{28A0092B-C50C-407E-A947-70E740481C1C}">
+                <a14:useLocalDpi xmlns:a14="http://schemas.microsoft.com/office/drawing/2010/main" val="0"/>
+              </a:ext>
+            </a:extLst>
+          </a:blip>
+          <a:stretch>
+            <a:fillRect/>
+          </a:stretch>
+        </p:blipFill>
+        <p:spPr>
+          <a:xfrm>
+            <a:off x="5086434" y="808892"/>
+            <a:ext cx="2990994" cy="5332566"/>
+          </a:xfrm>
+          <a:prstGeom prst="rect">
+            <a:avLst/>
+          </a:prstGeom>
+        </p:spPr>
+      </p:pic>
+      <p:sp>
+        <p:nvSpPr>
+          <p:cNvPr id="9" name="Content Placeholder 5"/>
+          <p:cNvSpPr txBox="1">
+            <a:spLocks/>
+          </p:cNvSpPr>
+          <p:nvPr>
+            <p:custDataLst>
+              <p:tags r:id="rId1"/>
+            </p:custDataLst>
+          </p:nvPr>
+        </p:nvSpPr>
+        <p:spPr>
+          <a:xfrm>
+            <a:off x="336772" y="808891"/>
+            <a:ext cx="4575197" cy="4161693"/>
+          </a:xfrm>
+          <a:prstGeom prst="rect">
+            <a:avLst/>
+          </a:prstGeom>
+        </p:spPr>
+        <p:txBody>
+          <a:bodyPr/>
+          <a:lstStyle>
+            <a:lvl1pPr marL="460375" indent="-460375" algn="l" defTabSz="914363" rtl="0" eaLnBrk="1" latinLnBrk="0" hangingPunct="1">
+              <a:lnSpc>
+                <a:spcPct val="90000"/>
+              </a:lnSpc>
+              <a:spcBef>
+                <a:spcPct val="20000"/>
+              </a:spcBef>
+              <a:buSzPct val="80000"/>
+              <a:buFont typeface="Arial" pitchFamily="34" charset="0"/>
+              <a:buChar char="•"/>
+              <a:defRPr sz="3200" kern="1200">
+                <a:gradFill>
+                  <a:gsLst>
+                    <a:gs pos="0">
+                      <a:srgbClr val="595959"/>
+                    </a:gs>
+                    <a:gs pos="86000">
+                      <a:srgbClr val="595959"/>
+                    </a:gs>
+                  </a:gsLst>
+                  <a:lin ang="5400000" scaled="0"/>
+                </a:gradFill>
+                <a:latin typeface="+mn-lt"/>
+                <a:ea typeface="+mn-ea"/>
+                <a:cs typeface="+mn-cs"/>
+              </a:defRPr>
+            </a:lvl1pPr>
+            <a:lvl2pPr marL="855663" indent="-395288" algn="l" defTabSz="914363" rtl="0" eaLnBrk="1" latinLnBrk="0" hangingPunct="1">
+              <a:lnSpc>
+                <a:spcPct val="90000"/>
+              </a:lnSpc>
+              <a:spcBef>
+                <a:spcPct val="20000"/>
+              </a:spcBef>
+              <a:buSzPct val="80000"/>
+              <a:buFont typeface="Arial" pitchFamily="34" charset="0"/>
+              <a:buChar char="•"/>
+              <a:defRPr sz="2800" kern="1200">
+                <a:gradFill>
+                  <a:gsLst>
+                    <a:gs pos="0">
+                      <a:srgbClr val="595959"/>
+                    </a:gs>
+                    <a:gs pos="86000">
+                      <a:srgbClr val="595959"/>
+                    </a:gs>
+                  </a:gsLst>
+                  <a:lin ang="5400000" scaled="0"/>
+                </a:gradFill>
+                <a:latin typeface="+mn-lt"/>
+                <a:ea typeface="+mn-ea"/>
+                <a:cs typeface="+mn-cs"/>
+              </a:defRPr>
+            </a:lvl2pPr>
+            <a:lvl3pPr marL="1258888" indent="-403225" algn="l" defTabSz="914363" rtl="0" eaLnBrk="1" latinLnBrk="0" hangingPunct="1">
+              <a:lnSpc>
+                <a:spcPct val="90000"/>
+              </a:lnSpc>
+              <a:spcBef>
+                <a:spcPct val="20000"/>
+              </a:spcBef>
+              <a:buSzPct val="80000"/>
+              <a:buFont typeface="Arial" pitchFamily="34" charset="0"/>
+              <a:buChar char="•"/>
+              <a:defRPr sz="2400" kern="1200">
+                <a:gradFill>
+                  <a:gsLst>
+                    <a:gs pos="0">
+                      <a:srgbClr val="595959"/>
+                    </a:gs>
+                    <a:gs pos="86000">
+                      <a:srgbClr val="595959"/>
+                    </a:gs>
+                  </a:gsLst>
+                  <a:lin ang="5400000" scaled="0"/>
+                </a:gradFill>
+                <a:latin typeface="+mn-lt"/>
+                <a:ea typeface="+mn-ea"/>
+                <a:cs typeface="+mn-cs"/>
+              </a:defRPr>
+            </a:lvl3pPr>
+            <a:lvl4pPr marL="1604963" indent="-346075" algn="l" defTabSz="914363" rtl="0" eaLnBrk="1" latinLnBrk="0" hangingPunct="1">
+              <a:lnSpc>
+                <a:spcPct val="90000"/>
+              </a:lnSpc>
+              <a:spcBef>
+                <a:spcPct val="20000"/>
+              </a:spcBef>
+              <a:buSzPct val="80000"/>
+              <a:buFont typeface="Arial" pitchFamily="34" charset="0"/>
+              <a:buChar char="•"/>
+              <a:defRPr sz="2000" kern="1200">
+                <a:gradFill>
+                  <a:gsLst>
+                    <a:gs pos="0">
+                      <a:srgbClr val="595959"/>
+                    </a:gs>
+                    <a:gs pos="86000">
+                      <a:srgbClr val="595959"/>
+                    </a:gs>
+                  </a:gsLst>
+                  <a:lin ang="5400000" scaled="0"/>
+                </a:gradFill>
+                <a:latin typeface="+mn-lt"/>
+                <a:ea typeface="+mn-ea"/>
+                <a:cs typeface="+mn-cs"/>
+              </a:defRPr>
+            </a:lvl4pPr>
+            <a:lvl5pPr marL="1941513" indent="-336550" algn="l" defTabSz="914363" rtl="0" eaLnBrk="1" latinLnBrk="0" hangingPunct="1">
+              <a:lnSpc>
+                <a:spcPct val="90000"/>
+              </a:lnSpc>
+              <a:spcBef>
+                <a:spcPct val="20000"/>
+              </a:spcBef>
+              <a:buSzPct val="80000"/>
+              <a:buFont typeface="Arial" pitchFamily="34" charset="0"/>
+              <a:buChar char="•"/>
+              <a:defRPr sz="2000" kern="1200">
+                <a:gradFill>
+                  <a:gsLst>
+                    <a:gs pos="0">
+                      <a:srgbClr val="595959"/>
+                    </a:gs>
+                    <a:gs pos="86000">
+                      <a:srgbClr val="595959"/>
+                    </a:gs>
+                  </a:gsLst>
+                  <a:lin ang="5400000" scaled="0"/>
+                </a:gradFill>
+                <a:latin typeface="+mn-lt"/>
+                <a:ea typeface="+mn-ea"/>
+                <a:cs typeface="+mn-cs"/>
+              </a:defRPr>
+            </a:lvl5pPr>
+            <a:lvl6pPr marL="2514499" indent="-228591" algn="l" defTabSz="914363" rtl="0" eaLnBrk="1" latinLnBrk="0" hangingPunct="1">
+              <a:spcBef>
+                <a:spcPct val="20000"/>
+              </a:spcBef>
+              <a:buFont typeface="Arial" pitchFamily="34" charset="0"/>
+              <a:buChar char="•"/>
+              <a:defRPr sz="2000" kern="1200">
+                <a:solidFill>
+                  <a:schemeClr val="tx1"/>
+                </a:solidFill>
+                <a:latin typeface="+mn-lt"/>
+                <a:ea typeface="+mn-ea"/>
+                <a:cs typeface="+mn-cs"/>
+              </a:defRPr>
+            </a:lvl6pPr>
+            <a:lvl7pPr marL="2971681" indent="-228591" algn="l" defTabSz="914363" rtl="0" eaLnBrk="1" latinLnBrk="0" hangingPunct="1">
+              <a:spcBef>
+                <a:spcPct val="20000"/>
+              </a:spcBef>
+              <a:buFont typeface="Arial" pitchFamily="34" charset="0"/>
+              <a:buChar char="•"/>
+              <a:defRPr sz="2000" kern="1200">
+                <a:solidFill>
+                  <a:schemeClr val="tx1"/>
+                </a:solidFill>
+                <a:latin typeface="+mn-lt"/>
+                <a:ea typeface="+mn-ea"/>
+                <a:cs typeface="+mn-cs"/>
+              </a:defRPr>
+            </a:lvl7pPr>
+            <a:lvl8pPr marL="3428863" indent="-228591" algn="l" defTabSz="914363" rtl="0" eaLnBrk="1" latinLnBrk="0" hangingPunct="1">
+              <a:spcBef>
+                <a:spcPct val="20000"/>
+              </a:spcBef>
+              <a:buFont typeface="Arial" pitchFamily="34" charset="0"/>
+              <a:buChar char="•"/>
+              <a:defRPr sz="2000" kern="1200">
+                <a:solidFill>
+                  <a:schemeClr val="tx1"/>
+                </a:solidFill>
+                <a:latin typeface="+mn-lt"/>
+                <a:ea typeface="+mn-ea"/>
+                <a:cs typeface="+mn-cs"/>
+              </a:defRPr>
+            </a:lvl8pPr>
+            <a:lvl9pPr marL="3886045" indent="-228591" algn="l" defTabSz="914363" rtl="0" eaLnBrk="1" latinLnBrk="0" hangingPunct="1">
+              <a:spcBef>
+                <a:spcPct val="20000"/>
+              </a:spcBef>
+              <a:buFont typeface="Arial" pitchFamily="34" charset="0"/>
+              <a:buChar char="•"/>
+              <a:defRPr sz="2000" kern="1200">
+                <a:solidFill>
+                  <a:schemeClr val="tx1"/>
+                </a:solidFill>
+                <a:latin typeface="+mn-lt"/>
+                <a:ea typeface="+mn-ea"/>
+                <a:cs typeface="+mn-cs"/>
+              </a:defRPr>
+            </a:lvl9pPr>
+          </a:lstStyle>
+          <a:p>
+            <a:pPr marL="0" indent="0">
+              <a:buNone/>
+            </a:pPr>
+            <a:r>
+              <a:rPr lang="en-US" dirty="0" smtClean="0"/>
+              <a:t>Windows Phone Display</a:t>
+            </a:r>
+          </a:p>
+          <a:p>
+            <a:pPr marL="0" indent="0">
+              <a:buNone/>
+            </a:pPr>
+            <a:r>
+              <a:rPr lang="en-US" dirty="0" smtClean="0"/>
+              <a:t>Mode Example</a:t>
+            </a:r>
+          </a:p>
+          <a:p>
+            <a:pPr marL="0" indent="0">
+              <a:buNone/>
+            </a:pPr>
+            <a:endParaRPr lang="en-US" dirty="0"/>
+          </a:p>
+          <a:p>
+            <a:pPr marL="0" indent="0">
+              <a:buNone/>
+            </a:pPr>
+            <a:r>
+              <a:rPr lang="en-US" dirty="0" smtClean="0"/>
+              <a:t>Same URL</a:t>
+            </a:r>
+          </a:p>
+          <a:p>
+            <a:pPr marL="0" indent="0">
+              <a:buNone/>
+            </a:pPr>
+            <a:r>
+              <a:rPr lang="en-US" dirty="0" smtClean="0"/>
+              <a:t>Different view</a:t>
+            </a:r>
+          </a:p>
+          <a:p>
+            <a:pPr marL="0" indent="0">
+              <a:buNone/>
+            </a:pPr>
+            <a:r>
+              <a:rPr lang="en-US" dirty="0" smtClean="0"/>
+              <a:t>Based on custom view </a:t>
+            </a:r>
+          </a:p>
+          <a:p>
+            <a:pPr marL="0" indent="0">
+              <a:buNone/>
+            </a:pPr>
+            <a:r>
+              <a:rPr lang="en-US" dirty="0"/>
+              <a:t>	</a:t>
+            </a:r>
+            <a:r>
+              <a:rPr lang="en-US" dirty="0" smtClean="0"/>
+              <a:t>mode criteria</a:t>
+            </a:r>
+            <a:endParaRPr lang="en-US" dirty="0"/>
+          </a:p>
+        </p:txBody>
+      </p:sp>
+    </p:spTree>
+    <p:extLst>
+      <p:ext uri="{BB962C8B-B14F-4D97-AF65-F5344CB8AC3E}">
+        <p14:creationId xmlns:p14="http://schemas.microsoft.com/office/powerpoint/2010/main" val="2043843635"/>
+      </p:ext>
+    </p:extLst>
+  </p:cSld>
+  <p:clrMapOvr>
+    <a:masterClrMapping/>
+  </p:clrMapOvr>
+  <p:transition>
+    <p:fade/>
+  </p:transition>
+</p:sld>
+</file>
+
+<file path=ppt/slides/slide9.xml><?xml version="1.0" encoding="utf-8"?>
 <p:sld xmlns:a="http://schemas.openxmlformats.org/drawingml/2006/main" xmlns:r="http://schemas.openxmlformats.org/officeDocument/2006/relationships" xmlns:p="http://schemas.openxmlformats.org/presentationml/2006/main">
   <p:cSld>
     <p:spTree>
@@ -18820,96 +19339,6 @@
 </p:sld>
 </file>
 
-<file path=ppt/slides/slide9.xml><?xml version="1.0" encoding="utf-8"?>
-<p:sld xmlns:a="http://schemas.openxmlformats.org/drawingml/2006/main" xmlns:r="http://schemas.openxmlformats.org/officeDocument/2006/relationships" xmlns:p="http://schemas.openxmlformats.org/presentationml/2006/main">
-  <p:cSld>
-    <p:spTree>
-      <p:nvGrpSpPr>
-        <p:cNvPr id="1" name=""/>
-        <p:cNvGrpSpPr/>
-        <p:nvPr/>
-      </p:nvGrpSpPr>
-      <p:grpSpPr>
-        <a:xfrm>
-          <a:off x="0" y="0"/>
-          <a:ext cx="0" cy="0"/>
-          <a:chOff x="0" y="0"/>
-          <a:chExt cx="0" cy="0"/>
-        </a:xfrm>
-      </p:grpSpPr>
-      <p:sp>
-        <p:nvSpPr>
-          <p:cNvPr id="2" name="Title 1"/>
-          <p:cNvSpPr>
-            <a:spLocks noGrp="1"/>
-          </p:cNvSpPr>
-          <p:nvPr>
-            <p:ph type="title"/>
-          </p:nvPr>
-        </p:nvSpPr>
-        <p:spPr/>
-        <p:txBody>
-          <a:bodyPr/>
-          <a:lstStyle/>
-          <a:p>
-            <a:r>
-              <a:rPr lang="en-US" dirty="0" smtClean="0"/>
-              <a:t>Resources</a:t>
-            </a:r>
-            <a:endParaRPr lang="en-US" dirty="0"/>
-          </a:p>
-        </p:txBody>
-      </p:sp>
-      <p:sp>
-        <p:nvSpPr>
-          <p:cNvPr id="3" name="Text Placeholder 2"/>
-          <p:cNvSpPr>
-            <a:spLocks noGrp="1"/>
-          </p:cNvSpPr>
-          <p:nvPr>
-            <p:ph type="body" sz="quarter" idx="10"/>
-          </p:nvPr>
-        </p:nvSpPr>
-        <p:spPr>
-          <a:xfrm>
-            <a:off x="519112" y="1447799"/>
-            <a:ext cx="11149013" cy="1107996"/>
-          </a:xfrm>
-        </p:spPr>
-        <p:txBody>
-          <a:bodyPr/>
-          <a:lstStyle/>
-          <a:p>
-            <a:r>
-              <a:rPr lang="en-US" dirty="0"/>
-              <a:t>http://www.asp.net/mvc/tutorials/mvc-4/aspnet-mvc-4-mobile-features</a:t>
-            </a:r>
-          </a:p>
-        </p:txBody>
-      </p:sp>
-    </p:spTree>
-    <p:extLst>
-      <p:ext uri="{BB962C8B-B14F-4D97-AF65-F5344CB8AC3E}">
-        <p14:creationId xmlns:p14="http://schemas.microsoft.com/office/powerpoint/2010/main" val="63434339"/>
-      </p:ext>
-    </p:extLst>
-  </p:cSld>
-  <p:clrMapOvr>
-    <a:masterClrMapping/>
-  </p:clrMapOvr>
-  <p:transition>
-    <p:fade/>
-  </p:transition>
-  <p:timing>
-    <p:tnLst>
-      <p:par>
-        <p:cTn id="1" dur="indefinite" restart="never" nodeType="tmRoot"/>
-      </p:par>
-    </p:tnLst>
-  </p:timing>
-</p:sld>
-</file>
-
 <file path=ppt/tags/tag1.xml><?xml version="1.0" encoding="utf-8"?>
 <p:tagLst xmlns:a="http://schemas.openxmlformats.org/drawingml/2006/main" xmlns:r="http://schemas.openxmlformats.org/officeDocument/2006/relationships" xmlns:p="http://schemas.openxmlformats.org/presentationml/2006/main">
   <p:tag name="THINKCELLUNDODONOTDELETE" val="26"/>
@@ -18941,6 +19370,12 @@
 </file>
 
 <file path=ppt/tags/tag6.xml><?xml version="1.0" encoding="utf-8"?>
+<p:tagLst xmlns:a="http://schemas.openxmlformats.org/drawingml/2006/main" xmlns:r="http://schemas.openxmlformats.org/officeDocument/2006/relationships" xmlns:p="http://schemas.openxmlformats.org/presentationml/2006/main">
+  <p:tag name="THINKCELLSHAPEDONOTDELETE" val="p6nKz.PWryUeu7CaDkJE7hw"/>
+</p:tagLst>
+</file>
+
+<file path=ppt/tags/tag7.xml><?xml version="1.0" encoding="utf-8"?>
 <p:tagLst xmlns:a="http://schemas.openxmlformats.org/drawingml/2006/main" xmlns:r="http://schemas.openxmlformats.org/officeDocument/2006/relationships" xmlns:p="http://schemas.openxmlformats.org/presentationml/2006/main">
   <p:tag name="THINKCELLSHAPEDONOTDELETE" val="thinkcellActiveDocDoNotDelete"/>
 </p:tagLst>
@@ -20326,15 +20761,15 @@
 <file path=customXml/itemProps1.xml><?xml version="1.0" encoding="utf-8"?>
 <ds:datastoreItem xmlns:ds="http://schemas.openxmlformats.org/officeDocument/2006/customXml" ds:itemID="{69B2F97D-0457-4986-9734-D03EB073C5EA}">
   <ds:schemaRefs>
+    <ds:schemaRef ds:uri="http://schemas.microsoft.com/office/2006/documentManagement/types"/>
+    <ds:schemaRef ds:uri="http://purl.org/dc/terms/"/>
+    <ds:schemaRef ds:uri="http://purl.org/dc/dcmitype/"/>
+    <ds:schemaRef ds:uri="http://schemas.openxmlformats.org/package/2006/metadata/core-properties"/>
+    <ds:schemaRef ds:uri="http://purl.org/dc/elements/1.1/"/>
     <ds:schemaRef ds:uri="http://schemas.microsoft.com/office/infopath/2007/PartnerControls"/>
-    <ds:schemaRef ds:uri="http://purl.org/dc/terms/"/>
-    <ds:schemaRef ds:uri="http://schemas.microsoft.com/office/2006/documentManagement/types"/>
-    <ds:schemaRef ds:uri="http://purl.org/dc/elements/1.1/"/>
-    <ds:schemaRef ds:uri="http://schemas.openxmlformats.org/package/2006/metadata/core-properties"/>
     <ds:schemaRef ds:uri="230e9df3-be65-4c73-a93b-d1236ebd677e"/>
     <ds:schemaRef ds:uri="http://schemas.microsoft.com/office/2006/metadata/properties"/>
     <ds:schemaRef ds:uri="http://www.w3.org/XML/1998/namespace"/>
-    <ds:schemaRef ds:uri="http://purl.org/dc/dcmitype/"/>
   </ds:schemaRefs>
 </ds:datastoreItem>
 </file>

--- a/BuildingForTheMobileWeb.pptx
+++ b/BuildingForTheMobileWeb.pptx
@@ -1277,240 +1277,6 @@
       <dsp:cNvGrpSpPr/>
     </dsp:nvGrpSpPr>
     <dsp:grpSpPr/>
-    <dsp:sp modelId="{FCDB03F9-54DE-42A5-A2D1-A9693C422DE3}">
-      <dsp:nvSpPr>
-        <dsp:cNvPr id="0" name=""/>
-        <dsp:cNvSpPr/>
-      </dsp:nvSpPr>
-      <dsp:spPr>
-        <a:xfrm>
-          <a:off x="2380" y="698033"/>
-          <a:ext cx="2900400" cy="1160160"/>
-        </a:xfrm>
-        <a:prstGeom prst="chevron">
-          <a:avLst/>
-        </a:prstGeom>
-        <a:solidFill>
-          <a:schemeClr val="accent2">
-            <a:shade val="80000"/>
-            <a:hueOff val="0"/>
-            <a:satOff val="0"/>
-            <a:lumOff val="0"/>
-            <a:alphaOff val="0"/>
-          </a:schemeClr>
-        </a:solidFill>
-        <a:ln w="25400" cap="flat" cmpd="sng" algn="ctr">
-          <a:solidFill>
-            <a:schemeClr val="lt1">
-              <a:hueOff val="0"/>
-              <a:satOff val="0"/>
-              <a:lumOff val="0"/>
-              <a:alphaOff val="0"/>
-            </a:schemeClr>
-          </a:solidFill>
-          <a:prstDash val="solid"/>
-        </a:ln>
-        <a:effectLst/>
-      </dsp:spPr>
-      <dsp:style>
-        <a:lnRef idx="2">
-          <a:scrgbClr r="0" g="0" b="0"/>
-        </a:lnRef>
-        <a:fillRef idx="1">
-          <a:scrgbClr r="0" g="0" b="0"/>
-        </a:fillRef>
-        <a:effectRef idx="0">
-          <a:scrgbClr r="0" g="0" b="0"/>
-        </a:effectRef>
-        <a:fontRef idx="minor">
-          <a:schemeClr val="lt1"/>
-        </a:fontRef>
-      </dsp:style>
-      <dsp:txBody>
-        <a:bodyPr spcFirstLastPara="0" vert="horz" wrap="square" lIns="108014" tIns="36005" rIns="36005" bIns="36005" numCol="1" spcCol="1270" anchor="ctr" anchorCtr="0">
-          <a:noAutofit/>
-        </a:bodyPr>
-        <a:lstStyle/>
-        <a:p>
-          <a:pPr lvl="0" algn="ctr" defTabSz="1200150">
-            <a:lnSpc>
-              <a:spcPct val="90000"/>
-            </a:lnSpc>
-            <a:spcBef>
-              <a:spcPct val="0"/>
-            </a:spcBef>
-            <a:spcAft>
-              <a:spcPct val="35000"/>
-            </a:spcAft>
-          </a:pPr>
-          <a:r>
-            <a:rPr lang="en-US" sz="2700" kern="1200" dirty="0" smtClean="0"/>
-            <a:t>Adaptive Rendering</a:t>
-          </a:r>
-          <a:endParaRPr lang="en-US" sz="2700" kern="1200" dirty="0"/>
-        </a:p>
-      </dsp:txBody>
-      <dsp:txXfrm>
-        <a:off x="582460" y="698033"/>
-        <a:ext cx="1740240" cy="1160160"/>
-      </dsp:txXfrm>
-    </dsp:sp>
-    <dsp:sp modelId="{79AF9C3F-782F-4B05-A97C-56A20D515260}">
-      <dsp:nvSpPr>
-        <dsp:cNvPr id="0" name=""/>
-        <dsp:cNvSpPr/>
-      </dsp:nvSpPr>
-      <dsp:spPr>
-        <a:xfrm>
-          <a:off x="2612741" y="698033"/>
-          <a:ext cx="2900400" cy="1160160"/>
-        </a:xfrm>
-        <a:prstGeom prst="chevron">
-          <a:avLst/>
-        </a:prstGeom>
-        <a:solidFill>
-          <a:schemeClr val="accent2">
-            <a:shade val="80000"/>
-            <a:hueOff val="285527"/>
-            <a:satOff val="-9433"/>
-            <a:lumOff val="17283"/>
-            <a:alphaOff val="0"/>
-          </a:schemeClr>
-        </a:solidFill>
-        <a:ln w="25400" cap="flat" cmpd="sng" algn="ctr">
-          <a:solidFill>
-            <a:schemeClr val="lt1">
-              <a:hueOff val="0"/>
-              <a:satOff val="0"/>
-              <a:lumOff val="0"/>
-              <a:alphaOff val="0"/>
-            </a:schemeClr>
-          </a:solidFill>
-          <a:prstDash val="solid"/>
-        </a:ln>
-        <a:effectLst/>
-      </dsp:spPr>
-      <dsp:style>
-        <a:lnRef idx="2">
-          <a:scrgbClr r="0" g="0" b="0"/>
-        </a:lnRef>
-        <a:fillRef idx="1">
-          <a:scrgbClr r="0" g="0" b="0"/>
-        </a:fillRef>
-        <a:effectRef idx="0">
-          <a:scrgbClr r="0" g="0" b="0"/>
-        </a:effectRef>
-        <a:fontRef idx="minor">
-          <a:schemeClr val="lt1"/>
-        </a:fontRef>
-      </dsp:style>
-      <dsp:txBody>
-        <a:bodyPr spcFirstLastPara="0" vert="horz" wrap="square" lIns="108014" tIns="36005" rIns="36005" bIns="36005" numCol="1" spcCol="1270" anchor="ctr" anchorCtr="0">
-          <a:noAutofit/>
-        </a:bodyPr>
-        <a:lstStyle/>
-        <a:p>
-          <a:pPr lvl="0" algn="ctr" defTabSz="1200150">
-            <a:lnSpc>
-              <a:spcPct val="90000"/>
-            </a:lnSpc>
-            <a:spcBef>
-              <a:spcPct val="0"/>
-            </a:spcBef>
-            <a:spcAft>
-              <a:spcPct val="35000"/>
-            </a:spcAft>
-          </a:pPr>
-          <a:r>
-            <a:rPr lang="en-US" sz="2700" kern="1200" dirty="0" smtClean="0"/>
-            <a:t>Display Modes</a:t>
-          </a:r>
-          <a:endParaRPr lang="en-US" sz="2700" kern="1200" dirty="0"/>
-        </a:p>
-      </dsp:txBody>
-      <dsp:txXfrm>
-        <a:off x="3192821" y="698033"/>
-        <a:ext cx="1740240" cy="1160160"/>
-      </dsp:txXfrm>
-    </dsp:sp>
-    <dsp:sp modelId="{6CEDF4AE-297F-47E1-A7FC-371F05976771}">
-      <dsp:nvSpPr>
-        <dsp:cNvPr id="0" name=""/>
-        <dsp:cNvSpPr/>
-      </dsp:nvSpPr>
-      <dsp:spPr>
-        <a:xfrm>
-          <a:off x="5223101" y="698033"/>
-          <a:ext cx="2900400" cy="1160160"/>
-        </a:xfrm>
-        <a:prstGeom prst="chevron">
-          <a:avLst/>
-        </a:prstGeom>
-        <a:solidFill>
-          <a:schemeClr val="accent2">
-            <a:shade val="80000"/>
-            <a:hueOff val="571054"/>
-            <a:satOff val="-18867"/>
-            <a:lumOff val="34566"/>
-            <a:alphaOff val="0"/>
-          </a:schemeClr>
-        </a:solidFill>
-        <a:ln w="25400" cap="flat" cmpd="sng" algn="ctr">
-          <a:solidFill>
-            <a:schemeClr val="lt1">
-              <a:hueOff val="0"/>
-              <a:satOff val="0"/>
-              <a:lumOff val="0"/>
-              <a:alphaOff val="0"/>
-            </a:schemeClr>
-          </a:solidFill>
-          <a:prstDash val="solid"/>
-        </a:ln>
-        <a:effectLst/>
-      </dsp:spPr>
-      <dsp:style>
-        <a:lnRef idx="2">
-          <a:scrgbClr r="0" g="0" b="0"/>
-        </a:lnRef>
-        <a:fillRef idx="1">
-          <a:scrgbClr r="0" g="0" b="0"/>
-        </a:fillRef>
-        <a:effectRef idx="0">
-          <a:scrgbClr r="0" g="0" b="0"/>
-        </a:effectRef>
-        <a:fontRef idx="minor">
-          <a:schemeClr val="lt1"/>
-        </a:fontRef>
-      </dsp:style>
-      <dsp:txBody>
-        <a:bodyPr spcFirstLastPara="0" vert="horz" wrap="square" lIns="108014" tIns="36005" rIns="36005" bIns="36005" numCol="1" spcCol="1270" anchor="ctr" anchorCtr="0">
-          <a:noAutofit/>
-        </a:bodyPr>
-        <a:lstStyle/>
-        <a:p>
-          <a:pPr lvl="0" algn="ctr" defTabSz="1200150">
-            <a:lnSpc>
-              <a:spcPct val="90000"/>
-            </a:lnSpc>
-            <a:spcBef>
-              <a:spcPct val="0"/>
-            </a:spcBef>
-            <a:spcAft>
-              <a:spcPct val="35000"/>
-            </a:spcAft>
-          </a:pPr>
-          <a:r>
-            <a:rPr lang="en-US" sz="2700" kern="1200" dirty="0" smtClean="0"/>
-            <a:t>Mobile Template</a:t>
-          </a:r>
-          <a:endParaRPr lang="en-US" sz="2700" kern="1200" dirty="0"/>
-        </a:p>
-      </dsp:txBody>
-      <dsp:txXfrm>
-        <a:off x="5803181" y="698033"/>
-        <a:ext cx="1740240" cy="1160160"/>
-      </dsp:txXfrm>
-    </dsp:sp>
   </dsp:spTree>
 </dsp:drawing>
 </file>
@@ -2924,7 +2690,7 @@
               <a:rPr lang="en-US" smtClean="0">
                 <a:latin typeface="Segoe UI" pitchFamily="34" charset="0"/>
               </a:rPr>
-              <a:t>12/14/2012</a:t>
+              <a:t>12/20/2012</a:t>
             </a:fld>
             <a:endParaRPr lang="en-US" dirty="0">
               <a:latin typeface="Segoe UI" pitchFamily="34" charset="0"/>
@@ -3106,7 +2872,7 @@
             <a:fld id="{CAE3F082-F902-42D8-A765-720E172C3194}" type="datetimeFigureOut">
               <a:rPr lang="en-US" smtClean="0"/>
               <a:pPr/>
-              <a:t>12/14/2012</a:t>
+              <a:t>12/20/2012</a:t>
             </a:fld>
             <a:endParaRPr lang="en-US" dirty="0"/>
           </a:p>
@@ -7925,40 +7691,6 @@
           <a:chExt cx="0" cy="0"/>
         </a:xfrm>
       </p:grpSpPr>
-      <p:pic>
-        <p:nvPicPr>
-          <p:cNvPr id="2" name="Picture 2"/>
-          <p:cNvPicPr>
-            <a:picLocks noChangeAspect="1" noChangeArrowheads="1"/>
-          </p:cNvPicPr>
-          <p:nvPr userDrawn="1"/>
-        </p:nvPicPr>
-        <p:blipFill>
-          <a:blip r:embed="rId3">
-            <a:extLst>
-              <a:ext uri="{28A0092B-C50C-407E-A947-70E740481C1C}">
-                <a14:useLocalDpi xmlns:a14="http://schemas.microsoft.com/office/drawing/2010/main" val="0"/>
-              </a:ext>
-            </a:extLst>
-          </a:blip>
-          <a:stretch>
-            <a:fillRect/>
-          </a:stretch>
-        </p:blipFill>
-        <p:spPr bwMode="black">
-          <a:xfrm>
-            <a:off x="4321174" y="3140274"/>
-            <a:ext cx="3546476" cy="577452"/>
-          </a:xfrm>
-          <a:prstGeom prst="rect">
-            <a:avLst/>
-          </a:prstGeom>
-          <a:noFill/>
-          <a:ln>
-            <a:noFill/>
-          </a:ln>
-        </p:spPr>
-      </p:pic>
       <p:sp>
         <p:nvSpPr>
           <p:cNvPr id="3" name="Text Box 3"/>
@@ -8072,6 +7804,36 @@
           </a:p>
         </p:txBody>
       </p:sp>
+      <p:pic>
+        <p:nvPicPr>
+          <p:cNvPr id="4" name="Picture 3"/>
+          <p:cNvPicPr>
+            <a:picLocks noChangeAspect="1"/>
+          </p:cNvPicPr>
+          <p:nvPr userDrawn="1"/>
+        </p:nvPicPr>
+        <p:blipFill>
+          <a:blip r:embed="rId3" cstate="print">
+            <a:extLst>
+              <a:ext uri="{28A0092B-C50C-407E-A947-70E740481C1C}">
+                <a14:useLocalDpi xmlns:a14="http://schemas.microsoft.com/office/drawing/2010/main" val="0"/>
+              </a:ext>
+            </a:extLst>
+          </a:blip>
+          <a:stretch>
+            <a:fillRect/>
+          </a:stretch>
+        </p:blipFill>
+        <p:spPr bwMode="invGray">
+          <a:xfrm>
+            <a:off x="4482902" y="3072036"/>
+            <a:ext cx="3223021" cy="690417"/>
+          </a:xfrm>
+          <a:prstGeom prst="rect">
+            <a:avLst/>
+          </a:prstGeom>
+        </p:spPr>
+      </p:pic>
     </p:spTree>
     <p:extLst>
       <p:ext uri="{BB962C8B-B14F-4D97-AF65-F5344CB8AC3E}">
@@ -15488,23 +15250,6 @@
                 </a:rPr>
               </a:br>
               <a:r>
-                <a:rPr lang="en-US" sz="2600" spc="-100" dirty="0" err="1">
-                  <a:gradFill>
-                    <a:gsLst>
-                      <a:gs pos="0">
-                        <a:srgbClr val="595959"/>
-                      </a:gs>
-                      <a:gs pos="86000">
-                        <a:srgbClr val="595959"/>
-                      </a:gs>
-                    </a:gsLst>
-                    <a:lin ang="5400000" scaled="0"/>
-                  </a:gradFill>
-                  <a:latin typeface="Segoe UI Light" pitchFamily="34" charset="0"/>
-                </a:rPr>
-                <a:t>Hashtag</a:t>
-              </a:r>
-              <a:r>
                 <a:rPr lang="en-US" sz="2600" spc="-100" dirty="0">
                   <a:gradFill>
                     <a:gsLst>
@@ -15519,7 +15264,7 @@
                   </a:gradFill>
                   <a:latin typeface="Segoe UI Light" pitchFamily="34" charset="0"/>
                 </a:rPr>
-                <a:t> </a:t>
+                <a:t>Hashtag </a:t>
               </a:r>
               <a:r>
                 <a:rPr lang="en-US" sz="2600" spc="-100" dirty="0" smtClean="0">
@@ -15539,7 +15284,7 @@
                 <a:t>#</a:t>
               </a:r>
               <a:r>
-                <a:rPr lang="en-US" sz="2600" spc="-100" smtClean="0">
+                <a:rPr lang="en-US" sz="2600" spc="-100" dirty="0" err="1" smtClean="0">
                   <a:gradFill>
                     <a:gsLst>
                       <a:gs pos="0">
@@ -15581,7 +15326,7 @@
                 <a:buSzPct val="80000"/>
               </a:pPr>
               <a:r>
-                <a:rPr lang="en-US" sz="2600" spc="-100" dirty="0">
+                <a:rPr lang="en-US" sz="2600" spc="-100" dirty="0" smtClean="0">
                   <a:gradFill>
                     <a:gsLst>
                       <a:gs pos="0">
@@ -15595,8 +15340,22 @@
                   </a:gradFill>
                   <a:latin typeface="Segoe UI Light" pitchFamily="34" charset="0"/>
                 </a:rPr>
-                <a:t>SPEAKER NAME/HANDLE HERE</a:t>
+                <a:t>[Speaker] / [Twitter]</a:t>
               </a:r>
+              <a:endParaRPr lang="en-US" sz="2600" spc="-100" dirty="0">
+                <a:gradFill>
+                  <a:gsLst>
+                    <a:gs pos="0">
+                      <a:srgbClr val="595959"/>
+                    </a:gs>
+                    <a:gs pos="86000">
+                      <a:srgbClr val="595959"/>
+                    </a:gs>
+                  </a:gsLst>
+                  <a:lin ang="5400000" scaled="0"/>
+                </a:gradFill>
+                <a:latin typeface="Segoe UI Light" pitchFamily="34" charset="0"/>
+              </a:endParaRPr>
             </a:p>
           </p:txBody>
         </p:sp>
@@ -17490,7 +17249,7 @@
           <a:graphicData uri="http://schemas.openxmlformats.org/presentationml/2006/ole">
             <mc:AlternateContent xmlns:mc="http://schemas.openxmlformats.org/markup-compatibility/2006">
               <mc:Choice xmlns:v="urn:schemas-microsoft-com:vml" Requires="v">
-                <p:oleObj spid="_x0000_s58481" name="think-cell Slide" r:id="rId4" imgW="270" imgH="270" progId="TCLayout.ActiveDocument.1">
+                <p:oleObj spid="_x0000_s58482" name="think-cell Slide" r:id="rId4" imgW="270" imgH="270" progId="TCLayout.ActiveDocument.1">
                   <p:embed/>
                 </p:oleObj>
               </mc:Choice>
@@ -17599,7 +17358,7 @@
           <a:graphicData uri="http://schemas.openxmlformats.org/presentationml/2006/ole">
             <mc:AlternateContent xmlns:mc="http://schemas.openxmlformats.org/markup-compatibility/2006">
               <mc:Choice xmlns:v="urn:schemas-microsoft-com:vml" Requires="v">
-                <p:oleObj spid="_x0000_s59501" name="think-cell Slide" r:id="rId4" imgW="270" imgH="270" progId="TCLayout.ActiveDocument.1">
+                <p:oleObj spid="_x0000_s59502" name="think-cell Slide" r:id="rId4" imgW="270" imgH="270" progId="TCLayout.ActiveDocument.1">
                   <p:embed/>
                 </p:oleObj>
               </mc:Choice>
@@ -17672,26 +17431,25 @@
             <p:ph type="body" sz="quarter" idx="11"/>
           </p:nvPr>
         </p:nvSpPr>
-        <p:spPr/>
+        <p:spPr>
+          <a:xfrm>
+            <a:off x="519113" y="5359101"/>
+            <a:ext cx="5454333" cy="738664"/>
+          </a:xfrm>
+        </p:spPr>
         <p:txBody>
           <a:bodyPr/>
           <a:lstStyle/>
           <a:p>
             <a:r>
-              <a:rPr lang="en-US" smtClean="0"/>
-              <a:t>Name</a:t>
+              <a:rPr lang="en-US" dirty="0" smtClean="0"/>
+              <a:t>[Speaker]</a:t>
             </a:r>
           </a:p>
           <a:p>
             <a:r>
-              <a:rPr lang="en-US" smtClean="0"/>
-              <a:t>Title</a:t>
-            </a:r>
-          </a:p>
-          <a:p>
-            <a:r>
-              <a:rPr lang="en-US" smtClean="0"/>
-              <a:t>Microsoft Corporation</a:t>
+              <a:rPr lang="en-US" dirty="0" smtClean="0"/>
+              <a:t>[Company]</a:t>
             </a:r>
             <a:endParaRPr lang="en-US" dirty="0"/>
           </a:p>
@@ -17771,7 +17529,7 @@
           <a:graphicData uri="http://schemas.openxmlformats.org/presentationml/2006/ole">
             <mc:AlternateContent xmlns:mc="http://schemas.openxmlformats.org/markup-compatibility/2006">
               <mc:Choice xmlns:v="urn:schemas-microsoft-com:vml" Requires="v">
-                <p:oleObj spid="_x0000_s23666" name="think-cell Slide" r:id="rId6" imgW="270" imgH="270" progId="TCLayout.ActiveDocument.1">
+                <p:oleObj spid="_x0000_s23667" name="think-cell Slide" r:id="rId6" imgW="270" imgH="270" progId="TCLayout.ActiveDocument.1">
                   <p:embed/>
                 </p:oleObj>
               </mc:Choice>
@@ -20587,17 +20345,6 @@
 </file>
 
 <file path=customXml/item1.xml><?xml version="1.0" encoding="utf-8"?>
-<p:properties xmlns:p="http://schemas.microsoft.com/office/2006/metadata/properties" xmlns:xsi="http://www.w3.org/2001/XMLSchema-instance" xmlns:pc="http://schemas.microsoft.com/office/infopath/2007/PartnerControls">
-  <documentManagement>
-    <TaxKeywordTaxHTField xmlns="230e9df3-be65-4c73-a93b-d1236ebd677e">
-      <Terms xmlns="http://schemas.microsoft.com/office/infopath/2007/PartnerControls"/>
-    </TaxKeywordTaxHTField>
-    <TaxCatchAll xmlns="230e9df3-be65-4c73-a93b-d1236ebd677e"/>
-  </documentManagement>
-</p:properties>
-</file>
-
-<file path=customXml/item2.xml><?xml version="1.0" encoding="utf-8"?>
 <ct:contentTypeSchema xmlns:ct="http://schemas.microsoft.com/office/2006/metadata/contentType" xmlns:ma="http://schemas.microsoft.com/office/2006/metadata/properties/metaAttributes" ct:_="" ma:_="" ma:contentTypeName="Document" ma:contentTypeID="0x010100CA05B43BE68FE54B90DD26FDFB72BB05" ma:contentTypeVersion="0" ma:contentTypeDescription="Create a new document." ma:contentTypeScope="" ma:versionID="6df1bece345c1749bd9b91e82fa4a03a">
   <xsd:schema xmlns:xsd="http://www.w3.org/2001/XMLSchema" xmlns:xs="http://www.w3.org/2001/XMLSchema" xmlns:p="http://schemas.microsoft.com/office/2006/metadata/properties" xmlns:ns2="230e9df3-be65-4c73-a93b-d1236ebd677e" targetNamespace="http://schemas.microsoft.com/office/2006/metadata/properties" ma:root="true" ma:fieldsID="e317b0b832c9845d3aae3abd1bb0954e" ns2:_="">
     <xsd:import namespace="230e9df3-be65-4c73-a93b-d1236ebd677e"/>
@@ -20749,6 +20496,17 @@
 </ct:contentTypeSchema>
 </file>
 
+<file path=customXml/item2.xml><?xml version="1.0" encoding="utf-8"?>
+<p:properties xmlns:p="http://schemas.microsoft.com/office/2006/metadata/properties" xmlns:xsi="http://www.w3.org/2001/XMLSchema-instance" xmlns:pc="http://schemas.microsoft.com/office/infopath/2007/PartnerControls">
+  <documentManagement>
+    <TaxKeywordTaxHTField xmlns="230e9df3-be65-4c73-a93b-d1236ebd677e">
+      <Terms xmlns="http://schemas.microsoft.com/office/infopath/2007/PartnerControls"/>
+    </TaxKeywordTaxHTField>
+    <TaxCatchAll xmlns="230e9df3-be65-4c73-a93b-d1236ebd677e"/>
+  </documentManagement>
+</p:properties>
+</file>
+
 <file path=customXml/item3.xml><?xml version="1.0" encoding="utf-8"?>
 <?mso-contentType ?>
 <FormTemplates xmlns="http://schemas.microsoft.com/sharepoint/v3/contenttype/forms">
@@ -20759,22 +20517,6 @@
 </file>
 
 <file path=customXml/itemProps1.xml><?xml version="1.0" encoding="utf-8"?>
-<ds:datastoreItem xmlns:ds="http://schemas.openxmlformats.org/officeDocument/2006/customXml" ds:itemID="{69B2F97D-0457-4986-9734-D03EB073C5EA}">
-  <ds:schemaRefs>
-    <ds:schemaRef ds:uri="http://schemas.microsoft.com/office/2006/documentManagement/types"/>
-    <ds:schemaRef ds:uri="http://purl.org/dc/terms/"/>
-    <ds:schemaRef ds:uri="http://purl.org/dc/dcmitype/"/>
-    <ds:schemaRef ds:uri="http://schemas.openxmlformats.org/package/2006/metadata/core-properties"/>
-    <ds:schemaRef ds:uri="http://purl.org/dc/elements/1.1/"/>
-    <ds:schemaRef ds:uri="http://schemas.microsoft.com/office/infopath/2007/PartnerControls"/>
-    <ds:schemaRef ds:uri="230e9df3-be65-4c73-a93b-d1236ebd677e"/>
-    <ds:schemaRef ds:uri="http://schemas.microsoft.com/office/2006/metadata/properties"/>
-    <ds:schemaRef ds:uri="http://www.w3.org/XML/1998/namespace"/>
-  </ds:schemaRefs>
-</ds:datastoreItem>
-</file>
-
-<file path=customXml/itemProps2.xml><?xml version="1.0" encoding="utf-8"?>
 <ds:datastoreItem xmlns:ds="http://schemas.openxmlformats.org/officeDocument/2006/customXml" ds:itemID="{8F590144-748D-417B-8B69-088F107B0F98}">
   <ds:schemaRefs>
     <ds:schemaRef ds:uri="http://schemas.microsoft.com/office/2006/metadata/contentType"/>
@@ -20792,6 +20534,22 @@
 </ds:datastoreItem>
 </file>
 
+<file path=customXml/itemProps2.xml><?xml version="1.0" encoding="utf-8"?>
+<ds:datastoreItem xmlns:ds="http://schemas.openxmlformats.org/officeDocument/2006/customXml" ds:itemID="{69B2F97D-0457-4986-9734-D03EB073C5EA}">
+  <ds:schemaRefs>
+    <ds:schemaRef ds:uri="http://schemas.microsoft.com/office/2006/documentManagement/types"/>
+    <ds:schemaRef ds:uri="http://purl.org/dc/terms/"/>
+    <ds:schemaRef ds:uri="http://purl.org/dc/dcmitype/"/>
+    <ds:schemaRef ds:uri="http://schemas.openxmlformats.org/package/2006/metadata/core-properties"/>
+    <ds:schemaRef ds:uri="http://purl.org/dc/elements/1.1/"/>
+    <ds:schemaRef ds:uri="http://schemas.microsoft.com/office/infopath/2007/PartnerControls"/>
+    <ds:schemaRef ds:uri="230e9df3-be65-4c73-a93b-d1236ebd677e"/>
+    <ds:schemaRef ds:uri="http://schemas.microsoft.com/office/2006/metadata/properties"/>
+    <ds:schemaRef ds:uri="http://www.w3.org/XML/1998/namespace"/>
+  </ds:schemaRefs>
+</ds:datastoreItem>
+</file>
+
 <file path=customXml/itemProps3.xml><?xml version="1.0" encoding="utf-8"?>
 <ds:datastoreItem xmlns:ds="http://schemas.openxmlformats.org/officeDocument/2006/customXml" ds:itemID="{B882D8D6-9D38-4159-A398-AAC3689D3D7C}">
   <ds:schemaRefs>
